--- a/TLCN.pptx
+++ b/TLCN.pptx
@@ -1,25 +1,29 @@
 
 <file path=ppt/presentation.xml><?xml version="1.0" encoding="utf-8"?>
-<p:presentation xmlns:a="http://schemas.openxmlformats.org/drawingml/2006/main" xmlns:r="http://schemas.openxmlformats.org/officeDocument/2006/relationships" xmlns:p="http://schemas.openxmlformats.org/presentationml/2006/main" saveSubsetFonts="1">
+<p:presentation xmlns:a="http://schemas.openxmlformats.org/drawingml/2006/main" xmlns:r="http://schemas.openxmlformats.org/officeDocument/2006/relationships" xmlns:p="http://schemas.openxmlformats.org/presentationml/2006/main" firstSlideNum="0" saveSubsetFonts="1">
   <p:sldMasterIdLst>
     <p:sldMasterId id="2147483648" r:id="rId1"/>
   </p:sldMasterIdLst>
   <p:notesMasterIdLst>
-    <p:notesMasterId r:id="rId14"/>
+    <p:notesMasterId r:id="rId15"/>
   </p:notesMasterIdLst>
+  <p:handoutMasterIdLst>
+    <p:handoutMasterId r:id="rId16"/>
+  </p:handoutMasterIdLst>
   <p:sldIdLst>
     <p:sldId id="256" r:id="rId2"/>
     <p:sldId id="343" r:id="rId3"/>
     <p:sldId id="345" r:id="rId4"/>
-    <p:sldId id="353" r:id="rId5"/>
-    <p:sldId id="380" r:id="rId6"/>
-    <p:sldId id="381" r:id="rId7"/>
-    <p:sldId id="383" r:id="rId8"/>
-    <p:sldId id="378" r:id="rId9"/>
-    <p:sldId id="384" r:id="rId10"/>
-    <p:sldId id="382" r:id="rId11"/>
-    <p:sldId id="362" r:id="rId12"/>
-    <p:sldId id="379" r:id="rId13"/>
+    <p:sldId id="383" r:id="rId5"/>
+    <p:sldId id="384" r:id="rId6"/>
+    <p:sldId id="353" r:id="rId7"/>
+    <p:sldId id="380" r:id="rId8"/>
+    <p:sldId id="381" r:id="rId9"/>
+    <p:sldId id="386" r:id="rId10"/>
+    <p:sldId id="378" r:id="rId11"/>
+    <p:sldId id="385" r:id="rId12"/>
+    <p:sldId id="362" r:id="rId13"/>
+    <p:sldId id="379" r:id="rId14"/>
   </p:sldIdLst>
   <p:sldSz cx="9144000" cy="6858000" type="screen4x3"/>
   <p:notesSz cx="6858000" cy="9144000"/>
@@ -121,12 +125,12 @@
   <p:extLst>
     <p:ext uri="{EFAFB233-063F-42B5-8137-9DF3F51BA10A}">
       <p15:sldGuideLst xmlns:p15="http://schemas.microsoft.com/office/powerpoint/2012/main">
-        <p15:guide id="1" orient="horz" pos="2160">
+        <p15:guide id="1" orient="horz" pos="2160" userDrawn="1">
           <p15:clr>
             <a:srgbClr val="A4A3A4"/>
           </p15:clr>
         </p15:guide>
-        <p15:guide id="2" pos="2880">
+        <p15:guide id="2" pos="2880" userDrawn="1">
           <p15:clr>
             <a:srgbClr val="A4A3A4"/>
           </p15:clr>
@@ -149,6 +153,171 @@
     </p:ext>
   </p:extLst>
 </p:presentation>
+</file>
+
+<file path=ppt/handoutMasters/handoutMaster1.xml><?xml version="1.0" encoding="utf-8"?>
+<p:handoutMaster xmlns:a="http://schemas.openxmlformats.org/drawingml/2006/main" xmlns:r="http://schemas.openxmlformats.org/officeDocument/2006/relationships" xmlns:p="http://schemas.openxmlformats.org/presentationml/2006/main">
+  <p:cSld>
+    <p:bg>
+      <p:bgRef idx="1001">
+        <a:schemeClr val="bg1"/>
+      </p:bgRef>
+    </p:bg>
+    <p:spTree>
+      <p:nvGrpSpPr>
+        <p:cNvPr id="1" name=""/>
+        <p:cNvGrpSpPr/>
+        <p:nvPr/>
+      </p:nvGrpSpPr>
+      <p:grpSpPr>
+        <a:xfrm>
+          <a:off x="0" y="0"/>
+          <a:ext cx="0" cy="0"/>
+          <a:chOff x="0" y="0"/>
+          <a:chExt cx="0" cy="0"/>
+        </a:xfrm>
+      </p:grpSpPr>
+      <p:sp>
+        <p:nvSpPr>
+          <p:cNvPr id="2" name="Header Placeholder 1"/>
+          <p:cNvSpPr>
+            <a:spLocks noGrp="1"/>
+          </p:cNvSpPr>
+          <p:nvPr>
+            <p:ph type="hdr" sz="quarter"/>
+          </p:nvPr>
+        </p:nvSpPr>
+        <p:spPr>
+          <a:xfrm>
+            <a:off x="0" y="0"/>
+            <a:ext cx="2971800" cy="458788"/>
+          </a:xfrm>
+          <a:prstGeom prst="rect">
+            <a:avLst/>
+          </a:prstGeom>
+        </p:spPr>
+        <p:txBody>
+          <a:bodyPr vert="horz" lIns="91440" tIns="45720" rIns="91440" bIns="45720" rtlCol="0"/>
+          <a:lstStyle>
+            <a:lvl1pPr algn="l">
+              <a:defRPr sz="1200"/>
+            </a:lvl1pPr>
+          </a:lstStyle>
+          <a:p>
+            <a:endParaRPr lang="en-US"/>
+          </a:p>
+        </p:txBody>
+      </p:sp>
+      <p:sp>
+        <p:nvSpPr>
+          <p:cNvPr id="3" name="Date Placeholder 2"/>
+          <p:cNvSpPr>
+            <a:spLocks noGrp="1"/>
+          </p:cNvSpPr>
+          <p:nvPr>
+            <p:ph type="dt" sz="quarter" idx="1"/>
+          </p:nvPr>
+        </p:nvSpPr>
+        <p:spPr>
+          <a:xfrm>
+            <a:off x="3884613" y="0"/>
+            <a:ext cx="2971800" cy="458788"/>
+          </a:xfrm>
+          <a:prstGeom prst="rect">
+            <a:avLst/>
+          </a:prstGeom>
+        </p:spPr>
+        <p:txBody>
+          <a:bodyPr vert="horz" lIns="91440" tIns="45720" rIns="91440" bIns="45720" rtlCol="0"/>
+          <a:lstStyle>
+            <a:lvl1pPr algn="r">
+              <a:defRPr sz="1200"/>
+            </a:lvl1pPr>
+          </a:lstStyle>
+          <a:p>
+            <a:fld id="{052EA626-D19C-47E7-A4FE-A00F33E63191}" type="datetimeFigureOut">
+              <a:rPr lang="en-US" smtClean="0"/>
+              <a:t>12/10/2019</a:t>
+            </a:fld>
+            <a:endParaRPr lang="en-US"/>
+          </a:p>
+        </p:txBody>
+      </p:sp>
+      <p:sp>
+        <p:nvSpPr>
+          <p:cNvPr id="4" name="Footer Placeholder 3"/>
+          <p:cNvSpPr>
+            <a:spLocks noGrp="1"/>
+          </p:cNvSpPr>
+          <p:nvPr>
+            <p:ph type="ftr" sz="quarter" idx="2"/>
+          </p:nvPr>
+        </p:nvSpPr>
+        <p:spPr>
+          <a:xfrm>
+            <a:off x="0" y="8685213"/>
+            <a:ext cx="2971800" cy="458787"/>
+          </a:xfrm>
+          <a:prstGeom prst="rect">
+            <a:avLst/>
+          </a:prstGeom>
+        </p:spPr>
+        <p:txBody>
+          <a:bodyPr vert="horz" lIns="91440" tIns="45720" rIns="91440" bIns="45720" rtlCol="0" anchor="b"/>
+          <a:lstStyle>
+            <a:lvl1pPr algn="l">
+              <a:defRPr sz="1200"/>
+            </a:lvl1pPr>
+          </a:lstStyle>
+          <a:p>
+            <a:endParaRPr lang="en-US"/>
+          </a:p>
+        </p:txBody>
+      </p:sp>
+      <p:sp>
+        <p:nvSpPr>
+          <p:cNvPr id="5" name="Slide Number Placeholder 4"/>
+          <p:cNvSpPr>
+            <a:spLocks noGrp="1"/>
+          </p:cNvSpPr>
+          <p:nvPr>
+            <p:ph type="sldNum" sz="quarter" idx="3"/>
+          </p:nvPr>
+        </p:nvSpPr>
+        <p:spPr>
+          <a:xfrm>
+            <a:off x="3884613" y="8685213"/>
+            <a:ext cx="2971800" cy="458787"/>
+          </a:xfrm>
+          <a:prstGeom prst="rect">
+            <a:avLst/>
+          </a:prstGeom>
+        </p:spPr>
+        <p:txBody>
+          <a:bodyPr vert="horz" lIns="91440" tIns="45720" rIns="91440" bIns="45720" rtlCol="0" anchor="b"/>
+          <a:lstStyle>
+            <a:lvl1pPr algn="r">
+              <a:defRPr sz="1200"/>
+            </a:lvl1pPr>
+          </a:lstStyle>
+          <a:p>
+            <a:fld id="{D19793DB-079E-4FF1-9AEA-0FC8C8AE4D5F}" type="slidenum">
+              <a:rPr lang="en-US" smtClean="0"/>
+              <a:t>‹#›</a:t>
+            </a:fld>
+            <a:endParaRPr lang="en-US"/>
+          </a:p>
+        </p:txBody>
+      </p:sp>
+    </p:spTree>
+    <p:extLst>
+      <p:ext uri="{BB962C8B-B14F-4D97-AF65-F5344CB8AC3E}">
+        <p14:creationId xmlns:p14="http://schemas.microsoft.com/office/powerpoint/2010/main" val="2599227235"/>
+      </p:ext>
+    </p:extLst>
+  </p:cSld>
+  <p:clrMap bg1="lt1" tx1="dk1" bg2="lt2" tx2="dk2" accent1="accent1" accent2="accent2" accent3="accent3" accent4="accent4" accent5="accent5" accent6="accent6" hlink="hlink" folHlink="folHlink"/>
+</p:handoutMaster>
 </file>
 
 <file path=ppt/notesMasters/notesMaster1.xml><?xml version="1.0" encoding="utf-8"?>
@@ -566,7 +735,7 @@
           <a:p>
             <a:fld id="{FB7AA992-FA20-47C7-82C2-27054B24CEF8}" type="slidenum">
               <a:rPr lang="en-PH" smtClean="0"/>
-              <a:t>1</a:t>
+              <a:t>0</a:t>
             </a:fld>
             <a:endParaRPr lang="en-PH"/>
           </a:p>
@@ -650,6 +819,90 @@
           <a:p>
             <a:fld id="{9EACB153-8A45-4A03-B4AA-3A1F6AAA2A57}" type="slidenum">
               <a:rPr lang="en-US" smtClean="0"/>
+              <a:t>11</a:t>
+            </a:fld>
+            <a:endParaRPr lang="en-US"/>
+          </a:p>
+        </p:txBody>
+      </p:sp>
+    </p:spTree>
+    <p:extLst>
+      <p:ext uri="{BB962C8B-B14F-4D97-AF65-F5344CB8AC3E}">
+        <p14:creationId xmlns:p14="http://schemas.microsoft.com/office/powerpoint/2010/main" val="2366259701"/>
+      </p:ext>
+    </p:extLst>
+  </p:cSld>
+  <p:clrMapOvr>
+    <a:masterClrMapping/>
+  </p:clrMapOvr>
+</p:notes>
+</file>
+
+<file path=ppt/notesSlides/notesSlide11.xml><?xml version="1.0" encoding="utf-8"?>
+<p:notes xmlns:a="http://schemas.openxmlformats.org/drawingml/2006/main" xmlns:r="http://schemas.openxmlformats.org/officeDocument/2006/relationships" xmlns:p="http://schemas.openxmlformats.org/presentationml/2006/main">
+  <p:cSld>
+    <p:spTree>
+      <p:nvGrpSpPr>
+        <p:cNvPr id="1" name=""/>
+        <p:cNvGrpSpPr/>
+        <p:nvPr/>
+      </p:nvGrpSpPr>
+      <p:grpSpPr>
+        <a:xfrm>
+          <a:off x="0" y="0"/>
+          <a:ext cx="0" cy="0"/>
+          <a:chOff x="0" y="0"/>
+          <a:chExt cx="0" cy="0"/>
+        </a:xfrm>
+      </p:grpSpPr>
+      <p:sp>
+        <p:nvSpPr>
+          <p:cNvPr id="2" name="Slide Image Placeholder 1"/>
+          <p:cNvSpPr>
+            <a:spLocks noGrp="1" noRot="1" noChangeAspect="1"/>
+          </p:cNvSpPr>
+          <p:nvPr>
+            <p:ph type="sldImg"/>
+          </p:nvPr>
+        </p:nvSpPr>
+        <p:spPr/>
+      </p:sp>
+      <p:sp>
+        <p:nvSpPr>
+          <p:cNvPr id="3" name="Notes Placeholder 2"/>
+          <p:cNvSpPr>
+            <a:spLocks noGrp="1"/>
+          </p:cNvSpPr>
+          <p:nvPr>
+            <p:ph type="body" idx="1"/>
+          </p:nvPr>
+        </p:nvSpPr>
+        <p:spPr/>
+        <p:txBody>
+          <a:bodyPr/>
+          <a:lstStyle/>
+          <a:p>
+            <a:endParaRPr lang="en-US" dirty="0"/>
+          </a:p>
+        </p:txBody>
+      </p:sp>
+      <p:sp>
+        <p:nvSpPr>
+          <p:cNvPr id="4" name="Slide Number Placeholder 3"/>
+          <p:cNvSpPr>
+            <a:spLocks noGrp="1"/>
+          </p:cNvSpPr>
+          <p:nvPr>
+            <p:ph type="sldNum" sz="quarter" idx="10"/>
+          </p:nvPr>
+        </p:nvSpPr>
+        <p:spPr/>
+        <p:txBody>
+          <a:bodyPr/>
+          <a:lstStyle/>
+          <a:p>
+            <a:fld id="{9EACB153-8A45-4A03-B4AA-3A1F6AAA2A57}" type="slidenum">
+              <a:rPr lang="en-US" smtClean="0"/>
               <a:t>12</a:t>
             </a:fld>
             <a:endParaRPr lang="en-US"/>
@@ -734,7 +987,7 @@
           <a:p>
             <a:fld id="{FB7AA992-FA20-47C7-82C2-27054B24CEF8}" type="slidenum">
               <a:rPr lang="en-PH" smtClean="0"/>
-              <a:t>2</a:t>
+              <a:t>1</a:t>
             </a:fld>
             <a:endParaRPr lang="en-PH"/>
           </a:p>
@@ -818,7 +1071,7 @@
           <a:p>
             <a:fld id="{FB7AA992-FA20-47C7-82C2-27054B24CEF8}" type="slidenum">
               <a:rPr lang="en-PH" smtClean="0"/>
-              <a:t>3</a:t>
+              <a:t>2</a:t>
             </a:fld>
             <a:endParaRPr lang="en-PH"/>
           </a:p>
@@ -900,18 +1153,18 @@
           <a:bodyPr/>
           <a:lstStyle/>
           <a:p>
-            <a:fld id="{9EACB153-8A45-4A03-B4AA-3A1F6AAA2A57}" type="slidenum">
-              <a:rPr lang="en-US" smtClean="0"/>
-              <a:t>4</a:t>
+            <a:fld id="{FB7AA992-FA20-47C7-82C2-27054B24CEF8}" type="slidenum">
+              <a:rPr lang="en-PH" smtClean="0"/>
+              <a:t>3</a:t>
             </a:fld>
-            <a:endParaRPr lang="en-US"/>
+            <a:endParaRPr lang="en-PH"/>
           </a:p>
         </p:txBody>
       </p:sp>
     </p:spTree>
     <p:extLst>
       <p:ext uri="{BB962C8B-B14F-4D97-AF65-F5344CB8AC3E}">
-        <p14:creationId xmlns:p14="http://schemas.microsoft.com/office/powerpoint/2010/main" val="3627296487"/>
+        <p14:creationId xmlns:p14="http://schemas.microsoft.com/office/powerpoint/2010/main" val="2570012759"/>
       </p:ext>
     </p:extLst>
   </p:cSld>
@@ -984,18 +1237,18 @@
           <a:bodyPr/>
           <a:lstStyle/>
           <a:p>
-            <a:fld id="{9EACB153-8A45-4A03-B4AA-3A1F6AAA2A57}" type="slidenum">
-              <a:rPr lang="en-US" smtClean="0"/>
-              <a:t>5</a:t>
+            <a:fld id="{FB7AA992-FA20-47C7-82C2-27054B24CEF8}" type="slidenum">
+              <a:rPr lang="en-PH" smtClean="0"/>
+              <a:t>4</a:t>
             </a:fld>
-            <a:endParaRPr lang="en-US"/>
+            <a:endParaRPr lang="en-PH"/>
           </a:p>
         </p:txBody>
       </p:sp>
     </p:spTree>
     <p:extLst>
       <p:ext uri="{BB962C8B-B14F-4D97-AF65-F5344CB8AC3E}">
-        <p14:creationId xmlns:p14="http://schemas.microsoft.com/office/powerpoint/2010/main" val="1993771402"/>
+        <p14:creationId xmlns:p14="http://schemas.microsoft.com/office/powerpoint/2010/main" val="2268415959"/>
       </p:ext>
     </p:extLst>
   </p:cSld>
@@ -1070,7 +1323,7 @@
           <a:p>
             <a:fld id="{9EACB153-8A45-4A03-B4AA-3A1F6AAA2A57}" type="slidenum">
               <a:rPr lang="en-US" smtClean="0"/>
-              <a:t>8</a:t>
+              <a:t>5</a:t>
             </a:fld>
             <a:endParaRPr lang="en-US"/>
           </a:p>
@@ -1079,7 +1332,7 @@
     </p:spTree>
     <p:extLst>
       <p:ext uri="{BB962C8B-B14F-4D97-AF65-F5344CB8AC3E}">
-        <p14:creationId xmlns:p14="http://schemas.microsoft.com/office/powerpoint/2010/main" val="2302187582"/>
+        <p14:creationId xmlns:p14="http://schemas.microsoft.com/office/powerpoint/2010/main" val="3627296487"/>
       </p:ext>
     </p:extLst>
   </p:cSld>
@@ -1154,7 +1407,7 @@
           <a:p>
             <a:fld id="{9EACB153-8A45-4A03-B4AA-3A1F6AAA2A57}" type="slidenum">
               <a:rPr lang="en-US" smtClean="0"/>
-              <a:t>9</a:t>
+              <a:t>6</a:t>
             </a:fld>
             <a:endParaRPr lang="en-US"/>
           </a:p>
@@ -1163,7 +1416,7 @@
     </p:spTree>
     <p:extLst>
       <p:ext uri="{BB962C8B-B14F-4D97-AF65-F5344CB8AC3E}">
-        <p14:creationId xmlns:p14="http://schemas.microsoft.com/office/powerpoint/2010/main" val="739223982"/>
+        <p14:creationId xmlns:p14="http://schemas.microsoft.com/office/powerpoint/2010/main" val="1993771402"/>
       </p:ext>
     </p:extLst>
   </p:cSld>
@@ -1238,7 +1491,7 @@
           <a:p>
             <a:fld id="{9EACB153-8A45-4A03-B4AA-3A1F6AAA2A57}" type="slidenum">
               <a:rPr lang="en-US" smtClean="0"/>
-              <a:t>10</a:t>
+              <a:t>9</a:t>
             </a:fld>
             <a:endParaRPr lang="en-US"/>
           </a:p>
@@ -1247,7 +1500,7 @@
     </p:spTree>
     <p:extLst>
       <p:ext uri="{BB962C8B-B14F-4D97-AF65-F5344CB8AC3E}">
-        <p14:creationId xmlns:p14="http://schemas.microsoft.com/office/powerpoint/2010/main" val="2250535202"/>
+        <p14:creationId xmlns:p14="http://schemas.microsoft.com/office/powerpoint/2010/main" val="2302187582"/>
       </p:ext>
     </p:extLst>
   </p:cSld>
@@ -1322,7 +1575,7 @@
           <a:p>
             <a:fld id="{9EACB153-8A45-4A03-B4AA-3A1F6AAA2A57}" type="slidenum">
               <a:rPr lang="en-US" smtClean="0"/>
-              <a:t>11</a:t>
+              <a:t>10</a:t>
             </a:fld>
             <a:endParaRPr lang="en-US"/>
           </a:p>
@@ -1331,7 +1584,7 @@
     </p:spTree>
     <p:extLst>
       <p:ext uri="{BB962C8B-B14F-4D97-AF65-F5344CB8AC3E}">
-        <p14:creationId xmlns:p14="http://schemas.microsoft.com/office/powerpoint/2010/main" val="2366259701"/>
+        <p14:creationId xmlns:p14="http://schemas.microsoft.com/office/powerpoint/2010/main" val="1298660472"/>
       </p:ext>
     </p:extLst>
   </p:cSld>
@@ -1540,9 +1793,8 @@
           <a:bodyPr/>
           <a:lstStyle/>
           <a:p>
-            <a:fld id="{1D8BD707-D9CF-40AE-B4C6-C98DA3205C09}" type="datetimeFigureOut">
+            <a:fld id="{760B386C-BBCD-42EA-8691-C4CBD9294CD4}" type="datetime1">
               <a:rPr lang="en-US" smtClean="0"/>
-              <a:pPr/>
               <a:t>12/10/2019</a:t>
             </a:fld>
             <a:endParaRPr lang="en-US"/>
@@ -1707,9 +1959,8 @@
           <a:bodyPr/>
           <a:lstStyle/>
           <a:p>
-            <a:fld id="{1D8BD707-D9CF-40AE-B4C6-C98DA3205C09}" type="datetimeFigureOut">
+            <a:fld id="{E2C25004-684B-42DE-8E42-B02F6A88927D}" type="datetime1">
               <a:rPr lang="en-US" smtClean="0"/>
-              <a:pPr/>
               <a:t>12/10/2019</a:t>
             </a:fld>
             <a:endParaRPr lang="en-US"/>
@@ -1884,9 +2135,8 @@
           <a:bodyPr/>
           <a:lstStyle/>
           <a:p>
-            <a:fld id="{1D8BD707-D9CF-40AE-B4C6-C98DA3205C09}" type="datetimeFigureOut">
+            <a:fld id="{5780F0B4-1F61-496C-A568-DEF97F603ED1}" type="datetime1">
               <a:rPr lang="en-US" smtClean="0"/>
-              <a:pPr/>
               <a:t>12/10/2019</a:t>
             </a:fld>
             <a:endParaRPr lang="en-US"/>
@@ -2051,9 +2301,8 @@
           <a:bodyPr/>
           <a:lstStyle/>
           <a:p>
-            <a:fld id="{1D8BD707-D9CF-40AE-B4C6-C98DA3205C09}" type="datetimeFigureOut">
+            <a:fld id="{04370753-B2FE-4129-BE3C-BAC1BF26BA8F}" type="datetime1">
               <a:rPr lang="en-US" smtClean="0"/>
-              <a:pPr/>
               <a:t>12/10/2019</a:t>
             </a:fld>
             <a:endParaRPr lang="en-US"/>
@@ -2294,9 +2543,8 @@
           <a:bodyPr/>
           <a:lstStyle/>
           <a:p>
-            <a:fld id="{1D8BD707-D9CF-40AE-B4C6-C98DA3205C09}" type="datetimeFigureOut">
+            <a:fld id="{CB2900AC-9F65-42EA-ADC4-BAF6CD7FD179}" type="datetime1">
               <a:rPr lang="en-US" smtClean="0"/>
-              <a:pPr/>
               <a:t>12/10/2019</a:t>
             </a:fld>
             <a:endParaRPr lang="en-US"/>
@@ -2579,9 +2827,8 @@
           <a:bodyPr/>
           <a:lstStyle/>
           <a:p>
-            <a:fld id="{1D8BD707-D9CF-40AE-B4C6-C98DA3205C09}" type="datetimeFigureOut">
+            <a:fld id="{1A4257EB-FF20-4C62-AEF6-8ABBBB574650}" type="datetime1">
               <a:rPr lang="en-US" smtClean="0"/>
-              <a:pPr/>
               <a:t>12/10/2019</a:t>
             </a:fld>
             <a:endParaRPr lang="en-US"/>
@@ -2998,9 +3245,8 @@
           <a:bodyPr/>
           <a:lstStyle/>
           <a:p>
-            <a:fld id="{1D8BD707-D9CF-40AE-B4C6-C98DA3205C09}" type="datetimeFigureOut">
+            <a:fld id="{4364453C-03D7-4E0D-9D1F-A2340108C87D}" type="datetime1">
               <a:rPr lang="en-US" smtClean="0"/>
-              <a:pPr/>
               <a:t>12/10/2019</a:t>
             </a:fld>
             <a:endParaRPr lang="en-US"/>
@@ -3113,9 +3359,8 @@
           <a:bodyPr/>
           <a:lstStyle/>
           <a:p>
-            <a:fld id="{1D8BD707-D9CF-40AE-B4C6-C98DA3205C09}" type="datetimeFigureOut">
+            <a:fld id="{63388F9B-6BCE-46C1-B1B4-EC5FA73F833E}" type="datetime1">
               <a:rPr lang="en-US" smtClean="0"/>
-              <a:pPr/>
               <a:t>12/10/2019</a:t>
             </a:fld>
             <a:endParaRPr lang="en-US"/>
@@ -3205,9 +3450,8 @@
           <a:bodyPr/>
           <a:lstStyle/>
           <a:p>
-            <a:fld id="{1D8BD707-D9CF-40AE-B4C6-C98DA3205C09}" type="datetimeFigureOut">
+            <a:fld id="{204EA0CF-18ED-4CAB-8B82-C17B71876C9D}" type="datetime1">
               <a:rPr lang="en-US" smtClean="0"/>
-              <a:pPr/>
               <a:t>12/10/2019</a:t>
             </a:fld>
             <a:endParaRPr lang="en-US"/>
@@ -3479,9 +3723,8 @@
           <a:bodyPr/>
           <a:lstStyle/>
           <a:p>
-            <a:fld id="{1D8BD707-D9CF-40AE-B4C6-C98DA3205C09}" type="datetimeFigureOut">
+            <a:fld id="{9074A40E-B9D1-4723-BB67-70B93EF04FF5}" type="datetime1">
               <a:rPr lang="en-US" smtClean="0"/>
-              <a:pPr/>
               <a:t>12/10/2019</a:t>
             </a:fld>
             <a:endParaRPr lang="en-US"/>
@@ -3729,9 +3972,8 @@
           <a:bodyPr/>
           <a:lstStyle/>
           <a:p>
-            <a:fld id="{1D8BD707-D9CF-40AE-B4C6-C98DA3205C09}" type="datetimeFigureOut">
+            <a:fld id="{ADEEDEE7-4A73-4C6C-94CD-FF91233C960E}" type="datetime1">
               <a:rPr lang="en-US" smtClean="0"/>
-              <a:pPr/>
               <a:t>12/10/2019</a:t>
             </a:fld>
             <a:endParaRPr lang="en-US"/>
@@ -3946,9 +4188,8 @@
             </a:lvl1pPr>
           </a:lstStyle>
           <a:p>
-            <a:fld id="{1D8BD707-D9CF-40AE-B4C6-C98DA3205C09}" type="datetimeFigureOut">
+            <a:fld id="{A336256D-85B8-4FE2-8744-3ABA02D29129}" type="datetime1">
               <a:rPr lang="en-US" smtClean="0"/>
-              <a:pPr/>
               <a:t>12/10/2019</a:t>
             </a:fld>
             <a:endParaRPr lang="en-US" dirty="0"/>
@@ -4046,6 +4287,7 @@
     <p:sldLayoutId id="2147483658" r:id="rId10"/>
     <p:sldLayoutId id="2147483659" r:id="rId11"/>
   </p:sldLayoutIdLst>
+  <p:hf hdr="0" ftr="0" dt="0"/>
   <p:txStyles>
     <p:titleStyle>
       <a:lvl1pPr algn="ctr" defTabSz="914400" rtl="0" eaLnBrk="1" latinLnBrk="0" hangingPunct="1">
@@ -5587,6 +5829,16 @@
               <a:buNone/>
             </a:pPr>
             <a:r>
+              <a:rPr lang="en-US" sz="4000" dirty="0" err="1" smtClean="0">
+                <a:solidFill>
+                  <a:schemeClr val="tx1"/>
+                </a:solidFill>
+                <a:latin typeface="Times New Roman" panose="02020603050405020304" pitchFamily="18" charset="0"/>
+                <a:cs typeface="Times New Roman" panose="02020603050405020304" pitchFamily="18" charset="0"/>
+              </a:rPr>
+              <a:t>Các</a:t>
+            </a:r>
+            <a:r>
               <a:rPr lang="en-US" sz="4000" dirty="0" smtClean="0">
                 <a:solidFill>
                   <a:schemeClr val="tx1"/>
@@ -5594,7 +5846,7 @@
                 <a:latin typeface="Times New Roman" panose="02020603050405020304" pitchFamily="18" charset="0"/>
                 <a:cs typeface="Times New Roman" panose="02020603050405020304" pitchFamily="18" charset="0"/>
               </a:rPr>
-              <a:t>Demo </a:t>
+              <a:t> </a:t>
             </a:r>
             <a:r>
               <a:rPr lang="en-US" sz="4000" dirty="0" err="1" smtClean="0">
@@ -5604,20 +5856,102 @@
                 <a:latin typeface="Times New Roman" panose="02020603050405020304" pitchFamily="18" charset="0"/>
                 <a:cs typeface="Times New Roman" panose="02020603050405020304" pitchFamily="18" charset="0"/>
               </a:rPr>
+              <a:t>tính</a:t>
+            </a:r>
+            <a:r>
+              <a:rPr lang="en-US" sz="4000" dirty="0" smtClean="0">
+                <a:solidFill>
+                  <a:schemeClr val="tx1"/>
+                </a:solidFill>
+                <a:latin typeface="Times New Roman" panose="02020603050405020304" pitchFamily="18" charset="0"/>
+                <a:cs typeface="Times New Roman" panose="02020603050405020304" pitchFamily="18" charset="0"/>
+              </a:rPr>
+              <a:t> </a:t>
+            </a:r>
+            <a:r>
+              <a:rPr lang="en-US" sz="4000" dirty="0" err="1" smtClean="0">
+                <a:solidFill>
+                  <a:schemeClr val="tx1"/>
+                </a:solidFill>
+                <a:latin typeface="Times New Roman" panose="02020603050405020304" pitchFamily="18" charset="0"/>
+                <a:cs typeface="Times New Roman" panose="02020603050405020304" pitchFamily="18" charset="0"/>
+              </a:rPr>
+              <a:t>năng</a:t>
+            </a:r>
+            <a:r>
+              <a:rPr lang="en-US" sz="4000" dirty="0" smtClean="0">
+                <a:solidFill>
+                  <a:schemeClr val="tx1"/>
+                </a:solidFill>
+                <a:latin typeface="Times New Roman" panose="02020603050405020304" pitchFamily="18" charset="0"/>
+                <a:cs typeface="Times New Roman" panose="02020603050405020304" pitchFamily="18" charset="0"/>
+              </a:rPr>
+              <a:t> </a:t>
+            </a:r>
+            <a:r>
+              <a:rPr lang="en-US" sz="4000" dirty="0" err="1" smtClean="0">
+                <a:solidFill>
+                  <a:schemeClr val="tx1"/>
+                </a:solidFill>
+                <a:latin typeface="Times New Roman" panose="02020603050405020304" pitchFamily="18" charset="0"/>
+                <a:cs typeface="Times New Roman" panose="02020603050405020304" pitchFamily="18" charset="0"/>
+              </a:rPr>
+              <a:t>chính</a:t>
+            </a:r>
+            <a:r>
+              <a:rPr lang="en-US" sz="4000" dirty="0" smtClean="0">
+                <a:solidFill>
+                  <a:schemeClr val="tx1"/>
+                </a:solidFill>
+                <a:latin typeface="Times New Roman" panose="02020603050405020304" pitchFamily="18" charset="0"/>
+                <a:cs typeface="Times New Roman" panose="02020603050405020304" pitchFamily="18" charset="0"/>
+              </a:rPr>
+              <a:t>:</a:t>
+            </a:r>
+          </a:p>
+          <a:p>
+            <a:r>
+              <a:rPr lang="en-US" sz="3000" dirty="0" err="1" smtClean="0">
+                <a:solidFill>
+                  <a:schemeClr val="tx1"/>
+                </a:solidFill>
+                <a:latin typeface="Times New Roman" panose="02020603050405020304" pitchFamily="18" charset="0"/>
+                <a:cs typeface="Times New Roman" panose="02020603050405020304" pitchFamily="18" charset="0"/>
+              </a:rPr>
+              <a:t>Xem</a:t>
+            </a:r>
+            <a:r>
+              <a:rPr lang="en-US" sz="3000" dirty="0" smtClean="0">
+                <a:solidFill>
+                  <a:schemeClr val="tx1"/>
+                </a:solidFill>
+                <a:latin typeface="Times New Roman" panose="02020603050405020304" pitchFamily="18" charset="0"/>
+                <a:cs typeface="Times New Roman" panose="02020603050405020304" pitchFamily="18" charset="0"/>
+              </a:rPr>
+              <a:t> </a:t>
+            </a:r>
+            <a:r>
+              <a:rPr lang="en-US" sz="3000" dirty="0" err="1" smtClean="0">
+                <a:solidFill>
+                  <a:schemeClr val="tx1"/>
+                </a:solidFill>
+                <a:latin typeface="Times New Roman" panose="02020603050405020304" pitchFamily="18" charset="0"/>
+                <a:cs typeface="Times New Roman" panose="02020603050405020304" pitchFamily="18" charset="0"/>
+              </a:rPr>
               <a:t>sản</a:t>
             </a:r>
             <a:r>
-              <a:rPr lang="en-US" sz="4000" dirty="0" smtClean="0">
-                <a:solidFill>
-                  <a:schemeClr val="tx1"/>
-                </a:solidFill>
-                <a:latin typeface="Times New Roman" panose="02020603050405020304" pitchFamily="18" charset="0"/>
-                <a:cs typeface="Times New Roman" panose="02020603050405020304" pitchFamily="18" charset="0"/>
-              </a:rPr>
-              <a:t> </a:t>
-            </a:r>
-            <a:r>
-              <a:rPr lang="en-US" sz="4000" dirty="0" err="1" smtClean="0">
+              <a:rPr lang="en-US" sz="3000" dirty="0" smtClean="0">
+                <a:solidFill>
+                  <a:schemeClr val="tx1"/>
+                </a:solidFill>
+                <a:latin typeface="Times New Roman" panose="02020603050405020304" pitchFamily="18" charset="0"/>
+                <a:cs typeface="Times New Roman" panose="02020603050405020304" pitchFamily="18" charset="0"/>
+              </a:rPr>
+              <a:t> </a:t>
+            </a:r>
+            <a:r>
+              <a:rPr lang="en-US" sz="3000" dirty="0" err="1" smtClean="0">
                 <a:solidFill>
                   <a:schemeClr val="tx1"/>
                 </a:solidFill>
@@ -5627,7 +5961,7 @@
               <a:t>phẩm</a:t>
             </a:r>
             <a:r>
-              <a:rPr lang="en-US" sz="4000" dirty="0" smtClean="0">
+              <a:rPr lang="en-US" sz="3000" dirty="0" smtClean="0">
                 <a:solidFill>
                   <a:schemeClr val="tx1"/>
                 </a:solidFill>
@@ -5636,18 +5970,212 @@
               </a:rPr>
               <a:t>.</a:t>
             </a:r>
-            <a:endParaRPr lang="en-US" sz="4000" dirty="0" smtClean="0">
-              <a:solidFill>
-                <a:schemeClr val="tx1"/>
-              </a:solidFill>
-              <a:latin typeface="Times New Roman" panose="02020603050405020304" pitchFamily="18" charset="0"/>
-              <a:cs typeface="Times New Roman" panose="02020603050405020304" pitchFamily="18" charset="0"/>
-            </a:endParaRPr>
-          </a:p>
-          <a:p>
-            <a:pPr marL="0" indent="0">
-              <a:buNone/>
-            </a:pPr>
+          </a:p>
+          <a:p>
+            <a:r>
+              <a:rPr lang="en-US" sz="3000" dirty="0" err="1" smtClean="0">
+                <a:solidFill>
+                  <a:schemeClr val="tx1"/>
+                </a:solidFill>
+                <a:latin typeface="Times New Roman" panose="02020603050405020304" pitchFamily="18" charset="0"/>
+                <a:cs typeface="Times New Roman" panose="02020603050405020304" pitchFamily="18" charset="0"/>
+              </a:rPr>
+              <a:t>Mua</a:t>
+            </a:r>
+            <a:r>
+              <a:rPr lang="en-US" sz="3000" dirty="0" smtClean="0">
+                <a:solidFill>
+                  <a:schemeClr val="tx1"/>
+                </a:solidFill>
+                <a:latin typeface="Times New Roman" panose="02020603050405020304" pitchFamily="18" charset="0"/>
+                <a:cs typeface="Times New Roman" panose="02020603050405020304" pitchFamily="18" charset="0"/>
+              </a:rPr>
+              <a:t> </a:t>
+            </a:r>
+            <a:r>
+              <a:rPr lang="en-US" sz="3000" dirty="0" err="1" smtClean="0">
+                <a:solidFill>
+                  <a:schemeClr val="tx1"/>
+                </a:solidFill>
+                <a:latin typeface="Times New Roman" panose="02020603050405020304" pitchFamily="18" charset="0"/>
+                <a:cs typeface="Times New Roman" panose="02020603050405020304" pitchFamily="18" charset="0"/>
+              </a:rPr>
+              <a:t>hàng</a:t>
+            </a:r>
+            <a:r>
+              <a:rPr lang="en-US" sz="3000" dirty="0" smtClean="0">
+                <a:solidFill>
+                  <a:schemeClr val="tx1"/>
+                </a:solidFill>
+                <a:latin typeface="Times New Roman" panose="02020603050405020304" pitchFamily="18" charset="0"/>
+                <a:cs typeface="Times New Roman" panose="02020603050405020304" pitchFamily="18" charset="0"/>
+              </a:rPr>
+              <a:t>.</a:t>
+            </a:r>
+          </a:p>
+          <a:p>
+            <a:r>
+              <a:rPr lang="en-US" sz="3000" dirty="0" err="1" smtClean="0">
+                <a:solidFill>
+                  <a:schemeClr val="tx1"/>
+                </a:solidFill>
+                <a:latin typeface="Times New Roman" panose="02020603050405020304" pitchFamily="18" charset="0"/>
+                <a:cs typeface="Times New Roman" panose="02020603050405020304" pitchFamily="18" charset="0"/>
+              </a:rPr>
+              <a:t>Quản</a:t>
+            </a:r>
+            <a:r>
+              <a:rPr lang="en-US" sz="3000" dirty="0" smtClean="0">
+                <a:solidFill>
+                  <a:schemeClr val="tx1"/>
+                </a:solidFill>
+                <a:latin typeface="Times New Roman" panose="02020603050405020304" pitchFamily="18" charset="0"/>
+                <a:cs typeface="Times New Roman" panose="02020603050405020304" pitchFamily="18" charset="0"/>
+              </a:rPr>
+              <a:t> </a:t>
+            </a:r>
+            <a:r>
+              <a:rPr lang="en-US" sz="3000" dirty="0" err="1" smtClean="0">
+                <a:solidFill>
+                  <a:schemeClr val="tx1"/>
+                </a:solidFill>
+                <a:latin typeface="Times New Roman" panose="02020603050405020304" pitchFamily="18" charset="0"/>
+                <a:cs typeface="Times New Roman" panose="02020603050405020304" pitchFamily="18" charset="0"/>
+              </a:rPr>
+              <a:t>lý</a:t>
+            </a:r>
+            <a:r>
+              <a:rPr lang="en-US" sz="3000" dirty="0" smtClean="0">
+                <a:solidFill>
+                  <a:schemeClr val="tx1"/>
+                </a:solidFill>
+                <a:latin typeface="Times New Roman" panose="02020603050405020304" pitchFamily="18" charset="0"/>
+                <a:cs typeface="Times New Roman" panose="02020603050405020304" pitchFamily="18" charset="0"/>
+              </a:rPr>
+              <a:t> </a:t>
+            </a:r>
+            <a:r>
+              <a:rPr lang="en-US" sz="3000" dirty="0" err="1" smtClean="0">
+                <a:solidFill>
+                  <a:schemeClr val="tx1"/>
+                </a:solidFill>
+                <a:latin typeface="Times New Roman" panose="02020603050405020304" pitchFamily="18" charset="0"/>
+                <a:cs typeface="Times New Roman" panose="02020603050405020304" pitchFamily="18" charset="0"/>
+              </a:rPr>
+              <a:t>sản</a:t>
+            </a:r>
+            <a:r>
+              <a:rPr lang="en-US" sz="3000" dirty="0" smtClean="0">
+                <a:solidFill>
+                  <a:schemeClr val="tx1"/>
+                </a:solidFill>
+                <a:latin typeface="Times New Roman" panose="02020603050405020304" pitchFamily="18" charset="0"/>
+                <a:cs typeface="Times New Roman" panose="02020603050405020304" pitchFamily="18" charset="0"/>
+              </a:rPr>
+              <a:t> </a:t>
+            </a:r>
+            <a:r>
+              <a:rPr lang="en-US" sz="3000" dirty="0" err="1" smtClean="0">
+                <a:solidFill>
+                  <a:schemeClr val="tx1"/>
+                </a:solidFill>
+                <a:latin typeface="Times New Roman" panose="02020603050405020304" pitchFamily="18" charset="0"/>
+                <a:cs typeface="Times New Roman" panose="02020603050405020304" pitchFamily="18" charset="0"/>
+              </a:rPr>
+              <a:t>phẩm</a:t>
+            </a:r>
+            <a:r>
+              <a:rPr lang="en-US" sz="3000" dirty="0" smtClean="0">
+                <a:solidFill>
+                  <a:schemeClr val="tx1"/>
+                </a:solidFill>
+                <a:latin typeface="Times New Roman" panose="02020603050405020304" pitchFamily="18" charset="0"/>
+                <a:cs typeface="Times New Roman" panose="02020603050405020304" pitchFamily="18" charset="0"/>
+              </a:rPr>
+              <a:t>.</a:t>
+            </a:r>
+          </a:p>
+          <a:p>
+            <a:r>
+              <a:rPr lang="en-US" sz="3000" dirty="0" err="1" smtClean="0">
+                <a:solidFill>
+                  <a:schemeClr val="tx1"/>
+                </a:solidFill>
+                <a:latin typeface="Times New Roman" panose="02020603050405020304" pitchFamily="18" charset="0"/>
+                <a:cs typeface="Times New Roman" panose="02020603050405020304" pitchFamily="18" charset="0"/>
+              </a:rPr>
+              <a:t>Quản</a:t>
+            </a:r>
+            <a:r>
+              <a:rPr lang="en-US" sz="3000" dirty="0" smtClean="0">
+                <a:solidFill>
+                  <a:schemeClr val="tx1"/>
+                </a:solidFill>
+                <a:latin typeface="Times New Roman" panose="02020603050405020304" pitchFamily="18" charset="0"/>
+                <a:cs typeface="Times New Roman" panose="02020603050405020304" pitchFamily="18" charset="0"/>
+              </a:rPr>
+              <a:t> </a:t>
+            </a:r>
+            <a:r>
+              <a:rPr lang="en-US" sz="3000" dirty="0" err="1" smtClean="0">
+                <a:solidFill>
+                  <a:schemeClr val="tx1"/>
+                </a:solidFill>
+                <a:latin typeface="Times New Roman" panose="02020603050405020304" pitchFamily="18" charset="0"/>
+                <a:cs typeface="Times New Roman" panose="02020603050405020304" pitchFamily="18" charset="0"/>
+              </a:rPr>
+              <a:t>lý</a:t>
+            </a:r>
+            <a:r>
+              <a:rPr lang="en-US" sz="3000" dirty="0" smtClean="0">
+                <a:solidFill>
+                  <a:schemeClr val="tx1"/>
+                </a:solidFill>
+                <a:latin typeface="Times New Roman" panose="02020603050405020304" pitchFamily="18" charset="0"/>
+                <a:cs typeface="Times New Roman" panose="02020603050405020304" pitchFamily="18" charset="0"/>
+              </a:rPr>
+              <a:t> </a:t>
+            </a:r>
+            <a:r>
+              <a:rPr lang="en-US" sz="3000" dirty="0" err="1" smtClean="0">
+                <a:solidFill>
+                  <a:schemeClr val="tx1"/>
+                </a:solidFill>
+                <a:latin typeface="Times New Roman" panose="02020603050405020304" pitchFamily="18" charset="0"/>
+                <a:cs typeface="Times New Roman" panose="02020603050405020304" pitchFamily="18" charset="0"/>
+              </a:rPr>
+              <a:t>đơn</a:t>
+            </a:r>
+            <a:r>
+              <a:rPr lang="en-US" sz="3000" dirty="0" smtClean="0">
+                <a:solidFill>
+                  <a:schemeClr val="tx1"/>
+                </a:solidFill>
+                <a:latin typeface="Times New Roman" panose="02020603050405020304" pitchFamily="18" charset="0"/>
+                <a:cs typeface="Times New Roman" panose="02020603050405020304" pitchFamily="18" charset="0"/>
+              </a:rPr>
+              <a:t> </a:t>
+            </a:r>
+            <a:r>
+              <a:rPr lang="en-US" sz="3000" dirty="0" err="1" smtClean="0">
+                <a:solidFill>
+                  <a:schemeClr val="tx1"/>
+                </a:solidFill>
+                <a:latin typeface="Times New Roman" panose="02020603050405020304" pitchFamily="18" charset="0"/>
+                <a:cs typeface="Times New Roman" panose="02020603050405020304" pitchFamily="18" charset="0"/>
+              </a:rPr>
+              <a:t>hàng</a:t>
+            </a:r>
+            <a:r>
+              <a:rPr lang="en-US" sz="3000" dirty="0" smtClean="0">
+                <a:solidFill>
+                  <a:schemeClr val="tx1"/>
+                </a:solidFill>
+                <a:latin typeface="Times New Roman" panose="02020603050405020304" pitchFamily="18" charset="0"/>
+                <a:cs typeface="Times New Roman" panose="02020603050405020304" pitchFamily="18" charset="0"/>
+              </a:rPr>
+              <a:t>.</a:t>
+            </a:r>
             <a:r>
               <a:rPr lang="en-US" sz="3000" dirty="0" smtClean="0">
                 <a:latin typeface="Times New Roman" panose="02020603050405020304" pitchFamily="18" charset="0"/>
@@ -5686,32 +6214,39 @@
           <a:lstStyle/>
           <a:p>
             <a:r>
+              <a:rPr lang="en-PH" dirty="0" err="1">
+                <a:latin typeface="Times New Roman" panose="02020603050405020304" pitchFamily="18" charset="0"/>
+                <a:cs typeface="Times New Roman" panose="02020603050405020304" pitchFamily="18" charset="0"/>
+              </a:rPr>
+              <a:t>Các</a:t>
+            </a:r>
+            <a:r>
+              <a:rPr lang="en-PH" dirty="0">
+                <a:latin typeface="Times New Roman" panose="02020603050405020304" pitchFamily="18" charset="0"/>
+                <a:cs typeface="Times New Roman" panose="02020603050405020304" pitchFamily="18" charset="0"/>
+              </a:rPr>
+              <a:t> </a:t>
+            </a:r>
+            <a:r>
+              <a:rPr lang="en-PH" dirty="0" err="1" smtClean="0">
+                <a:latin typeface="Times New Roman" panose="02020603050405020304" pitchFamily="18" charset="0"/>
+                <a:cs typeface="Times New Roman" panose="02020603050405020304" pitchFamily="18" charset="0"/>
+              </a:rPr>
+              <a:t>tính</a:t>
+            </a:r>
+            <a:r>
               <a:rPr lang="en-PH" dirty="0" smtClean="0">
                 <a:latin typeface="Times New Roman" panose="02020603050405020304" pitchFamily="18" charset="0"/>
                 <a:cs typeface="Times New Roman" panose="02020603050405020304" pitchFamily="18" charset="0"/>
               </a:rPr>
-              <a:t>Demo </a:t>
+              <a:t> </a:t>
             </a:r>
             <a:r>
               <a:rPr lang="en-PH" dirty="0" err="1" smtClean="0">
                 <a:latin typeface="Times New Roman" panose="02020603050405020304" pitchFamily="18" charset="0"/>
                 <a:cs typeface="Times New Roman" panose="02020603050405020304" pitchFamily="18" charset="0"/>
               </a:rPr>
-              <a:t>sản</a:t>
-            </a:r>
-            <a:r>
-              <a:rPr lang="en-PH" dirty="0" smtClean="0">
-                <a:latin typeface="Times New Roman" panose="02020603050405020304" pitchFamily="18" charset="0"/>
-                <a:cs typeface="Times New Roman" panose="02020603050405020304" pitchFamily="18" charset="0"/>
-              </a:rPr>
-              <a:t> </a:t>
-            </a:r>
-            <a:r>
-              <a:rPr lang="en-PH" dirty="0" err="1" smtClean="0">
-                <a:latin typeface="Times New Roman" panose="02020603050405020304" pitchFamily="18" charset="0"/>
-                <a:cs typeface="Times New Roman" panose="02020603050405020304" pitchFamily="18" charset="0"/>
-              </a:rPr>
-              <a:t>phẩm</a:t>
+              <a:t>năng</a:t>
             </a:r>
             <a:endParaRPr lang="tr-TR" dirty="0">
               <a:solidFill>
@@ -5723,10 +6258,34 @@
           </a:p>
         </p:txBody>
       </p:sp>
+      <p:sp>
+        <p:nvSpPr>
+          <p:cNvPr id="7" name="Slide Number Placeholder 6"/>
+          <p:cNvSpPr>
+            <a:spLocks noGrp="1"/>
+          </p:cNvSpPr>
+          <p:nvPr>
+            <p:ph type="sldNum" sz="quarter" idx="12"/>
+          </p:nvPr>
+        </p:nvSpPr>
+        <p:spPr/>
+        <p:txBody>
+          <a:bodyPr/>
+          <a:lstStyle/>
+          <a:p>
+            <a:fld id="{B6F15528-21DE-4FAA-801E-634DDDAF4B2B}" type="slidenum">
+              <a:rPr lang="en-US" smtClean="0"/>
+              <a:pPr/>
+              <a:t>9</a:t>
+            </a:fld>
+            <a:endParaRPr lang="en-US"/>
+          </a:p>
+        </p:txBody>
+      </p:sp>
     </p:spTree>
     <p:extLst>
       <p:ext uri="{BB962C8B-B14F-4D97-AF65-F5344CB8AC3E}">
-        <p14:creationId xmlns:p14="http://schemas.microsoft.com/office/powerpoint/2010/main" val="590909446"/>
+        <p14:creationId xmlns:p14="http://schemas.microsoft.com/office/powerpoint/2010/main" val="2403850452"/>
       </p:ext>
     </p:extLst>
   </p:cSld>
@@ -5893,6 +6452,297 @@
                                   </p:childTnLst>
                                 </p:cTn>
                               </p:par>
+                              <p:par>
+                                <p:cTn id="13" presetID="42" presetClass="entr" presetSubtype="0" fill="hold" nodeType="withEffect">
+                                  <p:stCondLst>
+                                    <p:cond delay="0"/>
+                                  </p:stCondLst>
+                                  <p:childTnLst>
+                                    <p:set>
+                                      <p:cBhvr>
+                                        <p:cTn id="14" dur="1" fill="hold">
+                                          <p:stCondLst>
+                                            <p:cond delay="0"/>
+                                          </p:stCondLst>
+                                        </p:cTn>
+                                        <p:tgtEl>
+                                          <p:spTgt spid="5">
+                                            <p:txEl>
+                                              <p:pRg st="2" end="2"/>
+                                            </p:txEl>
+                                          </p:spTgt>
+                                        </p:tgtEl>
+                                        <p:attrNameLst>
+                                          <p:attrName>style.visibility</p:attrName>
+                                        </p:attrNameLst>
+                                      </p:cBhvr>
+                                      <p:to>
+                                        <p:strVal val="visible"/>
+                                      </p:to>
+                                    </p:set>
+                                    <p:animEffect transition="in" filter="fade">
+                                      <p:cBhvr>
+                                        <p:cTn id="15" dur="1000"/>
+                                        <p:tgtEl>
+                                          <p:spTgt spid="5">
+                                            <p:txEl>
+                                              <p:pRg st="2" end="2"/>
+                                            </p:txEl>
+                                          </p:spTgt>
+                                        </p:tgtEl>
+                                      </p:cBhvr>
+                                    </p:animEffect>
+                                    <p:anim calcmode="lin" valueType="num">
+                                      <p:cBhvr>
+                                        <p:cTn id="16" dur="1000" fill="hold"/>
+                                        <p:tgtEl>
+                                          <p:spTgt spid="5">
+                                            <p:txEl>
+                                              <p:pRg st="2" end="2"/>
+                                            </p:txEl>
+                                          </p:spTgt>
+                                        </p:tgtEl>
+                                        <p:attrNameLst>
+                                          <p:attrName>ppt_x</p:attrName>
+                                        </p:attrNameLst>
+                                      </p:cBhvr>
+                                      <p:tavLst>
+                                        <p:tav tm="0">
+                                          <p:val>
+                                            <p:strVal val="#ppt_x"/>
+                                          </p:val>
+                                        </p:tav>
+                                        <p:tav tm="100000">
+                                          <p:val>
+                                            <p:strVal val="#ppt_x"/>
+                                          </p:val>
+                                        </p:tav>
+                                      </p:tavLst>
+                                    </p:anim>
+                                    <p:anim calcmode="lin" valueType="num">
+                                      <p:cBhvr>
+                                        <p:cTn id="17" dur="1000" fill="hold"/>
+                                        <p:tgtEl>
+                                          <p:spTgt spid="5">
+                                            <p:txEl>
+                                              <p:pRg st="2" end="2"/>
+                                            </p:txEl>
+                                          </p:spTgt>
+                                        </p:tgtEl>
+                                        <p:attrNameLst>
+                                          <p:attrName>ppt_y</p:attrName>
+                                        </p:attrNameLst>
+                                      </p:cBhvr>
+                                      <p:tavLst>
+                                        <p:tav tm="0">
+                                          <p:val>
+                                            <p:strVal val="#ppt_y+.1"/>
+                                          </p:val>
+                                        </p:tav>
+                                        <p:tav tm="100000">
+                                          <p:val>
+                                            <p:strVal val="#ppt_y"/>
+                                          </p:val>
+                                        </p:tav>
+                                      </p:tavLst>
+                                    </p:anim>
+                                  </p:childTnLst>
+                                </p:cTn>
+                              </p:par>
+                              <p:par>
+                                <p:cTn id="18" presetID="42" presetClass="entr" presetSubtype="0" fill="hold" nodeType="withEffect">
+                                  <p:stCondLst>
+                                    <p:cond delay="0"/>
+                                  </p:stCondLst>
+                                  <p:childTnLst>
+                                    <p:set>
+                                      <p:cBhvr>
+                                        <p:cTn id="19" dur="1" fill="hold">
+                                          <p:stCondLst>
+                                            <p:cond delay="0"/>
+                                          </p:stCondLst>
+                                        </p:cTn>
+                                        <p:tgtEl>
+                                          <p:spTgt spid="5">
+                                            <p:txEl>
+                                              <p:pRg st="3" end="3"/>
+                                            </p:txEl>
+                                          </p:spTgt>
+                                        </p:tgtEl>
+                                        <p:attrNameLst>
+                                          <p:attrName>style.visibility</p:attrName>
+                                        </p:attrNameLst>
+                                      </p:cBhvr>
+                                      <p:to>
+                                        <p:strVal val="visible"/>
+                                      </p:to>
+                                    </p:set>
+                                    <p:animEffect transition="in" filter="fade">
+                                      <p:cBhvr>
+                                        <p:cTn id="20" dur="1000"/>
+                                        <p:tgtEl>
+                                          <p:spTgt spid="5">
+                                            <p:txEl>
+                                              <p:pRg st="3" end="3"/>
+                                            </p:txEl>
+                                          </p:spTgt>
+                                        </p:tgtEl>
+                                      </p:cBhvr>
+                                    </p:animEffect>
+                                    <p:anim calcmode="lin" valueType="num">
+                                      <p:cBhvr>
+                                        <p:cTn id="21" dur="1000" fill="hold"/>
+                                        <p:tgtEl>
+                                          <p:spTgt spid="5">
+                                            <p:txEl>
+                                              <p:pRg st="3" end="3"/>
+                                            </p:txEl>
+                                          </p:spTgt>
+                                        </p:tgtEl>
+                                        <p:attrNameLst>
+                                          <p:attrName>ppt_x</p:attrName>
+                                        </p:attrNameLst>
+                                      </p:cBhvr>
+                                      <p:tavLst>
+                                        <p:tav tm="0">
+                                          <p:val>
+                                            <p:strVal val="#ppt_x"/>
+                                          </p:val>
+                                        </p:tav>
+                                        <p:tav tm="100000">
+                                          <p:val>
+                                            <p:strVal val="#ppt_x"/>
+                                          </p:val>
+                                        </p:tav>
+                                      </p:tavLst>
+                                    </p:anim>
+                                    <p:anim calcmode="lin" valueType="num">
+                                      <p:cBhvr>
+                                        <p:cTn id="22" dur="1000" fill="hold"/>
+                                        <p:tgtEl>
+                                          <p:spTgt spid="5">
+                                            <p:txEl>
+                                              <p:pRg st="3" end="3"/>
+                                            </p:txEl>
+                                          </p:spTgt>
+                                        </p:tgtEl>
+                                        <p:attrNameLst>
+                                          <p:attrName>ppt_y</p:attrName>
+                                        </p:attrNameLst>
+                                      </p:cBhvr>
+                                      <p:tavLst>
+                                        <p:tav tm="0">
+                                          <p:val>
+                                            <p:strVal val="#ppt_y+.1"/>
+                                          </p:val>
+                                        </p:tav>
+                                        <p:tav tm="100000">
+                                          <p:val>
+                                            <p:strVal val="#ppt_y"/>
+                                          </p:val>
+                                        </p:tav>
+                                      </p:tavLst>
+                                    </p:anim>
+                                  </p:childTnLst>
+                                </p:cTn>
+                              </p:par>
+                              <p:par>
+                                <p:cTn id="23" presetID="42" presetClass="entr" presetSubtype="0" fill="hold" nodeType="withEffect">
+                                  <p:stCondLst>
+                                    <p:cond delay="0"/>
+                                  </p:stCondLst>
+                                  <p:childTnLst>
+                                    <p:set>
+                                      <p:cBhvr>
+                                        <p:cTn id="24" dur="1" fill="hold">
+                                          <p:stCondLst>
+                                            <p:cond delay="0"/>
+                                          </p:stCondLst>
+                                        </p:cTn>
+                                        <p:tgtEl>
+                                          <p:spTgt spid="5">
+                                            <p:txEl>
+                                              <p:pRg st="4" end="4"/>
+                                            </p:txEl>
+                                          </p:spTgt>
+                                        </p:tgtEl>
+                                        <p:attrNameLst>
+                                          <p:attrName>style.visibility</p:attrName>
+                                        </p:attrNameLst>
+                                      </p:cBhvr>
+                                      <p:to>
+                                        <p:strVal val="visible"/>
+                                      </p:to>
+                                    </p:set>
+                                    <p:animEffect transition="in" filter="fade">
+                                      <p:cBhvr>
+                                        <p:cTn id="25" dur="1000"/>
+                                        <p:tgtEl>
+                                          <p:spTgt spid="5">
+                                            <p:txEl>
+                                              <p:pRg st="4" end="4"/>
+                                            </p:txEl>
+                                          </p:spTgt>
+                                        </p:tgtEl>
+                                      </p:cBhvr>
+                                    </p:animEffect>
+                                    <p:anim calcmode="lin" valueType="num">
+                                      <p:cBhvr>
+                                        <p:cTn id="26" dur="1000" fill="hold"/>
+                                        <p:tgtEl>
+                                          <p:spTgt spid="5">
+                                            <p:txEl>
+                                              <p:pRg st="4" end="4"/>
+                                            </p:txEl>
+                                          </p:spTgt>
+                                        </p:tgtEl>
+                                        <p:attrNameLst>
+                                          <p:attrName>ppt_x</p:attrName>
+                                        </p:attrNameLst>
+                                      </p:cBhvr>
+                                      <p:tavLst>
+                                        <p:tav tm="0">
+                                          <p:val>
+                                            <p:strVal val="#ppt_x"/>
+                                          </p:val>
+                                        </p:tav>
+                                        <p:tav tm="100000">
+                                          <p:val>
+                                            <p:strVal val="#ppt_x"/>
+                                          </p:val>
+                                        </p:tav>
+                                      </p:tavLst>
+                                    </p:anim>
+                                    <p:anim calcmode="lin" valueType="num">
+                                      <p:cBhvr>
+                                        <p:cTn id="27" dur="1000" fill="hold"/>
+                                        <p:tgtEl>
+                                          <p:spTgt spid="5">
+                                            <p:txEl>
+                                              <p:pRg st="4" end="4"/>
+                                            </p:txEl>
+                                          </p:spTgt>
+                                        </p:tgtEl>
+                                        <p:attrNameLst>
+                                          <p:attrName>ppt_y</p:attrName>
+                                        </p:attrNameLst>
+                                      </p:cBhvr>
+                                      <p:tavLst>
+                                        <p:tav tm="0">
+                                          <p:val>
+                                            <p:strVal val="#ppt_y+.1"/>
+                                          </p:val>
+                                        </p:tav>
+                                        <p:tav tm="100000">
+                                          <p:val>
+                                            <p:strVal val="#ppt_y"/>
+                                          </p:val>
+                                        </p:tav>
+                                      </p:tavLst>
+                                    </p:anim>
+                                  </p:childTnLst>
+                                </p:cTn>
+                              </p:par>
                             </p:childTnLst>
                           </p:cTn>
                         </p:par>
@@ -5951,6 +6801,470 @@
         </p:nvSpPr>
         <p:spPr bwMode="auto">
           <a:xfrm>
+            <a:off x="2057400" y="2362200"/>
+            <a:ext cx="8064897" cy="1752600"/>
+          </a:xfrm>
+          <a:prstGeom prst="rect">
+            <a:avLst/>
+          </a:prstGeom>
+          <a:noFill/>
+          <a:ln w="9525">
+            <a:noFill/>
+            <a:miter lim="800000"/>
+            <a:headEnd/>
+            <a:tailEnd/>
+          </a:ln>
+        </p:spPr>
+        <p:txBody>
+          <a:bodyPr vert="horz" wrap="square" lIns="91440" tIns="45720" rIns="91440" bIns="45720" numCol="1" anchor="t" anchorCtr="0" compatLnSpc="1">
+            <a:prstTxWarp prst="textNoShape">
+              <a:avLst/>
+            </a:prstTxWarp>
+          </a:bodyPr>
+          <a:lstStyle>
+            <a:lvl1pPr marL="342900" indent="-342900" algn="l" rtl="0" fontAlgn="base">
+              <a:spcBef>
+                <a:spcPct val="20000"/>
+              </a:spcBef>
+              <a:spcAft>
+                <a:spcPct val="0"/>
+              </a:spcAft>
+              <a:buChar char="•"/>
+              <a:defRPr sz="3200">
+                <a:solidFill>
+                  <a:srgbClr val="550579"/>
+                </a:solidFill>
+                <a:latin typeface="+mn-lt"/>
+                <a:ea typeface="+mn-ea"/>
+                <a:cs typeface="+mn-cs"/>
+              </a:defRPr>
+            </a:lvl1pPr>
+            <a:lvl2pPr marL="742950" indent="-285750" algn="l" rtl="0" fontAlgn="base">
+              <a:spcBef>
+                <a:spcPct val="20000"/>
+              </a:spcBef>
+              <a:spcAft>
+                <a:spcPct val="0"/>
+              </a:spcAft>
+              <a:buChar char="–"/>
+              <a:defRPr sz="2800">
+                <a:solidFill>
+                  <a:schemeClr val="tx1"/>
+                </a:solidFill>
+                <a:latin typeface="+mn-lt"/>
+              </a:defRPr>
+            </a:lvl2pPr>
+            <a:lvl3pPr marL="1143000" indent="-228600" algn="l" rtl="0" fontAlgn="base">
+              <a:spcBef>
+                <a:spcPct val="20000"/>
+              </a:spcBef>
+              <a:spcAft>
+                <a:spcPct val="0"/>
+              </a:spcAft>
+              <a:buChar char="•"/>
+              <a:defRPr sz="2400">
+                <a:solidFill>
+                  <a:schemeClr val="tx1"/>
+                </a:solidFill>
+                <a:latin typeface="+mn-lt"/>
+              </a:defRPr>
+            </a:lvl3pPr>
+            <a:lvl4pPr marL="1600200" indent="-228600" algn="l" rtl="0" fontAlgn="base">
+              <a:spcBef>
+                <a:spcPct val="20000"/>
+              </a:spcBef>
+              <a:spcAft>
+                <a:spcPct val="0"/>
+              </a:spcAft>
+              <a:buChar char="–"/>
+              <a:defRPr sz="2000">
+                <a:solidFill>
+                  <a:schemeClr val="tx1"/>
+                </a:solidFill>
+                <a:latin typeface="+mn-lt"/>
+              </a:defRPr>
+            </a:lvl4pPr>
+            <a:lvl5pPr marL="2057400" indent="-228600" algn="l" rtl="0" fontAlgn="base">
+              <a:spcBef>
+                <a:spcPct val="20000"/>
+              </a:spcBef>
+              <a:spcAft>
+                <a:spcPct val="0"/>
+              </a:spcAft>
+              <a:buChar char="»"/>
+              <a:defRPr sz="2000">
+                <a:solidFill>
+                  <a:schemeClr val="tx1"/>
+                </a:solidFill>
+                <a:latin typeface="+mn-lt"/>
+              </a:defRPr>
+            </a:lvl5pPr>
+            <a:lvl6pPr marL="2514600" indent="-228600" algn="l" rtl="0" eaLnBrk="1" fontAlgn="base" hangingPunct="1">
+              <a:spcBef>
+                <a:spcPct val="20000"/>
+              </a:spcBef>
+              <a:spcAft>
+                <a:spcPct val="0"/>
+              </a:spcAft>
+              <a:buChar char="»"/>
+              <a:defRPr sz="2000">
+                <a:solidFill>
+                  <a:schemeClr val="tx1"/>
+                </a:solidFill>
+                <a:latin typeface="+mn-lt"/>
+              </a:defRPr>
+            </a:lvl6pPr>
+            <a:lvl7pPr marL="2971800" indent="-228600" algn="l" rtl="0" eaLnBrk="1" fontAlgn="base" hangingPunct="1">
+              <a:spcBef>
+                <a:spcPct val="20000"/>
+              </a:spcBef>
+              <a:spcAft>
+                <a:spcPct val="0"/>
+              </a:spcAft>
+              <a:buChar char="»"/>
+              <a:defRPr sz="2000">
+                <a:solidFill>
+                  <a:schemeClr val="tx1"/>
+                </a:solidFill>
+                <a:latin typeface="+mn-lt"/>
+              </a:defRPr>
+            </a:lvl7pPr>
+            <a:lvl8pPr marL="3429000" indent="-228600" algn="l" rtl="0" eaLnBrk="1" fontAlgn="base" hangingPunct="1">
+              <a:spcBef>
+                <a:spcPct val="20000"/>
+              </a:spcBef>
+              <a:spcAft>
+                <a:spcPct val="0"/>
+              </a:spcAft>
+              <a:buChar char="»"/>
+              <a:defRPr sz="2000">
+                <a:solidFill>
+                  <a:schemeClr val="tx1"/>
+                </a:solidFill>
+                <a:latin typeface="+mn-lt"/>
+              </a:defRPr>
+            </a:lvl8pPr>
+            <a:lvl9pPr marL="3886200" indent="-228600" algn="l" rtl="0" eaLnBrk="1" fontAlgn="base" hangingPunct="1">
+              <a:spcBef>
+                <a:spcPct val="20000"/>
+              </a:spcBef>
+              <a:spcAft>
+                <a:spcPct val="0"/>
+              </a:spcAft>
+              <a:buChar char="»"/>
+              <a:defRPr sz="2000">
+                <a:solidFill>
+                  <a:schemeClr val="tx1"/>
+                </a:solidFill>
+                <a:latin typeface="+mn-lt"/>
+              </a:defRPr>
+            </a:lvl9pPr>
+          </a:lstStyle>
+          <a:p>
+            <a:pPr marL="0" indent="0">
+              <a:buNone/>
+            </a:pPr>
+            <a:r>
+              <a:rPr lang="en-US" sz="6000" dirty="0" smtClean="0">
+                <a:solidFill>
+                  <a:schemeClr val="tx1"/>
+                </a:solidFill>
+                <a:latin typeface="Times New Roman" panose="02020603050405020304" pitchFamily="18" charset="0"/>
+                <a:cs typeface="Times New Roman" panose="02020603050405020304" pitchFamily="18" charset="0"/>
+              </a:rPr>
+              <a:t>Demo </a:t>
+            </a:r>
+            <a:r>
+              <a:rPr lang="en-US" sz="6000" dirty="0" err="1" smtClean="0">
+                <a:solidFill>
+                  <a:schemeClr val="tx1"/>
+                </a:solidFill>
+                <a:latin typeface="Times New Roman" panose="02020603050405020304" pitchFamily="18" charset="0"/>
+                <a:cs typeface="Times New Roman" panose="02020603050405020304" pitchFamily="18" charset="0"/>
+              </a:rPr>
+              <a:t>sản</a:t>
+            </a:r>
+            <a:r>
+              <a:rPr lang="en-US" sz="6000" dirty="0" smtClean="0">
+                <a:solidFill>
+                  <a:schemeClr val="tx1"/>
+                </a:solidFill>
+                <a:latin typeface="Times New Roman" panose="02020603050405020304" pitchFamily="18" charset="0"/>
+                <a:cs typeface="Times New Roman" panose="02020603050405020304" pitchFamily="18" charset="0"/>
+              </a:rPr>
+              <a:t> </a:t>
+            </a:r>
+            <a:r>
+              <a:rPr lang="en-US" sz="6000" dirty="0" err="1" smtClean="0">
+                <a:solidFill>
+                  <a:schemeClr val="tx1"/>
+                </a:solidFill>
+                <a:latin typeface="Times New Roman" panose="02020603050405020304" pitchFamily="18" charset="0"/>
+                <a:cs typeface="Times New Roman" panose="02020603050405020304" pitchFamily="18" charset="0"/>
+              </a:rPr>
+              <a:t>phẩm</a:t>
+            </a:r>
+            <a:r>
+              <a:rPr lang="en-US" sz="6000" dirty="0" smtClean="0">
+                <a:solidFill>
+                  <a:schemeClr val="tx1"/>
+                </a:solidFill>
+                <a:latin typeface="Times New Roman" panose="02020603050405020304" pitchFamily="18" charset="0"/>
+                <a:cs typeface="Times New Roman" panose="02020603050405020304" pitchFamily="18" charset="0"/>
+              </a:rPr>
+              <a:t>.</a:t>
+            </a:r>
+            <a:endParaRPr lang="en-US" sz="6000" dirty="0" smtClean="0">
+              <a:solidFill>
+                <a:schemeClr val="tx1"/>
+              </a:solidFill>
+              <a:latin typeface="Times New Roman" panose="02020603050405020304" pitchFamily="18" charset="0"/>
+              <a:cs typeface="Times New Roman" panose="02020603050405020304" pitchFamily="18" charset="0"/>
+            </a:endParaRPr>
+          </a:p>
+        </p:txBody>
+      </p:sp>
+      <p:sp>
+        <p:nvSpPr>
+          <p:cNvPr id="3" name="Title 2"/>
+          <p:cNvSpPr>
+            <a:spLocks noGrp="1"/>
+          </p:cNvSpPr>
+          <p:nvPr>
+            <p:ph type="title"/>
+          </p:nvPr>
+        </p:nvSpPr>
+        <p:spPr/>
+        <p:txBody>
+          <a:bodyPr>
+            <a:normAutofit fontScale="90000"/>
+          </a:bodyPr>
+          <a:lstStyle/>
+          <a:p>
+            <a:r>
+              <a:rPr lang="en-PH" dirty="0" smtClean="0">
+                <a:latin typeface="Times New Roman" panose="02020603050405020304" pitchFamily="18" charset="0"/>
+                <a:cs typeface="Times New Roman" panose="02020603050405020304" pitchFamily="18" charset="0"/>
+              </a:rPr>
+              <a:t>Demo</a:t>
+            </a:r>
+            <a:endParaRPr lang="tr-TR" dirty="0">
+              <a:solidFill>
+                <a:srgbClr val="FF0000"/>
+              </a:solidFill>
+            </a:endParaRPr>
+          </a:p>
+        </p:txBody>
+      </p:sp>
+      <p:sp>
+        <p:nvSpPr>
+          <p:cNvPr id="7" name="Slide Number Placeholder 6"/>
+          <p:cNvSpPr>
+            <a:spLocks noGrp="1"/>
+          </p:cNvSpPr>
+          <p:nvPr>
+            <p:ph type="sldNum" sz="quarter" idx="12"/>
+          </p:nvPr>
+        </p:nvSpPr>
+        <p:spPr/>
+        <p:txBody>
+          <a:bodyPr/>
+          <a:lstStyle/>
+          <a:p>
+            <a:fld id="{B6F15528-21DE-4FAA-801E-634DDDAF4B2B}" type="slidenum">
+              <a:rPr lang="en-US" smtClean="0"/>
+              <a:pPr/>
+              <a:t>10</a:t>
+            </a:fld>
+            <a:endParaRPr lang="en-US"/>
+          </a:p>
+        </p:txBody>
+      </p:sp>
+    </p:spTree>
+    <p:extLst>
+      <p:ext uri="{BB962C8B-B14F-4D97-AF65-F5344CB8AC3E}">
+        <p14:creationId xmlns:p14="http://schemas.microsoft.com/office/powerpoint/2010/main" val="3693545624"/>
+      </p:ext>
+    </p:extLst>
+  </p:cSld>
+  <p:clrMapOvr>
+    <a:masterClrMapping/>
+  </p:clrMapOvr>
+  <p:timing>
+    <p:tnLst>
+      <p:par>
+        <p:cTn id="1" dur="indefinite" restart="never" nodeType="tmRoot">
+          <p:childTnLst>
+            <p:seq concurrent="1" nextAc="seek">
+              <p:cTn id="2" dur="indefinite" nodeType="mainSeq">
+                <p:childTnLst>
+                  <p:par>
+                    <p:cTn id="3" fill="hold">
+                      <p:stCondLst>
+                        <p:cond delay="indefinite"/>
+                      </p:stCondLst>
+                      <p:childTnLst>
+                        <p:par>
+                          <p:cTn id="4" fill="hold">
+                            <p:stCondLst>
+                              <p:cond delay="0"/>
+                            </p:stCondLst>
+                            <p:childTnLst>
+                              <p:par>
+                                <p:cTn id="5" presetID="42" presetClass="entr" presetSubtype="0" fill="hold" nodeType="clickEffect">
+                                  <p:stCondLst>
+                                    <p:cond delay="0"/>
+                                  </p:stCondLst>
+                                  <p:childTnLst>
+                                    <p:set>
+                                      <p:cBhvr>
+                                        <p:cTn id="6" dur="1" fill="hold">
+                                          <p:stCondLst>
+                                            <p:cond delay="0"/>
+                                          </p:stCondLst>
+                                        </p:cTn>
+                                        <p:tgtEl>
+                                          <p:spTgt spid="5">
+                                            <p:txEl>
+                                              <p:pRg st="0" end="0"/>
+                                            </p:txEl>
+                                          </p:spTgt>
+                                        </p:tgtEl>
+                                        <p:attrNameLst>
+                                          <p:attrName>style.visibility</p:attrName>
+                                        </p:attrNameLst>
+                                      </p:cBhvr>
+                                      <p:to>
+                                        <p:strVal val="visible"/>
+                                      </p:to>
+                                    </p:set>
+                                    <p:animEffect transition="in" filter="fade">
+                                      <p:cBhvr>
+                                        <p:cTn id="7" dur="1000"/>
+                                        <p:tgtEl>
+                                          <p:spTgt spid="5">
+                                            <p:txEl>
+                                              <p:pRg st="0" end="0"/>
+                                            </p:txEl>
+                                          </p:spTgt>
+                                        </p:tgtEl>
+                                      </p:cBhvr>
+                                    </p:animEffect>
+                                    <p:anim calcmode="lin" valueType="num">
+                                      <p:cBhvr>
+                                        <p:cTn id="8" dur="1000" fill="hold"/>
+                                        <p:tgtEl>
+                                          <p:spTgt spid="5">
+                                            <p:txEl>
+                                              <p:pRg st="0" end="0"/>
+                                            </p:txEl>
+                                          </p:spTgt>
+                                        </p:tgtEl>
+                                        <p:attrNameLst>
+                                          <p:attrName>ppt_x</p:attrName>
+                                        </p:attrNameLst>
+                                      </p:cBhvr>
+                                      <p:tavLst>
+                                        <p:tav tm="0">
+                                          <p:val>
+                                            <p:strVal val="#ppt_x"/>
+                                          </p:val>
+                                        </p:tav>
+                                        <p:tav tm="100000">
+                                          <p:val>
+                                            <p:strVal val="#ppt_x"/>
+                                          </p:val>
+                                        </p:tav>
+                                      </p:tavLst>
+                                    </p:anim>
+                                    <p:anim calcmode="lin" valueType="num">
+                                      <p:cBhvr>
+                                        <p:cTn id="9" dur="1000" fill="hold"/>
+                                        <p:tgtEl>
+                                          <p:spTgt spid="5">
+                                            <p:txEl>
+                                              <p:pRg st="0" end="0"/>
+                                            </p:txEl>
+                                          </p:spTgt>
+                                        </p:tgtEl>
+                                        <p:attrNameLst>
+                                          <p:attrName>ppt_y</p:attrName>
+                                        </p:attrNameLst>
+                                      </p:cBhvr>
+                                      <p:tavLst>
+                                        <p:tav tm="0">
+                                          <p:val>
+                                            <p:strVal val="#ppt_y+.1"/>
+                                          </p:val>
+                                        </p:tav>
+                                        <p:tav tm="100000">
+                                          <p:val>
+                                            <p:strVal val="#ppt_y"/>
+                                          </p:val>
+                                        </p:tav>
+                                      </p:tavLst>
+                                    </p:anim>
+                                  </p:childTnLst>
+                                </p:cTn>
+                              </p:par>
+                            </p:childTnLst>
+                          </p:cTn>
+                        </p:par>
+                      </p:childTnLst>
+                    </p:cTn>
+                  </p:par>
+                </p:childTnLst>
+              </p:cTn>
+              <p:prevCondLst>
+                <p:cond evt="onPrev" delay="0">
+                  <p:tgtEl>
+                    <p:sldTgt/>
+                  </p:tgtEl>
+                </p:cond>
+              </p:prevCondLst>
+              <p:nextCondLst>
+                <p:cond evt="onNext" delay="0">
+                  <p:tgtEl>
+                    <p:sldTgt/>
+                  </p:tgtEl>
+                </p:cond>
+              </p:nextCondLst>
+            </p:seq>
+          </p:childTnLst>
+        </p:cTn>
+      </p:par>
+    </p:tnLst>
+  </p:timing>
+</p:sld>
+</file>
+
+<file path=ppt/slides/slide12.xml><?xml version="1.0" encoding="utf-8"?>
+<p:sld xmlns:a="http://schemas.openxmlformats.org/drawingml/2006/main" xmlns:r="http://schemas.openxmlformats.org/officeDocument/2006/relationships" xmlns:p="http://schemas.openxmlformats.org/presentationml/2006/main">
+  <p:cSld>
+    <p:spTree>
+      <p:nvGrpSpPr>
+        <p:cNvPr id="1" name=""/>
+        <p:cNvGrpSpPr/>
+        <p:nvPr/>
+      </p:nvGrpSpPr>
+      <p:grpSpPr>
+        <a:xfrm>
+          <a:off x="0" y="0"/>
+          <a:ext cx="0" cy="0"/>
+          <a:chOff x="0" y="0"/>
+          <a:chExt cx="0" cy="0"/>
+        </a:xfrm>
+      </p:grpSpPr>
+      <p:sp>
+        <p:nvSpPr>
+          <p:cNvPr id="5" name="Subtitle 2"/>
+          <p:cNvSpPr txBox="1">
+            <a:spLocks/>
+          </p:cNvSpPr>
+          <p:nvPr/>
+        </p:nvSpPr>
+        <p:spPr bwMode="auto">
+          <a:xfrm>
             <a:off x="539551" y="914400"/>
             <a:ext cx="8064897" cy="1752600"/>
           </a:xfrm>
@@ -7242,6 +8556,30 @@
                 <a:srgbClr val="FF0000"/>
               </a:solidFill>
             </a:endParaRPr>
+          </a:p>
+        </p:txBody>
+      </p:sp>
+      <p:sp>
+        <p:nvSpPr>
+          <p:cNvPr id="7" name="Slide Number Placeholder 6"/>
+          <p:cNvSpPr>
+            <a:spLocks noGrp="1"/>
+          </p:cNvSpPr>
+          <p:nvPr>
+            <p:ph type="sldNum" sz="quarter" idx="12"/>
+          </p:nvPr>
+        </p:nvSpPr>
+        <p:spPr/>
+        <p:txBody>
+          <a:bodyPr/>
+          <a:lstStyle/>
+          <a:p>
+            <a:fld id="{B6F15528-21DE-4FAA-801E-634DDDAF4B2B}" type="slidenum">
+              <a:rPr lang="en-US" smtClean="0"/>
+              <a:pPr/>
+              <a:t>11</a:t>
+            </a:fld>
+            <a:endParaRPr lang="en-US"/>
           </a:p>
         </p:txBody>
       </p:sp>
@@ -8118,7 +9456,7 @@
 </p:sld>
 </file>
 
-<file path=ppt/slides/slide12.xml><?xml version="1.0" encoding="utf-8"?>
+<file path=ppt/slides/slide13.xml><?xml version="1.0" encoding="utf-8"?>
 <p:sld xmlns:a="http://schemas.openxmlformats.org/drawingml/2006/main" xmlns:r="http://schemas.openxmlformats.org/officeDocument/2006/relationships" xmlns:p="http://schemas.openxmlformats.org/presentationml/2006/main">
   <p:cSld>
     <p:spTree>
@@ -8498,6 +9836,30 @@
           </a:extLst>
         </p:spPr>
       </p:pic>
+      <p:sp>
+        <p:nvSpPr>
+          <p:cNvPr id="10" name="Slide Number Placeholder 9"/>
+          <p:cNvSpPr>
+            <a:spLocks noGrp="1"/>
+          </p:cNvSpPr>
+          <p:nvPr>
+            <p:ph type="sldNum" sz="quarter" idx="12"/>
+          </p:nvPr>
+        </p:nvSpPr>
+        <p:spPr/>
+        <p:txBody>
+          <a:bodyPr/>
+          <a:lstStyle/>
+          <a:p>
+            <a:fld id="{B6F15528-21DE-4FAA-801E-634DDDAF4B2B}" type="slidenum">
+              <a:rPr lang="en-US" smtClean="0"/>
+              <a:pPr/>
+              <a:t>12</a:t>
+            </a:fld>
+            <a:endParaRPr lang="en-US"/>
+          </a:p>
+        </p:txBody>
+      </p:sp>
     </p:spTree>
     <p:extLst>
       <p:ext uri="{BB962C8B-B14F-4D97-AF65-F5344CB8AC3E}">
@@ -8686,7 +10048,7 @@
                 <a:latin typeface="Times New Roman" panose="02020603050405020304" pitchFamily="18" charset="0"/>
                 <a:cs typeface="Times New Roman" panose="02020603050405020304" pitchFamily="18" charset="0"/>
               </a:rPr>
-              <a:t>Các</a:t>
+              <a:t>Khảo</a:t>
             </a:r>
             <a:r>
               <a:rPr lang="en-PH" sz="4000" dirty="0" smtClean="0">
@@ -8700,130 +10062,14 @@
                 <a:latin typeface="Times New Roman" panose="02020603050405020304" pitchFamily="18" charset="0"/>
                 <a:cs typeface="Times New Roman" panose="02020603050405020304" pitchFamily="18" charset="0"/>
               </a:rPr>
-              <a:t>công</a:t>
+              <a:t>sát</a:t>
             </a:r>
             <a:r>
               <a:rPr lang="en-PH" sz="4000" dirty="0" smtClean="0">
                 <a:latin typeface="Times New Roman" panose="02020603050405020304" pitchFamily="18" charset="0"/>
                 <a:cs typeface="Times New Roman" panose="02020603050405020304" pitchFamily="18" charset="0"/>
               </a:rPr>
-              <a:t> </a:t>
-            </a:r>
-            <a:r>
-              <a:rPr lang="en-PH" sz="4000" dirty="0" err="1" smtClean="0">
-                <a:latin typeface="Times New Roman" panose="02020603050405020304" pitchFamily="18" charset="0"/>
-                <a:cs typeface="Times New Roman" panose="02020603050405020304" pitchFamily="18" charset="0"/>
-              </a:rPr>
-              <a:t>nghệ</a:t>
-            </a:r>
-            <a:r>
-              <a:rPr lang="en-PH" sz="4000" dirty="0" smtClean="0">
-                <a:latin typeface="Times New Roman" panose="02020603050405020304" pitchFamily="18" charset="0"/>
-                <a:cs typeface="Times New Roman" panose="02020603050405020304" pitchFamily="18" charset="0"/>
-              </a:rPr>
-              <a:t> </a:t>
-            </a:r>
-            <a:r>
-              <a:rPr lang="en-PH" sz="4000" dirty="0" err="1" smtClean="0">
-                <a:latin typeface="Times New Roman" panose="02020603050405020304" pitchFamily="18" charset="0"/>
-                <a:cs typeface="Times New Roman" panose="02020603050405020304" pitchFamily="18" charset="0"/>
-              </a:rPr>
-              <a:t>sử</a:t>
-            </a:r>
-            <a:r>
-              <a:rPr lang="en-PH" sz="4000" dirty="0" smtClean="0">
-                <a:latin typeface="Times New Roman" panose="02020603050405020304" pitchFamily="18" charset="0"/>
-                <a:cs typeface="Times New Roman" panose="02020603050405020304" pitchFamily="18" charset="0"/>
-              </a:rPr>
-              <a:t> </a:t>
-            </a:r>
-            <a:r>
-              <a:rPr lang="en-PH" sz="4000" dirty="0" err="1" smtClean="0">
-                <a:latin typeface="Times New Roman" panose="02020603050405020304" pitchFamily="18" charset="0"/>
-                <a:cs typeface="Times New Roman" panose="02020603050405020304" pitchFamily="18" charset="0"/>
-              </a:rPr>
-              <a:t>dụng</a:t>
-            </a:r>
-            <a:r>
-              <a:rPr lang="en-PH" sz="4000" dirty="0" smtClean="0">
-                <a:latin typeface="Times New Roman" panose="02020603050405020304" pitchFamily="18" charset="0"/>
-                <a:cs typeface="Times New Roman" panose="02020603050405020304" pitchFamily="18" charset="0"/>
-              </a:rPr>
               <a:t>.</a:t>
-            </a:r>
-          </a:p>
-          <a:p>
-            <a:r>
-              <a:rPr lang="en-PH" sz="4000" dirty="0" err="1">
-                <a:latin typeface="Times New Roman" panose="02020603050405020304" pitchFamily="18" charset="0"/>
-                <a:cs typeface="Times New Roman" panose="02020603050405020304" pitchFamily="18" charset="0"/>
-              </a:rPr>
-              <a:t>Các</a:t>
-            </a:r>
-            <a:r>
-              <a:rPr lang="en-PH" sz="4000" dirty="0">
-                <a:latin typeface="Times New Roman" panose="02020603050405020304" pitchFamily="18" charset="0"/>
-                <a:cs typeface="Times New Roman" panose="02020603050405020304" pitchFamily="18" charset="0"/>
-              </a:rPr>
-              <a:t> </a:t>
-            </a:r>
-            <a:r>
-              <a:rPr lang="en-PH" sz="4000" dirty="0" err="1">
-                <a:latin typeface="Times New Roman" panose="02020603050405020304" pitchFamily="18" charset="0"/>
-                <a:cs typeface="Times New Roman" panose="02020603050405020304" pitchFamily="18" charset="0"/>
-              </a:rPr>
-              <a:t>tính</a:t>
-            </a:r>
-            <a:r>
-              <a:rPr lang="en-PH" sz="4000" dirty="0">
-                <a:latin typeface="Times New Roman" panose="02020603050405020304" pitchFamily="18" charset="0"/>
-                <a:cs typeface="Times New Roman" panose="02020603050405020304" pitchFamily="18" charset="0"/>
-              </a:rPr>
-              <a:t> </a:t>
-            </a:r>
-            <a:r>
-              <a:rPr lang="en-PH" sz="4000" dirty="0" err="1" smtClean="0">
-                <a:latin typeface="Times New Roman" panose="02020603050405020304" pitchFamily="18" charset="0"/>
-                <a:cs typeface="Times New Roman" panose="02020603050405020304" pitchFamily="18" charset="0"/>
-              </a:rPr>
-              <a:t>năng</a:t>
-            </a:r>
-            <a:r>
-              <a:rPr lang="en-PH" sz="4000" dirty="0" smtClean="0">
-                <a:latin typeface="Times New Roman" panose="02020603050405020304" pitchFamily="18" charset="0"/>
-                <a:cs typeface="Times New Roman" panose="02020603050405020304" pitchFamily="18" charset="0"/>
-              </a:rPr>
-              <a:t>.</a:t>
-            </a:r>
-          </a:p>
-          <a:p>
-            <a:r>
-              <a:rPr lang="en-PH" sz="4000" dirty="0" err="1" smtClean="0">
-                <a:latin typeface="Times New Roman" panose="02020603050405020304" pitchFamily="18" charset="0"/>
-                <a:cs typeface="Times New Roman" panose="02020603050405020304" pitchFamily="18" charset="0"/>
-              </a:rPr>
-              <a:t>Cấu</a:t>
-            </a:r>
-            <a:r>
-              <a:rPr lang="en-PH" sz="4000" dirty="0" smtClean="0">
-                <a:latin typeface="Times New Roman" panose="02020603050405020304" pitchFamily="18" charset="0"/>
-                <a:cs typeface="Times New Roman" panose="02020603050405020304" pitchFamily="18" charset="0"/>
-              </a:rPr>
-              <a:t> </a:t>
-            </a:r>
-            <a:r>
-              <a:rPr lang="en-PH" sz="4000" dirty="0" err="1" smtClean="0">
-                <a:latin typeface="Times New Roman" panose="02020603050405020304" pitchFamily="18" charset="0"/>
-                <a:cs typeface="Times New Roman" panose="02020603050405020304" pitchFamily="18" charset="0"/>
-              </a:rPr>
-              <a:t>trúc</a:t>
-            </a:r>
-            <a:r>
-              <a:rPr lang="en-PH" sz="4000" dirty="0" smtClean="0">
-                <a:latin typeface="Times New Roman" panose="02020603050405020304" pitchFamily="18" charset="0"/>
-                <a:cs typeface="Times New Roman" panose="02020603050405020304" pitchFamily="18" charset="0"/>
-              </a:rPr>
-              <a:t> website.</a:t>
             </a:r>
             <a:endParaRPr lang="en-PH" sz="4000" dirty="0" smtClean="0">
               <a:latin typeface="Times New Roman" panose="02020603050405020304" pitchFamily="18" charset="0"/>
@@ -8832,6 +10078,122 @@
           </a:p>
           <a:p>
             <a:r>
+              <a:rPr lang="en-PH" sz="4000" dirty="0" err="1" smtClean="0">
+                <a:latin typeface="Times New Roman" panose="02020603050405020304" pitchFamily="18" charset="0"/>
+                <a:cs typeface="Times New Roman" panose="02020603050405020304" pitchFamily="18" charset="0"/>
+              </a:rPr>
+              <a:t>Các</a:t>
+            </a:r>
+            <a:r>
+              <a:rPr lang="en-PH" sz="4000" dirty="0" smtClean="0">
+                <a:latin typeface="Times New Roman" panose="02020603050405020304" pitchFamily="18" charset="0"/>
+                <a:cs typeface="Times New Roman" panose="02020603050405020304" pitchFamily="18" charset="0"/>
+              </a:rPr>
+              <a:t> </a:t>
+            </a:r>
+            <a:r>
+              <a:rPr lang="en-PH" sz="4000" dirty="0" err="1" smtClean="0">
+                <a:latin typeface="Times New Roman" panose="02020603050405020304" pitchFamily="18" charset="0"/>
+                <a:cs typeface="Times New Roman" panose="02020603050405020304" pitchFamily="18" charset="0"/>
+              </a:rPr>
+              <a:t>công</a:t>
+            </a:r>
+            <a:r>
+              <a:rPr lang="en-PH" sz="4000" dirty="0" smtClean="0">
+                <a:latin typeface="Times New Roman" panose="02020603050405020304" pitchFamily="18" charset="0"/>
+                <a:cs typeface="Times New Roman" panose="02020603050405020304" pitchFamily="18" charset="0"/>
+              </a:rPr>
+              <a:t> </a:t>
+            </a:r>
+            <a:r>
+              <a:rPr lang="en-PH" sz="4000" dirty="0" err="1" smtClean="0">
+                <a:latin typeface="Times New Roman" panose="02020603050405020304" pitchFamily="18" charset="0"/>
+                <a:cs typeface="Times New Roman" panose="02020603050405020304" pitchFamily="18" charset="0"/>
+              </a:rPr>
+              <a:t>nghệ</a:t>
+            </a:r>
+            <a:r>
+              <a:rPr lang="en-PH" sz="4000" dirty="0" smtClean="0">
+                <a:latin typeface="Times New Roman" panose="02020603050405020304" pitchFamily="18" charset="0"/>
+                <a:cs typeface="Times New Roman" panose="02020603050405020304" pitchFamily="18" charset="0"/>
+              </a:rPr>
+              <a:t> </a:t>
+            </a:r>
+            <a:r>
+              <a:rPr lang="en-PH" sz="4000" dirty="0" err="1" smtClean="0">
+                <a:latin typeface="Times New Roman" panose="02020603050405020304" pitchFamily="18" charset="0"/>
+                <a:cs typeface="Times New Roman" panose="02020603050405020304" pitchFamily="18" charset="0"/>
+              </a:rPr>
+              <a:t>sử</a:t>
+            </a:r>
+            <a:r>
+              <a:rPr lang="en-PH" sz="4000" dirty="0" smtClean="0">
+                <a:latin typeface="Times New Roman" panose="02020603050405020304" pitchFamily="18" charset="0"/>
+                <a:cs typeface="Times New Roman" panose="02020603050405020304" pitchFamily="18" charset="0"/>
+              </a:rPr>
+              <a:t> </a:t>
+            </a:r>
+            <a:r>
+              <a:rPr lang="en-PH" sz="4000" dirty="0" err="1" smtClean="0">
+                <a:latin typeface="Times New Roman" panose="02020603050405020304" pitchFamily="18" charset="0"/>
+                <a:cs typeface="Times New Roman" panose="02020603050405020304" pitchFamily="18" charset="0"/>
+              </a:rPr>
+              <a:t>dụng</a:t>
+            </a:r>
+            <a:r>
+              <a:rPr lang="en-PH" sz="4000" dirty="0" smtClean="0">
+                <a:latin typeface="Times New Roman" panose="02020603050405020304" pitchFamily="18" charset="0"/>
+                <a:cs typeface="Times New Roman" panose="02020603050405020304" pitchFamily="18" charset="0"/>
+              </a:rPr>
+              <a:t>.</a:t>
+            </a:r>
+          </a:p>
+          <a:p>
+            <a:r>
+              <a:rPr lang="en-PH" sz="4000" dirty="0" err="1">
+                <a:latin typeface="Times New Roman" panose="02020603050405020304" pitchFamily="18" charset="0"/>
+                <a:cs typeface="Times New Roman" panose="02020603050405020304" pitchFamily="18" charset="0"/>
+              </a:rPr>
+              <a:t>Các</a:t>
+            </a:r>
+            <a:r>
+              <a:rPr lang="en-PH" sz="4000" dirty="0">
+                <a:latin typeface="Times New Roman" panose="02020603050405020304" pitchFamily="18" charset="0"/>
+                <a:cs typeface="Times New Roman" panose="02020603050405020304" pitchFamily="18" charset="0"/>
+              </a:rPr>
+              <a:t> </a:t>
+            </a:r>
+            <a:r>
+              <a:rPr lang="en-PH" sz="4000" dirty="0" err="1">
+                <a:latin typeface="Times New Roman" panose="02020603050405020304" pitchFamily="18" charset="0"/>
+                <a:cs typeface="Times New Roman" panose="02020603050405020304" pitchFamily="18" charset="0"/>
+              </a:rPr>
+              <a:t>tính</a:t>
+            </a:r>
+            <a:r>
+              <a:rPr lang="en-PH" sz="4000" dirty="0">
+                <a:latin typeface="Times New Roman" panose="02020603050405020304" pitchFamily="18" charset="0"/>
+                <a:cs typeface="Times New Roman" panose="02020603050405020304" pitchFamily="18" charset="0"/>
+              </a:rPr>
+              <a:t> </a:t>
+            </a:r>
+            <a:r>
+              <a:rPr lang="en-PH" sz="4000" dirty="0" err="1" smtClean="0">
+                <a:latin typeface="Times New Roman" panose="02020603050405020304" pitchFamily="18" charset="0"/>
+                <a:cs typeface="Times New Roman" panose="02020603050405020304" pitchFamily="18" charset="0"/>
+              </a:rPr>
+              <a:t>năng</a:t>
+            </a:r>
+            <a:r>
+              <a:rPr lang="en-PH" sz="4000" dirty="0" smtClean="0">
+                <a:latin typeface="Times New Roman" panose="02020603050405020304" pitchFamily="18" charset="0"/>
+                <a:cs typeface="Times New Roman" panose="02020603050405020304" pitchFamily="18" charset="0"/>
+              </a:rPr>
+              <a:t>.</a:t>
+            </a:r>
+          </a:p>
+          <a:p>
+            <a:r>
               <a:rPr lang="en-PH" sz="4000" dirty="0" smtClean="0">
                 <a:latin typeface="Times New Roman" panose="02020603050405020304" pitchFamily="18" charset="0"/>
                 <a:cs typeface="Times New Roman" panose="02020603050405020304" pitchFamily="18" charset="0"/>
@@ -8900,6 +10262,30 @@
               </a:rPr>
               <a:t>.</a:t>
             </a:r>
+          </a:p>
+        </p:txBody>
+      </p:sp>
+      <p:sp>
+        <p:nvSpPr>
+          <p:cNvPr id="9" name="Slide Number Placeholder 8"/>
+          <p:cNvSpPr>
+            <a:spLocks noGrp="1"/>
+          </p:cNvSpPr>
+          <p:nvPr>
+            <p:ph type="sldNum" sz="quarter" idx="12"/>
+          </p:nvPr>
+        </p:nvSpPr>
+        <p:spPr/>
+        <p:txBody>
+          <a:bodyPr/>
+          <a:lstStyle/>
+          <a:p>
+            <a:fld id="{B6F15528-21DE-4FAA-801E-634DDDAF4B2B}" type="slidenum">
+              <a:rPr lang="en-US" smtClean="0"/>
+              <a:pPr/>
+              <a:t>1</a:t>
+            </a:fld>
+            <a:endParaRPr lang="en-US"/>
           </a:p>
         </p:txBody>
       </p:sp>
@@ -9792,6 +11178,30 @@
           </a:p>
         </p:txBody>
       </p:sp>
+      <p:sp>
+        <p:nvSpPr>
+          <p:cNvPr id="7" name="Slide Number Placeholder 6"/>
+          <p:cNvSpPr>
+            <a:spLocks noGrp="1"/>
+          </p:cNvSpPr>
+          <p:nvPr>
+            <p:ph type="sldNum" sz="quarter" idx="12"/>
+          </p:nvPr>
+        </p:nvSpPr>
+        <p:spPr/>
+        <p:txBody>
+          <a:bodyPr/>
+          <a:lstStyle/>
+          <a:p>
+            <a:fld id="{B6F15528-21DE-4FAA-801E-634DDDAF4B2B}" type="slidenum">
+              <a:rPr lang="en-US" smtClean="0"/>
+              <a:pPr/>
+              <a:t>2</a:t>
+            </a:fld>
+            <a:endParaRPr lang="en-US"/>
+          </a:p>
+        </p:txBody>
+      </p:sp>
     </p:spTree>
     <p:extLst>
       <p:ext uri="{BB962C8B-B14F-4D97-AF65-F5344CB8AC3E}">
@@ -10224,6 +11634,531 @@
       </p:grpSpPr>
       <p:sp>
         <p:nvSpPr>
+          <p:cNvPr id="2" name="Title 1"/>
+          <p:cNvSpPr>
+            <a:spLocks noGrp="1"/>
+          </p:cNvSpPr>
+          <p:nvPr>
+            <p:ph type="title"/>
+          </p:nvPr>
+        </p:nvSpPr>
+        <p:spPr/>
+        <p:txBody>
+          <a:bodyPr>
+            <a:normAutofit fontScale="90000"/>
+          </a:bodyPr>
+          <a:lstStyle/>
+          <a:p>
+            <a:r>
+              <a:rPr lang="en-US" dirty="0" err="1" smtClean="0">
+                <a:latin typeface="Times New Roman" panose="02020603050405020304" pitchFamily="18" charset="0"/>
+                <a:cs typeface="Times New Roman" panose="02020603050405020304" pitchFamily="18" charset="0"/>
+              </a:rPr>
+              <a:t>Khảo</a:t>
+            </a:r>
+            <a:r>
+              <a:rPr lang="en-US" dirty="0" smtClean="0">
+                <a:latin typeface="Times New Roman" panose="02020603050405020304" pitchFamily="18" charset="0"/>
+                <a:cs typeface="Times New Roman" panose="02020603050405020304" pitchFamily="18" charset="0"/>
+              </a:rPr>
+              <a:t> </a:t>
+            </a:r>
+            <a:r>
+              <a:rPr lang="en-US" dirty="0" err="1" smtClean="0">
+                <a:latin typeface="Times New Roman" panose="02020603050405020304" pitchFamily="18" charset="0"/>
+                <a:cs typeface="Times New Roman" panose="02020603050405020304" pitchFamily="18" charset="0"/>
+              </a:rPr>
+              <a:t>sát</a:t>
+            </a:r>
+            <a:endParaRPr lang="en-US" dirty="0">
+              <a:latin typeface="Times New Roman" panose="02020603050405020304" pitchFamily="18" charset="0"/>
+              <a:cs typeface="Times New Roman" panose="02020603050405020304" pitchFamily="18" charset="0"/>
+            </a:endParaRPr>
+          </a:p>
+        </p:txBody>
+      </p:sp>
+      <p:sp>
+        <p:nvSpPr>
+          <p:cNvPr id="3" name="Content Placeholder 2"/>
+          <p:cNvSpPr>
+            <a:spLocks noGrp="1"/>
+          </p:cNvSpPr>
+          <p:nvPr>
+            <p:ph idx="1"/>
+          </p:nvPr>
+        </p:nvSpPr>
+        <p:spPr>
+          <a:xfrm>
+            <a:off x="448491" y="914400"/>
+            <a:ext cx="8229600" cy="4983163"/>
+          </a:xfrm>
+        </p:spPr>
+        <p:txBody>
+          <a:bodyPr>
+            <a:normAutofit/>
+          </a:bodyPr>
+          <a:lstStyle/>
+          <a:p>
+            <a:pPr marL="0" indent="0">
+              <a:buNone/>
+            </a:pPr>
+            <a:r>
+              <a:rPr lang="en-US" sz="4000" dirty="0" err="1" smtClean="0">
+                <a:latin typeface="Times New Roman" panose="02020603050405020304" pitchFamily="18" charset="0"/>
+                <a:cs typeface="Times New Roman" panose="02020603050405020304" pitchFamily="18" charset="0"/>
+              </a:rPr>
+              <a:t>Trang</a:t>
+            </a:r>
+            <a:r>
+              <a:rPr lang="en-US" sz="4000" dirty="0" smtClean="0">
+                <a:latin typeface="Times New Roman" panose="02020603050405020304" pitchFamily="18" charset="0"/>
+                <a:cs typeface="Times New Roman" panose="02020603050405020304" pitchFamily="18" charset="0"/>
+              </a:rPr>
+              <a:t> phongvu.vn:</a:t>
+            </a:r>
+          </a:p>
+          <a:p>
+            <a:pPr marL="0" indent="0">
+              <a:buNone/>
+            </a:pPr>
+            <a:endParaRPr lang="en-US" sz="4000" dirty="0" smtClean="0">
+              <a:latin typeface="Times New Roman" panose="02020603050405020304" pitchFamily="18" charset="0"/>
+              <a:cs typeface="Times New Roman" panose="02020603050405020304" pitchFamily="18" charset="0"/>
+            </a:endParaRPr>
+          </a:p>
+        </p:txBody>
+      </p:sp>
+      <p:sp>
+        <p:nvSpPr>
+          <p:cNvPr id="7" name="Slide Number Placeholder 6"/>
+          <p:cNvSpPr>
+            <a:spLocks noGrp="1"/>
+          </p:cNvSpPr>
+          <p:nvPr>
+            <p:ph type="sldNum" sz="quarter" idx="12"/>
+          </p:nvPr>
+        </p:nvSpPr>
+        <p:spPr/>
+        <p:txBody>
+          <a:bodyPr/>
+          <a:lstStyle/>
+          <a:p>
+            <a:fld id="{B6F15528-21DE-4FAA-801E-634DDDAF4B2B}" type="slidenum">
+              <a:rPr lang="en-US" smtClean="0"/>
+              <a:pPr/>
+              <a:t>3</a:t>
+            </a:fld>
+            <a:endParaRPr lang="en-US"/>
+          </a:p>
+        </p:txBody>
+      </p:sp>
+      <p:pic>
+        <p:nvPicPr>
+          <p:cNvPr id="4" name="Picture 3"/>
+          <p:cNvPicPr>
+            <a:picLocks noChangeAspect="1"/>
+          </p:cNvPicPr>
+          <p:nvPr/>
+        </p:nvPicPr>
+        <p:blipFill>
+          <a:blip r:embed="rId3"/>
+          <a:stretch>
+            <a:fillRect/>
+          </a:stretch>
+        </p:blipFill>
+        <p:spPr>
+          <a:xfrm>
+            <a:off x="533400" y="1600200"/>
+            <a:ext cx="7917522" cy="4121966"/>
+          </a:xfrm>
+          <a:prstGeom prst="rect">
+            <a:avLst/>
+          </a:prstGeom>
+        </p:spPr>
+      </p:pic>
+    </p:spTree>
+    <p:extLst>
+      <p:ext uri="{BB962C8B-B14F-4D97-AF65-F5344CB8AC3E}">
+        <p14:creationId xmlns:p14="http://schemas.microsoft.com/office/powerpoint/2010/main" val="3523797787"/>
+      </p:ext>
+    </p:extLst>
+  </p:cSld>
+  <p:clrMapOvr>
+    <a:masterClrMapping/>
+  </p:clrMapOvr>
+  <p:timing>
+    <p:tnLst>
+      <p:par>
+        <p:cTn id="1" dur="indefinite" restart="never" nodeType="tmRoot">
+          <p:childTnLst>
+            <p:seq concurrent="1" nextAc="seek">
+              <p:cTn id="2" dur="indefinite" nodeType="mainSeq">
+                <p:childTnLst>
+                  <p:par>
+                    <p:cTn id="3" fill="hold">
+                      <p:stCondLst>
+                        <p:cond delay="indefinite"/>
+                      </p:stCondLst>
+                      <p:childTnLst>
+                        <p:par>
+                          <p:cTn id="4" fill="hold">
+                            <p:stCondLst>
+                              <p:cond delay="0"/>
+                            </p:stCondLst>
+                            <p:childTnLst>
+                              <p:par>
+                                <p:cTn id="5" presetID="16" presetClass="entr" presetSubtype="21" fill="hold" nodeType="clickEffect">
+                                  <p:stCondLst>
+                                    <p:cond delay="0"/>
+                                  </p:stCondLst>
+                                  <p:childTnLst>
+                                    <p:set>
+                                      <p:cBhvr>
+                                        <p:cTn id="6" dur="1" fill="hold">
+                                          <p:stCondLst>
+                                            <p:cond delay="0"/>
+                                          </p:stCondLst>
+                                        </p:cTn>
+                                        <p:tgtEl>
+                                          <p:spTgt spid="3">
+                                            <p:txEl>
+                                              <p:pRg st="0" end="0"/>
+                                            </p:txEl>
+                                          </p:spTgt>
+                                        </p:tgtEl>
+                                        <p:attrNameLst>
+                                          <p:attrName>style.visibility</p:attrName>
+                                        </p:attrNameLst>
+                                      </p:cBhvr>
+                                      <p:to>
+                                        <p:strVal val="visible"/>
+                                      </p:to>
+                                    </p:set>
+                                    <p:animEffect transition="in" filter="barn(inVertical)">
+                                      <p:cBhvr>
+                                        <p:cTn id="7" dur="500"/>
+                                        <p:tgtEl>
+                                          <p:spTgt spid="3">
+                                            <p:txEl>
+                                              <p:pRg st="0" end="0"/>
+                                            </p:txEl>
+                                          </p:spTgt>
+                                        </p:tgtEl>
+                                      </p:cBhvr>
+                                    </p:animEffect>
+                                  </p:childTnLst>
+                                </p:cTn>
+                              </p:par>
+                            </p:childTnLst>
+                          </p:cTn>
+                        </p:par>
+                      </p:childTnLst>
+                    </p:cTn>
+                  </p:par>
+                </p:childTnLst>
+              </p:cTn>
+              <p:prevCondLst>
+                <p:cond evt="onPrev" delay="0">
+                  <p:tgtEl>
+                    <p:sldTgt/>
+                  </p:tgtEl>
+                </p:cond>
+              </p:prevCondLst>
+              <p:nextCondLst>
+                <p:cond evt="onNext" delay="0">
+                  <p:tgtEl>
+                    <p:sldTgt/>
+                  </p:tgtEl>
+                </p:cond>
+              </p:nextCondLst>
+            </p:seq>
+          </p:childTnLst>
+        </p:cTn>
+      </p:par>
+    </p:tnLst>
+  </p:timing>
+</p:sld>
+</file>
+
+<file path=ppt/slides/slide5.xml><?xml version="1.0" encoding="utf-8"?>
+<p:sld xmlns:a="http://schemas.openxmlformats.org/drawingml/2006/main" xmlns:r="http://schemas.openxmlformats.org/officeDocument/2006/relationships" xmlns:p="http://schemas.openxmlformats.org/presentationml/2006/main">
+  <p:cSld>
+    <p:spTree>
+      <p:nvGrpSpPr>
+        <p:cNvPr id="1" name=""/>
+        <p:cNvGrpSpPr/>
+        <p:nvPr/>
+      </p:nvGrpSpPr>
+      <p:grpSpPr>
+        <a:xfrm>
+          <a:off x="0" y="0"/>
+          <a:ext cx="0" cy="0"/>
+          <a:chOff x="0" y="0"/>
+          <a:chExt cx="0" cy="0"/>
+        </a:xfrm>
+      </p:grpSpPr>
+      <p:sp>
+        <p:nvSpPr>
+          <p:cNvPr id="2" name="Title 1"/>
+          <p:cNvSpPr>
+            <a:spLocks noGrp="1"/>
+          </p:cNvSpPr>
+          <p:nvPr>
+            <p:ph type="title"/>
+          </p:nvPr>
+        </p:nvSpPr>
+        <p:spPr/>
+        <p:txBody>
+          <a:bodyPr>
+            <a:normAutofit fontScale="90000"/>
+          </a:bodyPr>
+          <a:lstStyle/>
+          <a:p>
+            <a:r>
+              <a:rPr lang="en-US" dirty="0" err="1" smtClean="0">
+                <a:latin typeface="Times New Roman" panose="02020603050405020304" pitchFamily="18" charset="0"/>
+                <a:cs typeface="Times New Roman" panose="02020603050405020304" pitchFamily="18" charset="0"/>
+              </a:rPr>
+              <a:t>Khảo</a:t>
+            </a:r>
+            <a:r>
+              <a:rPr lang="en-US" dirty="0" smtClean="0">
+                <a:latin typeface="Times New Roman" panose="02020603050405020304" pitchFamily="18" charset="0"/>
+                <a:cs typeface="Times New Roman" panose="02020603050405020304" pitchFamily="18" charset="0"/>
+              </a:rPr>
+              <a:t> </a:t>
+            </a:r>
+            <a:r>
+              <a:rPr lang="en-US" dirty="0" err="1" smtClean="0">
+                <a:latin typeface="Times New Roman" panose="02020603050405020304" pitchFamily="18" charset="0"/>
+                <a:cs typeface="Times New Roman" panose="02020603050405020304" pitchFamily="18" charset="0"/>
+              </a:rPr>
+              <a:t>sát</a:t>
+            </a:r>
+            <a:endParaRPr lang="en-US" dirty="0">
+              <a:latin typeface="Times New Roman" panose="02020603050405020304" pitchFamily="18" charset="0"/>
+              <a:cs typeface="Times New Roman" panose="02020603050405020304" pitchFamily="18" charset="0"/>
+            </a:endParaRPr>
+          </a:p>
+        </p:txBody>
+      </p:sp>
+      <p:sp>
+        <p:nvSpPr>
+          <p:cNvPr id="3" name="Content Placeholder 2"/>
+          <p:cNvSpPr>
+            <a:spLocks noGrp="1"/>
+          </p:cNvSpPr>
+          <p:nvPr>
+            <p:ph idx="1"/>
+          </p:nvPr>
+        </p:nvSpPr>
+        <p:spPr>
+          <a:xfrm>
+            <a:off x="457200" y="914400"/>
+            <a:ext cx="8229600" cy="4983163"/>
+          </a:xfrm>
+        </p:spPr>
+        <p:txBody>
+          <a:bodyPr>
+            <a:normAutofit/>
+          </a:bodyPr>
+          <a:lstStyle/>
+          <a:p>
+            <a:pPr marL="0" indent="0">
+              <a:buNone/>
+            </a:pPr>
+            <a:r>
+              <a:rPr lang="en-US" sz="4000" dirty="0" err="1" smtClean="0">
+                <a:latin typeface="Times New Roman" panose="02020603050405020304" pitchFamily="18" charset="0"/>
+                <a:cs typeface="Times New Roman" panose="02020603050405020304" pitchFamily="18" charset="0"/>
+              </a:rPr>
+              <a:t>Trang</a:t>
+            </a:r>
+            <a:r>
+              <a:rPr lang="en-US" sz="4000" dirty="0" smtClean="0">
+                <a:latin typeface="Times New Roman" panose="02020603050405020304" pitchFamily="18" charset="0"/>
+                <a:cs typeface="Times New Roman" panose="02020603050405020304" pitchFamily="18" charset="0"/>
+              </a:rPr>
+              <a:t> tiki.vn:</a:t>
+            </a:r>
+            <a:endParaRPr lang="en-US" sz="4000" dirty="0" smtClean="0">
+              <a:latin typeface="Times New Roman" panose="02020603050405020304" pitchFamily="18" charset="0"/>
+              <a:cs typeface="Times New Roman" panose="02020603050405020304" pitchFamily="18" charset="0"/>
+            </a:endParaRPr>
+          </a:p>
+        </p:txBody>
+      </p:sp>
+      <p:sp>
+        <p:nvSpPr>
+          <p:cNvPr id="7" name="Slide Number Placeholder 6"/>
+          <p:cNvSpPr>
+            <a:spLocks noGrp="1"/>
+          </p:cNvSpPr>
+          <p:nvPr>
+            <p:ph type="sldNum" sz="quarter" idx="12"/>
+          </p:nvPr>
+        </p:nvSpPr>
+        <p:spPr/>
+        <p:txBody>
+          <a:bodyPr/>
+          <a:lstStyle/>
+          <a:p>
+            <a:fld id="{B6F15528-21DE-4FAA-801E-634DDDAF4B2B}" type="slidenum">
+              <a:rPr lang="en-US" smtClean="0"/>
+              <a:pPr/>
+              <a:t>4</a:t>
+            </a:fld>
+            <a:endParaRPr lang="en-US"/>
+          </a:p>
+        </p:txBody>
+      </p:sp>
+      <p:pic>
+        <p:nvPicPr>
+          <p:cNvPr id="4" name="Picture 3"/>
+          <p:cNvPicPr>
+            <a:picLocks noChangeAspect="1"/>
+          </p:cNvPicPr>
+          <p:nvPr/>
+        </p:nvPicPr>
+        <p:blipFill>
+          <a:blip r:embed="rId3"/>
+          <a:stretch>
+            <a:fillRect/>
+          </a:stretch>
+        </p:blipFill>
+        <p:spPr>
+          <a:xfrm>
+            <a:off x="304800" y="2057400"/>
+            <a:ext cx="8560760" cy="3171825"/>
+          </a:xfrm>
+          <a:prstGeom prst="rect">
+            <a:avLst/>
+          </a:prstGeom>
+        </p:spPr>
+      </p:pic>
+    </p:spTree>
+    <p:extLst>
+      <p:ext uri="{BB962C8B-B14F-4D97-AF65-F5344CB8AC3E}">
+        <p14:creationId xmlns:p14="http://schemas.microsoft.com/office/powerpoint/2010/main" val="3965189343"/>
+      </p:ext>
+    </p:extLst>
+  </p:cSld>
+  <p:clrMapOvr>
+    <a:masterClrMapping/>
+  </p:clrMapOvr>
+  <p:timing>
+    <p:tnLst>
+      <p:par>
+        <p:cTn id="1" dur="indefinite" restart="never" nodeType="tmRoot">
+          <p:childTnLst>
+            <p:seq concurrent="1" nextAc="seek">
+              <p:cTn id="2" dur="indefinite" nodeType="mainSeq">
+                <p:childTnLst>
+                  <p:par>
+                    <p:cTn id="3" fill="hold">
+                      <p:stCondLst>
+                        <p:cond delay="indefinite"/>
+                      </p:stCondLst>
+                      <p:childTnLst>
+                        <p:par>
+                          <p:cTn id="4" fill="hold">
+                            <p:stCondLst>
+                              <p:cond delay="0"/>
+                            </p:stCondLst>
+                            <p:childTnLst>
+                              <p:par>
+                                <p:cTn id="5" presetID="16" presetClass="entr" presetSubtype="21" fill="hold" nodeType="clickEffect">
+                                  <p:stCondLst>
+                                    <p:cond delay="0"/>
+                                  </p:stCondLst>
+                                  <p:childTnLst>
+                                    <p:set>
+                                      <p:cBhvr>
+                                        <p:cTn id="6" dur="1" fill="hold">
+                                          <p:stCondLst>
+                                            <p:cond delay="0"/>
+                                          </p:stCondLst>
+                                        </p:cTn>
+                                        <p:tgtEl>
+                                          <p:spTgt spid="3">
+                                            <p:txEl>
+                                              <p:pRg st="0" end="0"/>
+                                            </p:txEl>
+                                          </p:spTgt>
+                                        </p:tgtEl>
+                                        <p:attrNameLst>
+                                          <p:attrName>style.visibility</p:attrName>
+                                        </p:attrNameLst>
+                                      </p:cBhvr>
+                                      <p:to>
+                                        <p:strVal val="visible"/>
+                                      </p:to>
+                                    </p:set>
+                                    <p:animEffect transition="in" filter="barn(inVertical)">
+                                      <p:cBhvr>
+                                        <p:cTn id="7" dur="500"/>
+                                        <p:tgtEl>
+                                          <p:spTgt spid="3">
+                                            <p:txEl>
+                                              <p:pRg st="0" end="0"/>
+                                            </p:txEl>
+                                          </p:spTgt>
+                                        </p:tgtEl>
+                                      </p:cBhvr>
+                                    </p:animEffect>
+                                  </p:childTnLst>
+                                </p:cTn>
+                              </p:par>
+                            </p:childTnLst>
+                          </p:cTn>
+                        </p:par>
+                      </p:childTnLst>
+                    </p:cTn>
+                  </p:par>
+                </p:childTnLst>
+              </p:cTn>
+              <p:prevCondLst>
+                <p:cond evt="onPrev" delay="0">
+                  <p:tgtEl>
+                    <p:sldTgt/>
+                  </p:tgtEl>
+                </p:cond>
+              </p:prevCondLst>
+              <p:nextCondLst>
+                <p:cond evt="onNext" delay="0">
+                  <p:tgtEl>
+                    <p:sldTgt/>
+                  </p:tgtEl>
+                </p:cond>
+              </p:nextCondLst>
+            </p:seq>
+          </p:childTnLst>
+        </p:cTn>
+      </p:par>
+    </p:tnLst>
+  </p:timing>
+</p:sld>
+</file>
+
+<file path=ppt/slides/slide6.xml><?xml version="1.0" encoding="utf-8"?>
+<p:sld xmlns:a="http://schemas.openxmlformats.org/drawingml/2006/main" xmlns:r="http://schemas.openxmlformats.org/officeDocument/2006/relationships" xmlns:p="http://schemas.openxmlformats.org/presentationml/2006/main">
+  <p:cSld>
+    <p:spTree>
+      <p:nvGrpSpPr>
+        <p:cNvPr id="1" name=""/>
+        <p:cNvGrpSpPr/>
+        <p:nvPr/>
+      </p:nvGrpSpPr>
+      <p:grpSpPr>
+        <a:xfrm>
+          <a:off x="0" y="0"/>
+          <a:ext cx="0" cy="0"/>
+          <a:chOff x="0" y="0"/>
+          <a:chExt cx="0" cy="0"/>
+        </a:xfrm>
+      </p:grpSpPr>
+      <p:sp>
+        <p:nvSpPr>
           <p:cNvPr id="5" name="Subtitle 2"/>
           <p:cNvSpPr txBox="1">
             <a:spLocks/>
@@ -10232,7 +12167,7 @@
         </p:nvSpPr>
         <p:spPr bwMode="auto">
           <a:xfrm>
-            <a:off x="467544" y="990600"/>
+            <a:off x="467544" y="1219200"/>
             <a:ext cx="8208912" cy="1752600"/>
           </a:xfrm>
           <a:prstGeom prst="rect">
@@ -10555,6 +12490,30 @@
                 <a:schemeClr val="accent6"/>
               </a:solidFill>
             </a:endParaRPr>
+          </a:p>
+        </p:txBody>
+      </p:sp>
+      <p:sp>
+        <p:nvSpPr>
+          <p:cNvPr id="7" name="Slide Number Placeholder 6"/>
+          <p:cNvSpPr>
+            <a:spLocks noGrp="1"/>
+          </p:cNvSpPr>
+          <p:nvPr>
+            <p:ph type="sldNum" sz="quarter" idx="12"/>
+          </p:nvPr>
+        </p:nvSpPr>
+        <p:spPr/>
+        <p:txBody>
+          <a:bodyPr/>
+          <a:lstStyle/>
+          <a:p>
+            <a:fld id="{B6F15528-21DE-4FAA-801E-634DDDAF4B2B}" type="slidenum">
+              <a:rPr lang="en-US" smtClean="0"/>
+              <a:pPr/>
+              <a:t>5</a:t>
+            </a:fld>
+            <a:endParaRPr lang="en-US"/>
           </a:p>
         </p:txBody>
       </p:sp>
@@ -10910,7 +12869,7 @@
 </p:sld>
 </file>
 
-<file path=ppt/slides/slide5.xml><?xml version="1.0" encoding="utf-8"?>
+<file path=ppt/slides/slide7.xml><?xml version="1.0" encoding="utf-8"?>
 <p:sld xmlns:a="http://schemas.openxmlformats.org/drawingml/2006/main" xmlns:r="http://schemas.openxmlformats.org/officeDocument/2006/relationships" xmlns:p="http://schemas.openxmlformats.org/presentationml/2006/main">
   <p:cSld>
     <p:spTree>
@@ -11752,6 +13711,30 @@
           </a:extLst>
         </p:spPr>
       </p:pic>
+      <p:sp>
+        <p:nvSpPr>
+          <p:cNvPr id="11" name="Slide Number Placeholder 10"/>
+          <p:cNvSpPr>
+            <a:spLocks noGrp="1"/>
+          </p:cNvSpPr>
+          <p:nvPr>
+            <p:ph type="sldNum" sz="quarter" idx="12"/>
+          </p:nvPr>
+        </p:nvSpPr>
+        <p:spPr/>
+        <p:txBody>
+          <a:bodyPr/>
+          <a:lstStyle/>
+          <a:p>
+            <a:fld id="{B6F15528-21DE-4FAA-801E-634DDDAF4B2B}" type="slidenum">
+              <a:rPr lang="en-US" smtClean="0"/>
+              <a:pPr/>
+              <a:t>6</a:t>
+            </a:fld>
+            <a:endParaRPr lang="en-US"/>
+          </a:p>
+        </p:txBody>
+      </p:sp>
     </p:spTree>
     <p:extLst>
       <p:ext uri="{BB962C8B-B14F-4D97-AF65-F5344CB8AC3E}">
@@ -11917,7 +13900,7 @@
 </p:sld>
 </file>
 
-<file path=ppt/slides/slide6.xml><?xml version="1.0" encoding="utf-8"?>
+<file path=ppt/slides/slide8.xml><?xml version="1.0" encoding="utf-8"?>
 <p:sld xmlns:a="http://schemas.openxmlformats.org/drawingml/2006/main" xmlns:r="http://schemas.openxmlformats.org/officeDocument/2006/relationships" xmlns:p="http://schemas.openxmlformats.org/presentationml/2006/main">
   <p:cSld>
     <p:spTree>
@@ -12225,6 +14208,30 @@
           </a:bodyPr>
           <a:lstStyle/>
           <a:p>
+            <a:endParaRPr lang="en-US"/>
+          </a:p>
+        </p:txBody>
+      </p:sp>
+      <p:sp>
+        <p:nvSpPr>
+          <p:cNvPr id="8" name="Slide Number Placeholder 7"/>
+          <p:cNvSpPr>
+            <a:spLocks noGrp="1"/>
+          </p:cNvSpPr>
+          <p:nvPr>
+            <p:ph type="sldNum" sz="quarter" idx="12"/>
+          </p:nvPr>
+        </p:nvSpPr>
+        <p:spPr/>
+        <p:txBody>
+          <a:bodyPr/>
+          <a:lstStyle/>
+          <a:p>
+            <a:fld id="{B6F15528-21DE-4FAA-801E-634DDDAF4B2B}" type="slidenum">
+              <a:rPr lang="en-US" smtClean="0"/>
+              <a:pPr/>
+              <a:t>7</a:t>
+            </a:fld>
             <a:endParaRPr lang="en-US"/>
           </a:p>
         </p:txBody>
@@ -12394,7 +14401,7 @@
 </p:sld>
 </file>
 
-<file path=ppt/slides/slide7.xml><?xml version="1.0" encoding="utf-8"?>
+<file path=ppt/slides/slide9.xml><?xml version="1.0" encoding="utf-8"?>
 <p:sld xmlns:a="http://schemas.openxmlformats.org/drawingml/2006/main" xmlns:r="http://schemas.openxmlformats.org/officeDocument/2006/relationships" xmlns:p="http://schemas.openxmlformats.org/presentationml/2006/main">
   <p:cSld>
     <p:spTree>
@@ -12529,10 +14536,6 @@
               </a:rPr>
               <a:t>:</a:t>
             </a:r>
-            <a:endParaRPr lang="en-US" sz="4000" dirty="0" smtClean="0">
-              <a:latin typeface="Times New Roman" panose="02020603050405020304" pitchFamily="18" charset="0"/>
-              <a:cs typeface="Times New Roman" panose="02020603050405020304" pitchFamily="18" charset="0"/>
-            </a:endParaRPr>
           </a:p>
         </p:txBody>
       </p:sp>
@@ -12605,10 +14608,34 @@
           </a:prstGeom>
         </p:spPr>
       </p:pic>
+      <p:sp>
+        <p:nvSpPr>
+          <p:cNvPr id="6" name="Slide Number Placeholder 5"/>
+          <p:cNvSpPr>
+            <a:spLocks noGrp="1"/>
+          </p:cNvSpPr>
+          <p:nvPr>
+            <p:ph type="sldNum" sz="quarter" idx="12"/>
+          </p:nvPr>
+        </p:nvSpPr>
+        <p:spPr/>
+        <p:txBody>
+          <a:bodyPr/>
+          <a:lstStyle/>
+          <a:p>
+            <a:fld id="{B6F15528-21DE-4FAA-801E-634DDDAF4B2B}" type="slidenum">
+              <a:rPr lang="en-US" smtClean="0"/>
+              <a:pPr/>
+              <a:t>8</a:t>
+            </a:fld>
+            <a:endParaRPr lang="en-US"/>
+          </a:p>
+        </p:txBody>
+      </p:sp>
     </p:spTree>
     <p:extLst>
       <p:ext uri="{BB962C8B-B14F-4D97-AF65-F5344CB8AC3E}">
-        <p14:creationId xmlns:p14="http://schemas.microsoft.com/office/powerpoint/2010/main" val="211548386"/>
+        <p14:creationId xmlns:p14="http://schemas.microsoft.com/office/powerpoint/2010/main" val="4043299873"/>
       </p:ext>
     </p:extLst>
   </p:cSld>
@@ -12675,1945 +14702,6 @@
                                         </p:tgtEl>
                                       </p:cBhvr>
                                     </p:animEffect>
-                                  </p:childTnLst>
-                                </p:cTn>
-                              </p:par>
-                            </p:childTnLst>
-                          </p:cTn>
-                        </p:par>
-                      </p:childTnLst>
-                    </p:cTn>
-                  </p:par>
-                </p:childTnLst>
-              </p:cTn>
-              <p:prevCondLst>
-                <p:cond evt="onPrev" delay="0">
-                  <p:tgtEl>
-                    <p:sldTgt/>
-                  </p:tgtEl>
-                </p:cond>
-              </p:prevCondLst>
-              <p:nextCondLst>
-                <p:cond evt="onNext" delay="0">
-                  <p:tgtEl>
-                    <p:sldTgt/>
-                  </p:tgtEl>
-                </p:cond>
-              </p:nextCondLst>
-            </p:seq>
-          </p:childTnLst>
-        </p:cTn>
-      </p:par>
-    </p:tnLst>
-  </p:timing>
-</p:sld>
-</file>
-
-<file path=ppt/slides/slide8.xml><?xml version="1.0" encoding="utf-8"?>
-<p:sld xmlns:a="http://schemas.openxmlformats.org/drawingml/2006/main" xmlns:r="http://schemas.openxmlformats.org/officeDocument/2006/relationships" xmlns:p="http://schemas.openxmlformats.org/presentationml/2006/main">
-  <p:cSld>
-    <p:spTree>
-      <p:nvGrpSpPr>
-        <p:cNvPr id="1" name=""/>
-        <p:cNvGrpSpPr/>
-        <p:nvPr/>
-      </p:nvGrpSpPr>
-      <p:grpSpPr>
-        <a:xfrm>
-          <a:off x="0" y="0"/>
-          <a:ext cx="0" cy="0"/>
-          <a:chOff x="0" y="0"/>
-          <a:chExt cx="0" cy="0"/>
-        </a:xfrm>
-      </p:grpSpPr>
-      <p:sp>
-        <p:nvSpPr>
-          <p:cNvPr id="5" name="Subtitle 2"/>
-          <p:cNvSpPr txBox="1">
-            <a:spLocks/>
-          </p:cNvSpPr>
-          <p:nvPr/>
-        </p:nvSpPr>
-        <p:spPr bwMode="auto">
-          <a:xfrm>
-            <a:off x="266700" y="990600"/>
-            <a:ext cx="8610600" cy="1752600"/>
-          </a:xfrm>
-          <a:prstGeom prst="rect">
-            <a:avLst/>
-          </a:prstGeom>
-          <a:noFill/>
-          <a:ln w="9525">
-            <a:noFill/>
-            <a:miter lim="800000"/>
-            <a:headEnd/>
-            <a:tailEnd/>
-          </a:ln>
-        </p:spPr>
-        <p:txBody>
-          <a:bodyPr vert="horz" wrap="square" lIns="91440" tIns="45720" rIns="91440" bIns="45720" numCol="1" anchor="t" anchorCtr="0" compatLnSpc="1">
-            <a:prstTxWarp prst="textNoShape">
-              <a:avLst/>
-            </a:prstTxWarp>
-          </a:bodyPr>
-          <a:lstStyle>
-            <a:lvl1pPr marL="342900" indent="-342900" algn="l" rtl="0" fontAlgn="base">
-              <a:spcBef>
-                <a:spcPct val="20000"/>
-              </a:spcBef>
-              <a:spcAft>
-                <a:spcPct val="0"/>
-              </a:spcAft>
-              <a:buChar char="•"/>
-              <a:defRPr sz="3200">
-                <a:solidFill>
-                  <a:srgbClr val="550579"/>
-                </a:solidFill>
-                <a:latin typeface="+mn-lt"/>
-                <a:ea typeface="+mn-ea"/>
-                <a:cs typeface="+mn-cs"/>
-              </a:defRPr>
-            </a:lvl1pPr>
-            <a:lvl2pPr marL="742950" indent="-285750" algn="l" rtl="0" fontAlgn="base">
-              <a:spcBef>
-                <a:spcPct val="20000"/>
-              </a:spcBef>
-              <a:spcAft>
-                <a:spcPct val="0"/>
-              </a:spcAft>
-              <a:buChar char="–"/>
-              <a:defRPr sz="2800">
-                <a:solidFill>
-                  <a:schemeClr val="tx1"/>
-                </a:solidFill>
-                <a:latin typeface="+mn-lt"/>
-              </a:defRPr>
-            </a:lvl2pPr>
-            <a:lvl3pPr marL="1143000" indent="-228600" algn="l" rtl="0" fontAlgn="base">
-              <a:spcBef>
-                <a:spcPct val="20000"/>
-              </a:spcBef>
-              <a:spcAft>
-                <a:spcPct val="0"/>
-              </a:spcAft>
-              <a:buChar char="•"/>
-              <a:defRPr sz="2400">
-                <a:solidFill>
-                  <a:schemeClr val="tx1"/>
-                </a:solidFill>
-                <a:latin typeface="+mn-lt"/>
-              </a:defRPr>
-            </a:lvl3pPr>
-            <a:lvl4pPr marL="1600200" indent="-228600" algn="l" rtl="0" fontAlgn="base">
-              <a:spcBef>
-                <a:spcPct val="20000"/>
-              </a:spcBef>
-              <a:spcAft>
-                <a:spcPct val="0"/>
-              </a:spcAft>
-              <a:buChar char="–"/>
-              <a:defRPr sz="2000">
-                <a:solidFill>
-                  <a:schemeClr val="tx1"/>
-                </a:solidFill>
-                <a:latin typeface="+mn-lt"/>
-              </a:defRPr>
-            </a:lvl4pPr>
-            <a:lvl5pPr marL="2057400" indent="-228600" algn="l" rtl="0" fontAlgn="base">
-              <a:spcBef>
-                <a:spcPct val="20000"/>
-              </a:spcBef>
-              <a:spcAft>
-                <a:spcPct val="0"/>
-              </a:spcAft>
-              <a:buChar char="»"/>
-              <a:defRPr sz="2000">
-                <a:solidFill>
-                  <a:schemeClr val="tx1"/>
-                </a:solidFill>
-                <a:latin typeface="+mn-lt"/>
-              </a:defRPr>
-            </a:lvl5pPr>
-            <a:lvl6pPr marL="2514600" indent="-228600" algn="l" rtl="0" eaLnBrk="1" fontAlgn="base" hangingPunct="1">
-              <a:spcBef>
-                <a:spcPct val="20000"/>
-              </a:spcBef>
-              <a:spcAft>
-                <a:spcPct val="0"/>
-              </a:spcAft>
-              <a:buChar char="»"/>
-              <a:defRPr sz="2000">
-                <a:solidFill>
-                  <a:schemeClr val="tx1"/>
-                </a:solidFill>
-                <a:latin typeface="+mn-lt"/>
-              </a:defRPr>
-            </a:lvl6pPr>
-            <a:lvl7pPr marL="2971800" indent="-228600" algn="l" rtl="0" eaLnBrk="1" fontAlgn="base" hangingPunct="1">
-              <a:spcBef>
-                <a:spcPct val="20000"/>
-              </a:spcBef>
-              <a:spcAft>
-                <a:spcPct val="0"/>
-              </a:spcAft>
-              <a:buChar char="»"/>
-              <a:defRPr sz="2000">
-                <a:solidFill>
-                  <a:schemeClr val="tx1"/>
-                </a:solidFill>
-                <a:latin typeface="+mn-lt"/>
-              </a:defRPr>
-            </a:lvl7pPr>
-            <a:lvl8pPr marL="3429000" indent="-228600" algn="l" rtl="0" eaLnBrk="1" fontAlgn="base" hangingPunct="1">
-              <a:spcBef>
-                <a:spcPct val="20000"/>
-              </a:spcBef>
-              <a:spcAft>
-                <a:spcPct val="0"/>
-              </a:spcAft>
-              <a:buChar char="»"/>
-              <a:defRPr sz="2000">
-                <a:solidFill>
-                  <a:schemeClr val="tx1"/>
-                </a:solidFill>
-                <a:latin typeface="+mn-lt"/>
-              </a:defRPr>
-            </a:lvl8pPr>
-            <a:lvl9pPr marL="3886200" indent="-228600" algn="l" rtl="0" eaLnBrk="1" fontAlgn="base" hangingPunct="1">
-              <a:spcBef>
-                <a:spcPct val="20000"/>
-              </a:spcBef>
-              <a:spcAft>
-                <a:spcPct val="0"/>
-              </a:spcAft>
-              <a:buChar char="»"/>
-              <a:defRPr sz="2000">
-                <a:solidFill>
-                  <a:schemeClr val="tx1"/>
-                </a:solidFill>
-                <a:latin typeface="+mn-lt"/>
-              </a:defRPr>
-            </a:lvl9pPr>
-          </a:lstStyle>
-          <a:p>
-            <a:pPr marL="0" indent="0">
-              <a:buNone/>
-            </a:pPr>
-            <a:r>
-              <a:rPr lang="en-US" sz="4000" dirty="0" err="1" smtClean="0">
-                <a:solidFill>
-                  <a:schemeClr val="tx1"/>
-                </a:solidFill>
-                <a:latin typeface="Times New Roman" panose="02020603050405020304" pitchFamily="18" charset="0"/>
-                <a:cs typeface="Times New Roman" panose="02020603050405020304" pitchFamily="18" charset="0"/>
-              </a:rPr>
-              <a:t>Các</a:t>
-            </a:r>
-            <a:r>
-              <a:rPr lang="en-US" sz="4000" dirty="0" smtClean="0">
-                <a:solidFill>
-                  <a:schemeClr val="tx1"/>
-                </a:solidFill>
-                <a:latin typeface="Times New Roman" panose="02020603050405020304" pitchFamily="18" charset="0"/>
-                <a:cs typeface="Times New Roman" panose="02020603050405020304" pitchFamily="18" charset="0"/>
-              </a:rPr>
-              <a:t> </a:t>
-            </a:r>
-            <a:r>
-              <a:rPr lang="en-US" sz="4000" dirty="0" err="1" smtClean="0">
-                <a:solidFill>
-                  <a:schemeClr val="tx1"/>
-                </a:solidFill>
-                <a:latin typeface="Times New Roman" panose="02020603050405020304" pitchFamily="18" charset="0"/>
-                <a:cs typeface="Times New Roman" panose="02020603050405020304" pitchFamily="18" charset="0"/>
-              </a:rPr>
-              <a:t>tính</a:t>
-            </a:r>
-            <a:r>
-              <a:rPr lang="en-US" sz="4000" dirty="0" smtClean="0">
-                <a:solidFill>
-                  <a:schemeClr val="tx1"/>
-                </a:solidFill>
-                <a:latin typeface="Times New Roman" panose="02020603050405020304" pitchFamily="18" charset="0"/>
-                <a:cs typeface="Times New Roman" panose="02020603050405020304" pitchFamily="18" charset="0"/>
-              </a:rPr>
-              <a:t> </a:t>
-            </a:r>
-            <a:r>
-              <a:rPr lang="en-US" sz="4000" dirty="0" err="1" smtClean="0">
-                <a:solidFill>
-                  <a:schemeClr val="tx1"/>
-                </a:solidFill>
-                <a:latin typeface="Times New Roman" panose="02020603050405020304" pitchFamily="18" charset="0"/>
-                <a:cs typeface="Times New Roman" panose="02020603050405020304" pitchFamily="18" charset="0"/>
-              </a:rPr>
-              <a:t>năng</a:t>
-            </a:r>
-            <a:r>
-              <a:rPr lang="en-US" sz="4000" dirty="0" smtClean="0">
-                <a:solidFill>
-                  <a:schemeClr val="tx1"/>
-                </a:solidFill>
-                <a:latin typeface="Times New Roman" panose="02020603050405020304" pitchFamily="18" charset="0"/>
-                <a:cs typeface="Times New Roman" panose="02020603050405020304" pitchFamily="18" charset="0"/>
-              </a:rPr>
-              <a:t> </a:t>
-            </a:r>
-            <a:r>
-              <a:rPr lang="en-US" sz="4000" dirty="0" err="1" smtClean="0">
-                <a:solidFill>
-                  <a:schemeClr val="tx1"/>
-                </a:solidFill>
-                <a:latin typeface="Times New Roman" panose="02020603050405020304" pitchFamily="18" charset="0"/>
-                <a:cs typeface="Times New Roman" panose="02020603050405020304" pitchFamily="18" charset="0"/>
-              </a:rPr>
-              <a:t>chính</a:t>
-            </a:r>
-            <a:r>
-              <a:rPr lang="en-US" sz="4000" dirty="0" smtClean="0">
-                <a:solidFill>
-                  <a:schemeClr val="tx1"/>
-                </a:solidFill>
-                <a:latin typeface="Times New Roman" panose="02020603050405020304" pitchFamily="18" charset="0"/>
-                <a:cs typeface="Times New Roman" panose="02020603050405020304" pitchFamily="18" charset="0"/>
-              </a:rPr>
-              <a:t>:</a:t>
-            </a:r>
-          </a:p>
-          <a:p>
-            <a:r>
-              <a:rPr lang="en-US" sz="3000" dirty="0" err="1" smtClean="0">
-                <a:solidFill>
-                  <a:schemeClr val="tx1"/>
-                </a:solidFill>
-                <a:latin typeface="Times New Roman" panose="02020603050405020304" pitchFamily="18" charset="0"/>
-                <a:cs typeface="Times New Roman" panose="02020603050405020304" pitchFamily="18" charset="0"/>
-              </a:rPr>
-              <a:t>Xem</a:t>
-            </a:r>
-            <a:r>
-              <a:rPr lang="en-US" sz="3000" dirty="0" smtClean="0">
-                <a:solidFill>
-                  <a:schemeClr val="tx1"/>
-                </a:solidFill>
-                <a:latin typeface="Times New Roman" panose="02020603050405020304" pitchFamily="18" charset="0"/>
-                <a:cs typeface="Times New Roman" panose="02020603050405020304" pitchFamily="18" charset="0"/>
-              </a:rPr>
-              <a:t> </a:t>
-            </a:r>
-            <a:r>
-              <a:rPr lang="en-US" sz="3000" dirty="0" err="1" smtClean="0">
-                <a:solidFill>
-                  <a:schemeClr val="tx1"/>
-                </a:solidFill>
-                <a:latin typeface="Times New Roman" panose="02020603050405020304" pitchFamily="18" charset="0"/>
-                <a:cs typeface="Times New Roman" panose="02020603050405020304" pitchFamily="18" charset="0"/>
-              </a:rPr>
-              <a:t>sản</a:t>
-            </a:r>
-            <a:r>
-              <a:rPr lang="en-US" sz="3000" dirty="0" smtClean="0">
-                <a:solidFill>
-                  <a:schemeClr val="tx1"/>
-                </a:solidFill>
-                <a:latin typeface="Times New Roman" panose="02020603050405020304" pitchFamily="18" charset="0"/>
-                <a:cs typeface="Times New Roman" panose="02020603050405020304" pitchFamily="18" charset="0"/>
-              </a:rPr>
-              <a:t> </a:t>
-            </a:r>
-            <a:r>
-              <a:rPr lang="en-US" sz="3000" dirty="0" err="1" smtClean="0">
-                <a:solidFill>
-                  <a:schemeClr val="tx1"/>
-                </a:solidFill>
-                <a:latin typeface="Times New Roman" panose="02020603050405020304" pitchFamily="18" charset="0"/>
-                <a:cs typeface="Times New Roman" panose="02020603050405020304" pitchFamily="18" charset="0"/>
-              </a:rPr>
-              <a:t>phẩm</a:t>
-            </a:r>
-            <a:r>
-              <a:rPr lang="en-US" sz="3000" dirty="0" smtClean="0">
-                <a:solidFill>
-                  <a:schemeClr val="tx1"/>
-                </a:solidFill>
-                <a:latin typeface="Times New Roman" panose="02020603050405020304" pitchFamily="18" charset="0"/>
-                <a:cs typeface="Times New Roman" panose="02020603050405020304" pitchFamily="18" charset="0"/>
-              </a:rPr>
-              <a:t>.</a:t>
-            </a:r>
-          </a:p>
-          <a:p>
-            <a:r>
-              <a:rPr lang="en-US" sz="3000" dirty="0" err="1" smtClean="0">
-                <a:solidFill>
-                  <a:schemeClr val="tx1"/>
-                </a:solidFill>
-                <a:latin typeface="Times New Roman" panose="02020603050405020304" pitchFamily="18" charset="0"/>
-                <a:cs typeface="Times New Roman" panose="02020603050405020304" pitchFamily="18" charset="0"/>
-              </a:rPr>
-              <a:t>Mua</a:t>
-            </a:r>
-            <a:r>
-              <a:rPr lang="en-US" sz="3000" dirty="0" smtClean="0">
-                <a:solidFill>
-                  <a:schemeClr val="tx1"/>
-                </a:solidFill>
-                <a:latin typeface="Times New Roman" panose="02020603050405020304" pitchFamily="18" charset="0"/>
-                <a:cs typeface="Times New Roman" panose="02020603050405020304" pitchFamily="18" charset="0"/>
-              </a:rPr>
-              <a:t>/</a:t>
-            </a:r>
-            <a:r>
-              <a:rPr lang="en-US" sz="3000" dirty="0" err="1" smtClean="0">
-                <a:solidFill>
-                  <a:schemeClr val="tx1"/>
-                </a:solidFill>
-                <a:latin typeface="Times New Roman" panose="02020603050405020304" pitchFamily="18" charset="0"/>
-                <a:cs typeface="Times New Roman" panose="02020603050405020304" pitchFamily="18" charset="0"/>
-              </a:rPr>
-              <a:t>bán</a:t>
-            </a:r>
-            <a:r>
-              <a:rPr lang="en-US" sz="3000" dirty="0" smtClean="0">
-                <a:solidFill>
-                  <a:schemeClr val="tx1"/>
-                </a:solidFill>
-                <a:latin typeface="Times New Roman" panose="02020603050405020304" pitchFamily="18" charset="0"/>
-                <a:cs typeface="Times New Roman" panose="02020603050405020304" pitchFamily="18" charset="0"/>
-              </a:rPr>
-              <a:t> </a:t>
-            </a:r>
-            <a:r>
-              <a:rPr lang="en-US" sz="3000" dirty="0" err="1" smtClean="0">
-                <a:solidFill>
-                  <a:schemeClr val="tx1"/>
-                </a:solidFill>
-                <a:latin typeface="Times New Roman" panose="02020603050405020304" pitchFamily="18" charset="0"/>
-                <a:cs typeface="Times New Roman" panose="02020603050405020304" pitchFamily="18" charset="0"/>
-              </a:rPr>
-              <a:t>hàng</a:t>
-            </a:r>
-            <a:r>
-              <a:rPr lang="en-US" sz="3000" dirty="0" smtClean="0">
-                <a:solidFill>
-                  <a:schemeClr val="tx1"/>
-                </a:solidFill>
-                <a:latin typeface="Times New Roman" panose="02020603050405020304" pitchFamily="18" charset="0"/>
-                <a:cs typeface="Times New Roman" panose="02020603050405020304" pitchFamily="18" charset="0"/>
-              </a:rPr>
-              <a:t>.</a:t>
-            </a:r>
-          </a:p>
-          <a:p>
-            <a:r>
-              <a:rPr lang="en-US" sz="3000" dirty="0" err="1" smtClean="0">
-                <a:solidFill>
-                  <a:schemeClr val="tx1"/>
-                </a:solidFill>
-                <a:latin typeface="Times New Roman" panose="02020603050405020304" pitchFamily="18" charset="0"/>
-                <a:cs typeface="Times New Roman" panose="02020603050405020304" pitchFamily="18" charset="0"/>
-              </a:rPr>
-              <a:t>Quản</a:t>
-            </a:r>
-            <a:r>
-              <a:rPr lang="en-US" sz="3000" dirty="0" smtClean="0">
-                <a:solidFill>
-                  <a:schemeClr val="tx1"/>
-                </a:solidFill>
-                <a:latin typeface="Times New Roman" panose="02020603050405020304" pitchFamily="18" charset="0"/>
-                <a:cs typeface="Times New Roman" panose="02020603050405020304" pitchFamily="18" charset="0"/>
-              </a:rPr>
-              <a:t> </a:t>
-            </a:r>
-            <a:r>
-              <a:rPr lang="en-US" sz="3000" dirty="0" err="1" smtClean="0">
-                <a:solidFill>
-                  <a:schemeClr val="tx1"/>
-                </a:solidFill>
-                <a:latin typeface="Times New Roman" panose="02020603050405020304" pitchFamily="18" charset="0"/>
-                <a:cs typeface="Times New Roman" panose="02020603050405020304" pitchFamily="18" charset="0"/>
-              </a:rPr>
-              <a:t>lý</a:t>
-            </a:r>
-            <a:r>
-              <a:rPr lang="en-US" sz="3000" dirty="0" smtClean="0">
-                <a:solidFill>
-                  <a:schemeClr val="tx1"/>
-                </a:solidFill>
-                <a:latin typeface="Times New Roman" panose="02020603050405020304" pitchFamily="18" charset="0"/>
-                <a:cs typeface="Times New Roman" panose="02020603050405020304" pitchFamily="18" charset="0"/>
-              </a:rPr>
-              <a:t> </a:t>
-            </a:r>
-            <a:r>
-              <a:rPr lang="en-US" sz="3000" dirty="0" err="1" smtClean="0">
-                <a:solidFill>
-                  <a:schemeClr val="tx1"/>
-                </a:solidFill>
-                <a:latin typeface="Times New Roman" panose="02020603050405020304" pitchFamily="18" charset="0"/>
-                <a:cs typeface="Times New Roman" panose="02020603050405020304" pitchFamily="18" charset="0"/>
-              </a:rPr>
-              <a:t>sản</a:t>
-            </a:r>
-            <a:r>
-              <a:rPr lang="en-US" sz="3000" dirty="0" smtClean="0">
-                <a:solidFill>
-                  <a:schemeClr val="tx1"/>
-                </a:solidFill>
-                <a:latin typeface="Times New Roman" panose="02020603050405020304" pitchFamily="18" charset="0"/>
-                <a:cs typeface="Times New Roman" panose="02020603050405020304" pitchFamily="18" charset="0"/>
-              </a:rPr>
-              <a:t> </a:t>
-            </a:r>
-            <a:r>
-              <a:rPr lang="en-US" sz="3000" dirty="0" err="1" smtClean="0">
-                <a:solidFill>
-                  <a:schemeClr val="tx1"/>
-                </a:solidFill>
-                <a:latin typeface="Times New Roman" panose="02020603050405020304" pitchFamily="18" charset="0"/>
-                <a:cs typeface="Times New Roman" panose="02020603050405020304" pitchFamily="18" charset="0"/>
-              </a:rPr>
-              <a:t>phẩm</a:t>
-            </a:r>
-            <a:r>
-              <a:rPr lang="en-US" sz="3000" dirty="0" smtClean="0">
-                <a:solidFill>
-                  <a:schemeClr val="tx1"/>
-                </a:solidFill>
-                <a:latin typeface="Times New Roman" panose="02020603050405020304" pitchFamily="18" charset="0"/>
-                <a:cs typeface="Times New Roman" panose="02020603050405020304" pitchFamily="18" charset="0"/>
-              </a:rPr>
-              <a:t>.</a:t>
-            </a:r>
-          </a:p>
-          <a:p>
-            <a:r>
-              <a:rPr lang="en-US" sz="3000" dirty="0" err="1" smtClean="0">
-                <a:solidFill>
-                  <a:schemeClr val="tx1"/>
-                </a:solidFill>
-                <a:latin typeface="Times New Roman" panose="02020603050405020304" pitchFamily="18" charset="0"/>
-                <a:cs typeface="Times New Roman" panose="02020603050405020304" pitchFamily="18" charset="0"/>
-              </a:rPr>
-              <a:t>Quản</a:t>
-            </a:r>
-            <a:r>
-              <a:rPr lang="en-US" sz="3000" dirty="0" smtClean="0">
-                <a:solidFill>
-                  <a:schemeClr val="tx1"/>
-                </a:solidFill>
-                <a:latin typeface="Times New Roman" panose="02020603050405020304" pitchFamily="18" charset="0"/>
-                <a:cs typeface="Times New Roman" panose="02020603050405020304" pitchFamily="18" charset="0"/>
-              </a:rPr>
-              <a:t> </a:t>
-            </a:r>
-            <a:r>
-              <a:rPr lang="en-US" sz="3000" dirty="0" err="1" smtClean="0">
-                <a:solidFill>
-                  <a:schemeClr val="tx1"/>
-                </a:solidFill>
-                <a:latin typeface="Times New Roman" panose="02020603050405020304" pitchFamily="18" charset="0"/>
-                <a:cs typeface="Times New Roman" panose="02020603050405020304" pitchFamily="18" charset="0"/>
-              </a:rPr>
-              <a:t>lý</a:t>
-            </a:r>
-            <a:r>
-              <a:rPr lang="en-US" sz="3000" dirty="0" smtClean="0">
-                <a:solidFill>
-                  <a:schemeClr val="tx1"/>
-                </a:solidFill>
-                <a:latin typeface="Times New Roman" panose="02020603050405020304" pitchFamily="18" charset="0"/>
-                <a:cs typeface="Times New Roman" panose="02020603050405020304" pitchFamily="18" charset="0"/>
-              </a:rPr>
-              <a:t> </a:t>
-            </a:r>
-            <a:r>
-              <a:rPr lang="en-US" sz="3000" dirty="0" err="1" smtClean="0">
-                <a:solidFill>
-                  <a:schemeClr val="tx1"/>
-                </a:solidFill>
-                <a:latin typeface="Times New Roman" panose="02020603050405020304" pitchFamily="18" charset="0"/>
-                <a:cs typeface="Times New Roman" panose="02020603050405020304" pitchFamily="18" charset="0"/>
-              </a:rPr>
-              <a:t>đơn</a:t>
-            </a:r>
-            <a:r>
-              <a:rPr lang="en-US" sz="3000" dirty="0" smtClean="0">
-                <a:solidFill>
-                  <a:schemeClr val="tx1"/>
-                </a:solidFill>
-                <a:latin typeface="Times New Roman" panose="02020603050405020304" pitchFamily="18" charset="0"/>
-                <a:cs typeface="Times New Roman" panose="02020603050405020304" pitchFamily="18" charset="0"/>
-              </a:rPr>
-              <a:t> </a:t>
-            </a:r>
-            <a:r>
-              <a:rPr lang="en-US" sz="3000" dirty="0" err="1" smtClean="0">
-                <a:solidFill>
-                  <a:schemeClr val="tx1"/>
-                </a:solidFill>
-                <a:latin typeface="Times New Roman" panose="02020603050405020304" pitchFamily="18" charset="0"/>
-                <a:cs typeface="Times New Roman" panose="02020603050405020304" pitchFamily="18" charset="0"/>
-              </a:rPr>
-              <a:t>hàng</a:t>
-            </a:r>
-            <a:r>
-              <a:rPr lang="en-US" sz="3000" dirty="0" smtClean="0">
-                <a:solidFill>
-                  <a:schemeClr val="tx1"/>
-                </a:solidFill>
-                <a:latin typeface="Times New Roman" panose="02020603050405020304" pitchFamily="18" charset="0"/>
-                <a:cs typeface="Times New Roman" panose="02020603050405020304" pitchFamily="18" charset="0"/>
-              </a:rPr>
-              <a:t>.</a:t>
-            </a:r>
-            <a:r>
-              <a:rPr lang="en-US" sz="3000" dirty="0" smtClean="0">
-                <a:latin typeface="Times New Roman" panose="02020603050405020304" pitchFamily="18" charset="0"/>
-                <a:cs typeface="Times New Roman" panose="02020603050405020304" pitchFamily="18" charset="0"/>
-              </a:rPr>
-              <a:t/>
-            </a:r>
-            <a:br>
-              <a:rPr lang="en-US" sz="3000" dirty="0" smtClean="0">
-                <a:latin typeface="Times New Roman" panose="02020603050405020304" pitchFamily="18" charset="0"/>
-                <a:cs typeface="Times New Roman" panose="02020603050405020304" pitchFamily="18" charset="0"/>
-              </a:rPr>
-            </a:br>
-            <a:endParaRPr lang="tr-TR" sz="3000" dirty="0">
-              <a:latin typeface="Times New Roman" panose="02020603050405020304" pitchFamily="18" charset="0"/>
-              <a:cs typeface="Times New Roman" panose="02020603050405020304" pitchFamily="18" charset="0"/>
-            </a:endParaRPr>
-          </a:p>
-        </p:txBody>
-      </p:sp>
-      <p:sp>
-        <p:nvSpPr>
-          <p:cNvPr id="3" name="Title 2"/>
-          <p:cNvSpPr>
-            <a:spLocks noGrp="1"/>
-          </p:cNvSpPr>
-          <p:nvPr>
-            <p:ph type="title"/>
-          </p:nvPr>
-        </p:nvSpPr>
-        <p:spPr/>
-        <p:txBody>
-          <a:bodyPr>
-            <a:normAutofit fontScale="90000"/>
-          </a:bodyPr>
-          <a:lstStyle/>
-          <a:p>
-            <a:r>
-              <a:rPr lang="en-PH" dirty="0" err="1">
-                <a:latin typeface="Times New Roman" panose="02020603050405020304" pitchFamily="18" charset="0"/>
-                <a:cs typeface="Times New Roman" panose="02020603050405020304" pitchFamily="18" charset="0"/>
-              </a:rPr>
-              <a:t>Các</a:t>
-            </a:r>
-            <a:r>
-              <a:rPr lang="en-PH" dirty="0">
-                <a:latin typeface="Times New Roman" panose="02020603050405020304" pitchFamily="18" charset="0"/>
-                <a:cs typeface="Times New Roman" panose="02020603050405020304" pitchFamily="18" charset="0"/>
-              </a:rPr>
-              <a:t> </a:t>
-            </a:r>
-            <a:r>
-              <a:rPr lang="en-PH" dirty="0" err="1" smtClean="0">
-                <a:latin typeface="Times New Roman" panose="02020603050405020304" pitchFamily="18" charset="0"/>
-                <a:cs typeface="Times New Roman" panose="02020603050405020304" pitchFamily="18" charset="0"/>
-              </a:rPr>
-              <a:t>tính</a:t>
-            </a:r>
-            <a:r>
-              <a:rPr lang="en-PH" dirty="0" smtClean="0">
-                <a:latin typeface="Times New Roman" panose="02020603050405020304" pitchFamily="18" charset="0"/>
-                <a:cs typeface="Times New Roman" panose="02020603050405020304" pitchFamily="18" charset="0"/>
-              </a:rPr>
-              <a:t> </a:t>
-            </a:r>
-            <a:r>
-              <a:rPr lang="en-PH" dirty="0" err="1" smtClean="0">
-                <a:latin typeface="Times New Roman" panose="02020603050405020304" pitchFamily="18" charset="0"/>
-                <a:cs typeface="Times New Roman" panose="02020603050405020304" pitchFamily="18" charset="0"/>
-              </a:rPr>
-              <a:t>năng</a:t>
-            </a:r>
-            <a:endParaRPr lang="tr-TR" dirty="0">
-              <a:solidFill>
-                <a:srgbClr val="FF6600"/>
-              </a:solidFill>
-              <a:latin typeface="Times New Roman" panose="02020603050405020304" pitchFamily="18" charset="0"/>
-              <a:cs typeface="Times New Roman" panose="02020603050405020304" pitchFamily="18" charset="0"/>
-            </a:endParaRPr>
-          </a:p>
-        </p:txBody>
-      </p:sp>
-    </p:spTree>
-    <p:extLst>
-      <p:ext uri="{BB962C8B-B14F-4D97-AF65-F5344CB8AC3E}">
-        <p14:creationId xmlns:p14="http://schemas.microsoft.com/office/powerpoint/2010/main" val="2403850452"/>
-      </p:ext>
-    </p:extLst>
-  </p:cSld>
-  <p:clrMapOvr>
-    <a:masterClrMapping/>
-  </p:clrMapOvr>
-  <p:timing>
-    <p:tnLst>
-      <p:par>
-        <p:cTn id="1" dur="indefinite" restart="never" nodeType="tmRoot">
-          <p:childTnLst>
-            <p:seq concurrent="1" nextAc="seek">
-              <p:cTn id="2" dur="indefinite" nodeType="mainSeq">
-                <p:childTnLst>
-                  <p:par>
-                    <p:cTn id="3" fill="hold">
-                      <p:stCondLst>
-                        <p:cond delay="indefinite"/>
-                      </p:stCondLst>
-                      <p:childTnLst>
-                        <p:par>
-                          <p:cTn id="4" fill="hold">
-                            <p:stCondLst>
-                              <p:cond delay="0"/>
-                            </p:stCondLst>
-                            <p:childTnLst>
-                              <p:par>
-                                <p:cTn id="5" presetID="16" presetClass="entr" presetSubtype="21" fill="hold" nodeType="clickEffect">
-                                  <p:stCondLst>
-                                    <p:cond delay="0"/>
-                                  </p:stCondLst>
-                                  <p:childTnLst>
-                                    <p:set>
-                                      <p:cBhvr>
-                                        <p:cTn id="6" dur="1" fill="hold">
-                                          <p:stCondLst>
-                                            <p:cond delay="0"/>
-                                          </p:stCondLst>
-                                        </p:cTn>
-                                        <p:tgtEl>
-                                          <p:spTgt spid="5">
-                                            <p:txEl>
-                                              <p:pRg st="0" end="0"/>
-                                            </p:txEl>
-                                          </p:spTgt>
-                                        </p:tgtEl>
-                                        <p:attrNameLst>
-                                          <p:attrName>style.visibility</p:attrName>
-                                        </p:attrNameLst>
-                                      </p:cBhvr>
-                                      <p:to>
-                                        <p:strVal val="visible"/>
-                                      </p:to>
-                                    </p:set>
-                                    <p:animEffect transition="in" filter="barn(inVertical)">
-                                      <p:cBhvr>
-                                        <p:cTn id="7" dur="500"/>
-                                        <p:tgtEl>
-                                          <p:spTgt spid="5">
-                                            <p:txEl>
-                                              <p:pRg st="0" end="0"/>
-                                            </p:txEl>
-                                          </p:spTgt>
-                                        </p:tgtEl>
-                                      </p:cBhvr>
-                                    </p:animEffect>
-                                  </p:childTnLst>
-                                </p:cTn>
-                              </p:par>
-                              <p:par>
-                                <p:cTn id="8" presetID="42" presetClass="entr" presetSubtype="0" fill="hold" nodeType="withEffect">
-                                  <p:stCondLst>
-                                    <p:cond delay="0"/>
-                                  </p:stCondLst>
-                                  <p:childTnLst>
-                                    <p:set>
-                                      <p:cBhvr>
-                                        <p:cTn id="9" dur="1" fill="hold">
-                                          <p:stCondLst>
-                                            <p:cond delay="0"/>
-                                          </p:stCondLst>
-                                        </p:cTn>
-                                        <p:tgtEl>
-                                          <p:spTgt spid="5">
-                                            <p:txEl>
-                                              <p:pRg st="1" end="1"/>
-                                            </p:txEl>
-                                          </p:spTgt>
-                                        </p:tgtEl>
-                                        <p:attrNameLst>
-                                          <p:attrName>style.visibility</p:attrName>
-                                        </p:attrNameLst>
-                                      </p:cBhvr>
-                                      <p:to>
-                                        <p:strVal val="visible"/>
-                                      </p:to>
-                                    </p:set>
-                                    <p:animEffect transition="in" filter="fade">
-                                      <p:cBhvr>
-                                        <p:cTn id="10" dur="1000"/>
-                                        <p:tgtEl>
-                                          <p:spTgt spid="5">
-                                            <p:txEl>
-                                              <p:pRg st="1" end="1"/>
-                                            </p:txEl>
-                                          </p:spTgt>
-                                        </p:tgtEl>
-                                      </p:cBhvr>
-                                    </p:animEffect>
-                                    <p:anim calcmode="lin" valueType="num">
-                                      <p:cBhvr>
-                                        <p:cTn id="11" dur="1000" fill="hold"/>
-                                        <p:tgtEl>
-                                          <p:spTgt spid="5">
-                                            <p:txEl>
-                                              <p:pRg st="1" end="1"/>
-                                            </p:txEl>
-                                          </p:spTgt>
-                                        </p:tgtEl>
-                                        <p:attrNameLst>
-                                          <p:attrName>ppt_x</p:attrName>
-                                        </p:attrNameLst>
-                                      </p:cBhvr>
-                                      <p:tavLst>
-                                        <p:tav tm="0">
-                                          <p:val>
-                                            <p:strVal val="#ppt_x"/>
-                                          </p:val>
-                                        </p:tav>
-                                        <p:tav tm="100000">
-                                          <p:val>
-                                            <p:strVal val="#ppt_x"/>
-                                          </p:val>
-                                        </p:tav>
-                                      </p:tavLst>
-                                    </p:anim>
-                                    <p:anim calcmode="lin" valueType="num">
-                                      <p:cBhvr>
-                                        <p:cTn id="12" dur="1000" fill="hold"/>
-                                        <p:tgtEl>
-                                          <p:spTgt spid="5">
-                                            <p:txEl>
-                                              <p:pRg st="1" end="1"/>
-                                            </p:txEl>
-                                          </p:spTgt>
-                                        </p:tgtEl>
-                                        <p:attrNameLst>
-                                          <p:attrName>ppt_y</p:attrName>
-                                        </p:attrNameLst>
-                                      </p:cBhvr>
-                                      <p:tavLst>
-                                        <p:tav tm="0">
-                                          <p:val>
-                                            <p:strVal val="#ppt_y+.1"/>
-                                          </p:val>
-                                        </p:tav>
-                                        <p:tav tm="100000">
-                                          <p:val>
-                                            <p:strVal val="#ppt_y"/>
-                                          </p:val>
-                                        </p:tav>
-                                      </p:tavLst>
-                                    </p:anim>
-                                  </p:childTnLst>
-                                </p:cTn>
-                              </p:par>
-                              <p:par>
-                                <p:cTn id="13" presetID="42" presetClass="entr" presetSubtype="0" fill="hold" nodeType="withEffect">
-                                  <p:stCondLst>
-                                    <p:cond delay="0"/>
-                                  </p:stCondLst>
-                                  <p:childTnLst>
-                                    <p:set>
-                                      <p:cBhvr>
-                                        <p:cTn id="14" dur="1" fill="hold">
-                                          <p:stCondLst>
-                                            <p:cond delay="0"/>
-                                          </p:stCondLst>
-                                        </p:cTn>
-                                        <p:tgtEl>
-                                          <p:spTgt spid="5">
-                                            <p:txEl>
-                                              <p:pRg st="2" end="2"/>
-                                            </p:txEl>
-                                          </p:spTgt>
-                                        </p:tgtEl>
-                                        <p:attrNameLst>
-                                          <p:attrName>style.visibility</p:attrName>
-                                        </p:attrNameLst>
-                                      </p:cBhvr>
-                                      <p:to>
-                                        <p:strVal val="visible"/>
-                                      </p:to>
-                                    </p:set>
-                                    <p:animEffect transition="in" filter="fade">
-                                      <p:cBhvr>
-                                        <p:cTn id="15" dur="1000"/>
-                                        <p:tgtEl>
-                                          <p:spTgt spid="5">
-                                            <p:txEl>
-                                              <p:pRg st="2" end="2"/>
-                                            </p:txEl>
-                                          </p:spTgt>
-                                        </p:tgtEl>
-                                      </p:cBhvr>
-                                    </p:animEffect>
-                                    <p:anim calcmode="lin" valueType="num">
-                                      <p:cBhvr>
-                                        <p:cTn id="16" dur="1000" fill="hold"/>
-                                        <p:tgtEl>
-                                          <p:spTgt spid="5">
-                                            <p:txEl>
-                                              <p:pRg st="2" end="2"/>
-                                            </p:txEl>
-                                          </p:spTgt>
-                                        </p:tgtEl>
-                                        <p:attrNameLst>
-                                          <p:attrName>ppt_x</p:attrName>
-                                        </p:attrNameLst>
-                                      </p:cBhvr>
-                                      <p:tavLst>
-                                        <p:tav tm="0">
-                                          <p:val>
-                                            <p:strVal val="#ppt_x"/>
-                                          </p:val>
-                                        </p:tav>
-                                        <p:tav tm="100000">
-                                          <p:val>
-                                            <p:strVal val="#ppt_x"/>
-                                          </p:val>
-                                        </p:tav>
-                                      </p:tavLst>
-                                    </p:anim>
-                                    <p:anim calcmode="lin" valueType="num">
-                                      <p:cBhvr>
-                                        <p:cTn id="17" dur="1000" fill="hold"/>
-                                        <p:tgtEl>
-                                          <p:spTgt spid="5">
-                                            <p:txEl>
-                                              <p:pRg st="2" end="2"/>
-                                            </p:txEl>
-                                          </p:spTgt>
-                                        </p:tgtEl>
-                                        <p:attrNameLst>
-                                          <p:attrName>ppt_y</p:attrName>
-                                        </p:attrNameLst>
-                                      </p:cBhvr>
-                                      <p:tavLst>
-                                        <p:tav tm="0">
-                                          <p:val>
-                                            <p:strVal val="#ppt_y+.1"/>
-                                          </p:val>
-                                        </p:tav>
-                                        <p:tav tm="100000">
-                                          <p:val>
-                                            <p:strVal val="#ppt_y"/>
-                                          </p:val>
-                                        </p:tav>
-                                      </p:tavLst>
-                                    </p:anim>
-                                  </p:childTnLst>
-                                </p:cTn>
-                              </p:par>
-                              <p:par>
-                                <p:cTn id="18" presetID="42" presetClass="entr" presetSubtype="0" fill="hold" nodeType="withEffect">
-                                  <p:stCondLst>
-                                    <p:cond delay="0"/>
-                                  </p:stCondLst>
-                                  <p:childTnLst>
-                                    <p:set>
-                                      <p:cBhvr>
-                                        <p:cTn id="19" dur="1" fill="hold">
-                                          <p:stCondLst>
-                                            <p:cond delay="0"/>
-                                          </p:stCondLst>
-                                        </p:cTn>
-                                        <p:tgtEl>
-                                          <p:spTgt spid="5">
-                                            <p:txEl>
-                                              <p:pRg st="3" end="3"/>
-                                            </p:txEl>
-                                          </p:spTgt>
-                                        </p:tgtEl>
-                                        <p:attrNameLst>
-                                          <p:attrName>style.visibility</p:attrName>
-                                        </p:attrNameLst>
-                                      </p:cBhvr>
-                                      <p:to>
-                                        <p:strVal val="visible"/>
-                                      </p:to>
-                                    </p:set>
-                                    <p:animEffect transition="in" filter="fade">
-                                      <p:cBhvr>
-                                        <p:cTn id="20" dur="1000"/>
-                                        <p:tgtEl>
-                                          <p:spTgt spid="5">
-                                            <p:txEl>
-                                              <p:pRg st="3" end="3"/>
-                                            </p:txEl>
-                                          </p:spTgt>
-                                        </p:tgtEl>
-                                      </p:cBhvr>
-                                    </p:animEffect>
-                                    <p:anim calcmode="lin" valueType="num">
-                                      <p:cBhvr>
-                                        <p:cTn id="21" dur="1000" fill="hold"/>
-                                        <p:tgtEl>
-                                          <p:spTgt spid="5">
-                                            <p:txEl>
-                                              <p:pRg st="3" end="3"/>
-                                            </p:txEl>
-                                          </p:spTgt>
-                                        </p:tgtEl>
-                                        <p:attrNameLst>
-                                          <p:attrName>ppt_x</p:attrName>
-                                        </p:attrNameLst>
-                                      </p:cBhvr>
-                                      <p:tavLst>
-                                        <p:tav tm="0">
-                                          <p:val>
-                                            <p:strVal val="#ppt_x"/>
-                                          </p:val>
-                                        </p:tav>
-                                        <p:tav tm="100000">
-                                          <p:val>
-                                            <p:strVal val="#ppt_x"/>
-                                          </p:val>
-                                        </p:tav>
-                                      </p:tavLst>
-                                    </p:anim>
-                                    <p:anim calcmode="lin" valueType="num">
-                                      <p:cBhvr>
-                                        <p:cTn id="22" dur="1000" fill="hold"/>
-                                        <p:tgtEl>
-                                          <p:spTgt spid="5">
-                                            <p:txEl>
-                                              <p:pRg st="3" end="3"/>
-                                            </p:txEl>
-                                          </p:spTgt>
-                                        </p:tgtEl>
-                                        <p:attrNameLst>
-                                          <p:attrName>ppt_y</p:attrName>
-                                        </p:attrNameLst>
-                                      </p:cBhvr>
-                                      <p:tavLst>
-                                        <p:tav tm="0">
-                                          <p:val>
-                                            <p:strVal val="#ppt_y+.1"/>
-                                          </p:val>
-                                        </p:tav>
-                                        <p:tav tm="100000">
-                                          <p:val>
-                                            <p:strVal val="#ppt_y"/>
-                                          </p:val>
-                                        </p:tav>
-                                      </p:tavLst>
-                                    </p:anim>
-                                  </p:childTnLst>
-                                </p:cTn>
-                              </p:par>
-                              <p:par>
-                                <p:cTn id="23" presetID="42" presetClass="entr" presetSubtype="0" fill="hold" nodeType="withEffect">
-                                  <p:stCondLst>
-                                    <p:cond delay="0"/>
-                                  </p:stCondLst>
-                                  <p:childTnLst>
-                                    <p:set>
-                                      <p:cBhvr>
-                                        <p:cTn id="24" dur="1" fill="hold">
-                                          <p:stCondLst>
-                                            <p:cond delay="0"/>
-                                          </p:stCondLst>
-                                        </p:cTn>
-                                        <p:tgtEl>
-                                          <p:spTgt spid="5">
-                                            <p:txEl>
-                                              <p:pRg st="4" end="4"/>
-                                            </p:txEl>
-                                          </p:spTgt>
-                                        </p:tgtEl>
-                                        <p:attrNameLst>
-                                          <p:attrName>style.visibility</p:attrName>
-                                        </p:attrNameLst>
-                                      </p:cBhvr>
-                                      <p:to>
-                                        <p:strVal val="visible"/>
-                                      </p:to>
-                                    </p:set>
-                                    <p:animEffect transition="in" filter="fade">
-                                      <p:cBhvr>
-                                        <p:cTn id="25" dur="1000"/>
-                                        <p:tgtEl>
-                                          <p:spTgt spid="5">
-                                            <p:txEl>
-                                              <p:pRg st="4" end="4"/>
-                                            </p:txEl>
-                                          </p:spTgt>
-                                        </p:tgtEl>
-                                      </p:cBhvr>
-                                    </p:animEffect>
-                                    <p:anim calcmode="lin" valueType="num">
-                                      <p:cBhvr>
-                                        <p:cTn id="26" dur="1000" fill="hold"/>
-                                        <p:tgtEl>
-                                          <p:spTgt spid="5">
-                                            <p:txEl>
-                                              <p:pRg st="4" end="4"/>
-                                            </p:txEl>
-                                          </p:spTgt>
-                                        </p:tgtEl>
-                                        <p:attrNameLst>
-                                          <p:attrName>ppt_x</p:attrName>
-                                        </p:attrNameLst>
-                                      </p:cBhvr>
-                                      <p:tavLst>
-                                        <p:tav tm="0">
-                                          <p:val>
-                                            <p:strVal val="#ppt_x"/>
-                                          </p:val>
-                                        </p:tav>
-                                        <p:tav tm="100000">
-                                          <p:val>
-                                            <p:strVal val="#ppt_x"/>
-                                          </p:val>
-                                        </p:tav>
-                                      </p:tavLst>
-                                    </p:anim>
-                                    <p:anim calcmode="lin" valueType="num">
-                                      <p:cBhvr>
-                                        <p:cTn id="27" dur="1000" fill="hold"/>
-                                        <p:tgtEl>
-                                          <p:spTgt spid="5">
-                                            <p:txEl>
-                                              <p:pRg st="4" end="4"/>
-                                            </p:txEl>
-                                          </p:spTgt>
-                                        </p:tgtEl>
-                                        <p:attrNameLst>
-                                          <p:attrName>ppt_y</p:attrName>
-                                        </p:attrNameLst>
-                                      </p:cBhvr>
-                                      <p:tavLst>
-                                        <p:tav tm="0">
-                                          <p:val>
-                                            <p:strVal val="#ppt_y+.1"/>
-                                          </p:val>
-                                        </p:tav>
-                                        <p:tav tm="100000">
-                                          <p:val>
-                                            <p:strVal val="#ppt_y"/>
-                                          </p:val>
-                                        </p:tav>
-                                      </p:tavLst>
-                                    </p:anim>
-                                  </p:childTnLst>
-                                </p:cTn>
-                              </p:par>
-                            </p:childTnLst>
-                          </p:cTn>
-                        </p:par>
-                      </p:childTnLst>
-                    </p:cTn>
-                  </p:par>
-                </p:childTnLst>
-              </p:cTn>
-              <p:prevCondLst>
-                <p:cond evt="onPrev" delay="0">
-                  <p:tgtEl>
-                    <p:sldTgt/>
-                  </p:tgtEl>
-                </p:cond>
-              </p:prevCondLst>
-              <p:nextCondLst>
-                <p:cond evt="onNext" delay="0">
-                  <p:tgtEl>
-                    <p:sldTgt/>
-                  </p:tgtEl>
-                </p:cond>
-              </p:nextCondLst>
-            </p:seq>
-          </p:childTnLst>
-        </p:cTn>
-      </p:par>
-    </p:tnLst>
-  </p:timing>
-</p:sld>
-</file>
-
-<file path=ppt/slides/slide9.xml><?xml version="1.0" encoding="utf-8"?>
-<p:sld xmlns:a="http://schemas.openxmlformats.org/drawingml/2006/main" xmlns:r="http://schemas.openxmlformats.org/officeDocument/2006/relationships" xmlns:p="http://schemas.openxmlformats.org/presentationml/2006/main">
-  <p:cSld>
-    <p:spTree>
-      <p:nvGrpSpPr>
-        <p:cNvPr id="1" name=""/>
-        <p:cNvGrpSpPr/>
-        <p:nvPr/>
-      </p:nvGrpSpPr>
-      <p:grpSpPr>
-        <a:xfrm>
-          <a:off x="0" y="0"/>
-          <a:ext cx="0" cy="0"/>
-          <a:chOff x="0" y="0"/>
-          <a:chExt cx="0" cy="0"/>
-        </a:xfrm>
-      </p:grpSpPr>
-      <p:sp>
-        <p:nvSpPr>
-          <p:cNvPr id="5" name="Subtitle 2"/>
-          <p:cNvSpPr txBox="1">
-            <a:spLocks/>
-          </p:cNvSpPr>
-          <p:nvPr/>
-        </p:nvSpPr>
-        <p:spPr bwMode="auto">
-          <a:xfrm>
-            <a:off x="266700" y="990600"/>
-            <a:ext cx="8610600" cy="1752600"/>
-          </a:xfrm>
-          <a:prstGeom prst="rect">
-            <a:avLst/>
-          </a:prstGeom>
-          <a:noFill/>
-          <a:ln w="9525">
-            <a:noFill/>
-            <a:miter lim="800000"/>
-            <a:headEnd/>
-            <a:tailEnd/>
-          </a:ln>
-        </p:spPr>
-        <p:txBody>
-          <a:bodyPr vert="horz" wrap="square" lIns="91440" tIns="45720" rIns="91440" bIns="45720" numCol="1" anchor="t" anchorCtr="0" compatLnSpc="1">
-            <a:prstTxWarp prst="textNoShape">
-              <a:avLst/>
-            </a:prstTxWarp>
-          </a:bodyPr>
-          <a:lstStyle>
-            <a:lvl1pPr marL="342900" indent="-342900" algn="l" rtl="0" fontAlgn="base">
-              <a:spcBef>
-                <a:spcPct val="20000"/>
-              </a:spcBef>
-              <a:spcAft>
-                <a:spcPct val="0"/>
-              </a:spcAft>
-              <a:buChar char="•"/>
-              <a:defRPr sz="3200">
-                <a:solidFill>
-                  <a:srgbClr val="550579"/>
-                </a:solidFill>
-                <a:latin typeface="+mn-lt"/>
-                <a:ea typeface="+mn-ea"/>
-                <a:cs typeface="+mn-cs"/>
-              </a:defRPr>
-            </a:lvl1pPr>
-            <a:lvl2pPr marL="742950" indent="-285750" algn="l" rtl="0" fontAlgn="base">
-              <a:spcBef>
-                <a:spcPct val="20000"/>
-              </a:spcBef>
-              <a:spcAft>
-                <a:spcPct val="0"/>
-              </a:spcAft>
-              <a:buChar char="–"/>
-              <a:defRPr sz="2800">
-                <a:solidFill>
-                  <a:schemeClr val="tx1"/>
-                </a:solidFill>
-                <a:latin typeface="+mn-lt"/>
-              </a:defRPr>
-            </a:lvl2pPr>
-            <a:lvl3pPr marL="1143000" indent="-228600" algn="l" rtl="0" fontAlgn="base">
-              <a:spcBef>
-                <a:spcPct val="20000"/>
-              </a:spcBef>
-              <a:spcAft>
-                <a:spcPct val="0"/>
-              </a:spcAft>
-              <a:buChar char="•"/>
-              <a:defRPr sz="2400">
-                <a:solidFill>
-                  <a:schemeClr val="tx1"/>
-                </a:solidFill>
-                <a:latin typeface="+mn-lt"/>
-              </a:defRPr>
-            </a:lvl3pPr>
-            <a:lvl4pPr marL="1600200" indent="-228600" algn="l" rtl="0" fontAlgn="base">
-              <a:spcBef>
-                <a:spcPct val="20000"/>
-              </a:spcBef>
-              <a:spcAft>
-                <a:spcPct val="0"/>
-              </a:spcAft>
-              <a:buChar char="–"/>
-              <a:defRPr sz="2000">
-                <a:solidFill>
-                  <a:schemeClr val="tx1"/>
-                </a:solidFill>
-                <a:latin typeface="+mn-lt"/>
-              </a:defRPr>
-            </a:lvl4pPr>
-            <a:lvl5pPr marL="2057400" indent="-228600" algn="l" rtl="0" fontAlgn="base">
-              <a:spcBef>
-                <a:spcPct val="20000"/>
-              </a:spcBef>
-              <a:spcAft>
-                <a:spcPct val="0"/>
-              </a:spcAft>
-              <a:buChar char="»"/>
-              <a:defRPr sz="2000">
-                <a:solidFill>
-                  <a:schemeClr val="tx1"/>
-                </a:solidFill>
-                <a:latin typeface="+mn-lt"/>
-              </a:defRPr>
-            </a:lvl5pPr>
-            <a:lvl6pPr marL="2514600" indent="-228600" algn="l" rtl="0" eaLnBrk="1" fontAlgn="base" hangingPunct="1">
-              <a:spcBef>
-                <a:spcPct val="20000"/>
-              </a:spcBef>
-              <a:spcAft>
-                <a:spcPct val="0"/>
-              </a:spcAft>
-              <a:buChar char="»"/>
-              <a:defRPr sz="2000">
-                <a:solidFill>
-                  <a:schemeClr val="tx1"/>
-                </a:solidFill>
-                <a:latin typeface="+mn-lt"/>
-              </a:defRPr>
-            </a:lvl6pPr>
-            <a:lvl7pPr marL="2971800" indent="-228600" algn="l" rtl="0" eaLnBrk="1" fontAlgn="base" hangingPunct="1">
-              <a:spcBef>
-                <a:spcPct val="20000"/>
-              </a:spcBef>
-              <a:spcAft>
-                <a:spcPct val="0"/>
-              </a:spcAft>
-              <a:buChar char="»"/>
-              <a:defRPr sz="2000">
-                <a:solidFill>
-                  <a:schemeClr val="tx1"/>
-                </a:solidFill>
-                <a:latin typeface="+mn-lt"/>
-              </a:defRPr>
-            </a:lvl7pPr>
-            <a:lvl8pPr marL="3429000" indent="-228600" algn="l" rtl="0" eaLnBrk="1" fontAlgn="base" hangingPunct="1">
-              <a:spcBef>
-                <a:spcPct val="20000"/>
-              </a:spcBef>
-              <a:spcAft>
-                <a:spcPct val="0"/>
-              </a:spcAft>
-              <a:buChar char="»"/>
-              <a:defRPr sz="2000">
-                <a:solidFill>
-                  <a:schemeClr val="tx1"/>
-                </a:solidFill>
-                <a:latin typeface="+mn-lt"/>
-              </a:defRPr>
-            </a:lvl8pPr>
-            <a:lvl9pPr marL="3886200" indent="-228600" algn="l" rtl="0" eaLnBrk="1" fontAlgn="base" hangingPunct="1">
-              <a:spcBef>
-                <a:spcPct val="20000"/>
-              </a:spcBef>
-              <a:spcAft>
-                <a:spcPct val="0"/>
-              </a:spcAft>
-              <a:buChar char="»"/>
-              <a:defRPr sz="2000">
-                <a:solidFill>
-                  <a:schemeClr val="tx1"/>
-                </a:solidFill>
-                <a:latin typeface="+mn-lt"/>
-              </a:defRPr>
-            </a:lvl9pPr>
-          </a:lstStyle>
-          <a:p>
-            <a:pPr marL="0" indent="0">
-              <a:buNone/>
-            </a:pPr>
-            <a:r>
-              <a:rPr lang="en-US" sz="4000" dirty="0" err="1" smtClean="0">
-                <a:solidFill>
-                  <a:schemeClr val="tx1"/>
-                </a:solidFill>
-                <a:latin typeface="Times New Roman" panose="02020603050405020304" pitchFamily="18" charset="0"/>
-                <a:cs typeface="Times New Roman" panose="02020603050405020304" pitchFamily="18" charset="0"/>
-              </a:rPr>
-              <a:t>Gồm</a:t>
-            </a:r>
-            <a:r>
-              <a:rPr lang="en-US" sz="4000" dirty="0" smtClean="0">
-                <a:solidFill>
-                  <a:schemeClr val="tx1"/>
-                </a:solidFill>
-                <a:latin typeface="Times New Roman" panose="02020603050405020304" pitchFamily="18" charset="0"/>
-                <a:cs typeface="Times New Roman" panose="02020603050405020304" pitchFamily="18" charset="0"/>
-              </a:rPr>
-              <a:t> </a:t>
-            </a:r>
-            <a:r>
-              <a:rPr lang="en-US" sz="4000" dirty="0" err="1" smtClean="0">
-                <a:solidFill>
-                  <a:schemeClr val="tx1"/>
-                </a:solidFill>
-                <a:latin typeface="Times New Roman" panose="02020603050405020304" pitchFamily="18" charset="0"/>
-                <a:cs typeface="Times New Roman" panose="02020603050405020304" pitchFamily="18" charset="0"/>
-              </a:rPr>
-              <a:t>các</a:t>
-            </a:r>
-            <a:r>
-              <a:rPr lang="en-US" sz="4000" dirty="0" smtClean="0">
-                <a:solidFill>
-                  <a:schemeClr val="tx1"/>
-                </a:solidFill>
-                <a:latin typeface="Times New Roman" panose="02020603050405020304" pitchFamily="18" charset="0"/>
-                <a:cs typeface="Times New Roman" panose="02020603050405020304" pitchFamily="18" charset="0"/>
-              </a:rPr>
-              <a:t> </a:t>
-            </a:r>
-            <a:r>
-              <a:rPr lang="en-US" sz="4000" dirty="0" err="1" smtClean="0">
-                <a:solidFill>
-                  <a:schemeClr val="tx1"/>
-                </a:solidFill>
-                <a:latin typeface="Times New Roman" panose="02020603050405020304" pitchFamily="18" charset="0"/>
-                <a:cs typeface="Times New Roman" panose="02020603050405020304" pitchFamily="18" charset="0"/>
-              </a:rPr>
-              <a:t>trang</a:t>
-            </a:r>
-            <a:r>
-              <a:rPr lang="en-US" sz="4000" dirty="0" smtClean="0">
-                <a:solidFill>
-                  <a:schemeClr val="tx1"/>
-                </a:solidFill>
-                <a:latin typeface="Times New Roman" panose="02020603050405020304" pitchFamily="18" charset="0"/>
-                <a:cs typeface="Times New Roman" panose="02020603050405020304" pitchFamily="18" charset="0"/>
-              </a:rPr>
-              <a:t>:</a:t>
-            </a:r>
-            <a:endParaRPr lang="en-US" sz="4000" dirty="0" smtClean="0">
-              <a:solidFill>
-                <a:schemeClr val="tx1"/>
-              </a:solidFill>
-              <a:latin typeface="Times New Roman" panose="02020603050405020304" pitchFamily="18" charset="0"/>
-              <a:cs typeface="Times New Roman" panose="02020603050405020304" pitchFamily="18" charset="0"/>
-            </a:endParaRPr>
-          </a:p>
-          <a:p>
-            <a:r>
-              <a:rPr lang="en-US" sz="3000" dirty="0" smtClean="0">
-                <a:solidFill>
-                  <a:schemeClr val="tx1"/>
-                </a:solidFill>
-                <a:latin typeface="Times New Roman" panose="02020603050405020304" pitchFamily="18" charset="0"/>
-                <a:cs typeface="Times New Roman" panose="02020603050405020304" pitchFamily="18" charset="0"/>
-              </a:rPr>
-              <a:t>Homepage</a:t>
-            </a:r>
-            <a:r>
-              <a:rPr lang="en-US" sz="3000" dirty="0" smtClean="0">
-                <a:solidFill>
-                  <a:schemeClr val="tx1"/>
-                </a:solidFill>
-                <a:latin typeface="Times New Roman" panose="02020603050405020304" pitchFamily="18" charset="0"/>
-                <a:cs typeface="Times New Roman" panose="02020603050405020304" pitchFamily="18" charset="0"/>
-              </a:rPr>
-              <a:t>.</a:t>
-            </a:r>
-            <a:endParaRPr lang="en-US" sz="3000" dirty="0" smtClean="0">
-              <a:solidFill>
-                <a:schemeClr val="tx1"/>
-              </a:solidFill>
-              <a:latin typeface="Times New Roman" panose="02020603050405020304" pitchFamily="18" charset="0"/>
-              <a:cs typeface="Times New Roman" panose="02020603050405020304" pitchFamily="18" charset="0"/>
-            </a:endParaRPr>
-          </a:p>
-          <a:p>
-            <a:r>
-              <a:rPr lang="en-US" sz="3000" dirty="0" err="1" smtClean="0">
-                <a:solidFill>
-                  <a:schemeClr val="tx1"/>
-                </a:solidFill>
-                <a:latin typeface="Times New Roman" panose="02020603050405020304" pitchFamily="18" charset="0"/>
-                <a:cs typeface="Times New Roman" panose="02020603050405020304" pitchFamily="18" charset="0"/>
-              </a:rPr>
-              <a:t>Storepage</a:t>
-            </a:r>
-            <a:r>
-              <a:rPr lang="en-US" sz="3000" dirty="0" smtClean="0">
-                <a:solidFill>
-                  <a:schemeClr val="tx1"/>
-                </a:solidFill>
-                <a:latin typeface="Times New Roman" panose="02020603050405020304" pitchFamily="18" charset="0"/>
-                <a:cs typeface="Times New Roman" panose="02020603050405020304" pitchFamily="18" charset="0"/>
-              </a:rPr>
-              <a:t>.</a:t>
-            </a:r>
-            <a:endParaRPr lang="en-US" sz="3000" dirty="0" smtClean="0">
-              <a:solidFill>
-                <a:schemeClr val="tx1"/>
-              </a:solidFill>
-              <a:latin typeface="Times New Roman" panose="02020603050405020304" pitchFamily="18" charset="0"/>
-              <a:cs typeface="Times New Roman" panose="02020603050405020304" pitchFamily="18" charset="0"/>
-            </a:endParaRPr>
-          </a:p>
-          <a:p>
-            <a:r>
-              <a:rPr lang="en-US" sz="3000" dirty="0" err="1" smtClean="0">
-                <a:solidFill>
-                  <a:schemeClr val="tx1"/>
-                </a:solidFill>
-                <a:latin typeface="Times New Roman" panose="02020603050405020304" pitchFamily="18" charset="0"/>
-                <a:cs typeface="Times New Roman" panose="02020603050405020304" pitchFamily="18" charset="0"/>
-              </a:rPr>
-              <a:t>Mypage</a:t>
-            </a:r>
-            <a:r>
-              <a:rPr lang="en-US" sz="3000" dirty="0" smtClean="0">
-                <a:solidFill>
-                  <a:schemeClr val="tx1"/>
-                </a:solidFill>
-                <a:latin typeface="Times New Roman" panose="02020603050405020304" pitchFamily="18" charset="0"/>
-                <a:cs typeface="Times New Roman" panose="02020603050405020304" pitchFamily="18" charset="0"/>
-              </a:rPr>
-              <a:t>.</a:t>
-            </a:r>
-            <a:r>
-              <a:rPr lang="en-US" sz="3000" dirty="0" smtClean="0">
-                <a:latin typeface="Times New Roman" panose="02020603050405020304" pitchFamily="18" charset="0"/>
-                <a:cs typeface="Times New Roman" panose="02020603050405020304" pitchFamily="18" charset="0"/>
-              </a:rPr>
-              <a:t/>
-            </a:r>
-            <a:br>
-              <a:rPr lang="en-US" sz="3000" dirty="0" smtClean="0">
-                <a:latin typeface="Times New Roman" panose="02020603050405020304" pitchFamily="18" charset="0"/>
-                <a:cs typeface="Times New Roman" panose="02020603050405020304" pitchFamily="18" charset="0"/>
-              </a:rPr>
-            </a:br>
-            <a:endParaRPr lang="tr-TR" sz="3000" dirty="0">
-              <a:latin typeface="Times New Roman" panose="02020603050405020304" pitchFamily="18" charset="0"/>
-              <a:cs typeface="Times New Roman" panose="02020603050405020304" pitchFamily="18" charset="0"/>
-            </a:endParaRPr>
-          </a:p>
-        </p:txBody>
-      </p:sp>
-      <p:sp>
-        <p:nvSpPr>
-          <p:cNvPr id="3" name="Title 2"/>
-          <p:cNvSpPr>
-            <a:spLocks noGrp="1"/>
-          </p:cNvSpPr>
-          <p:nvPr>
-            <p:ph type="title"/>
-          </p:nvPr>
-        </p:nvSpPr>
-        <p:spPr/>
-        <p:txBody>
-          <a:bodyPr>
-            <a:normAutofit fontScale="90000"/>
-          </a:bodyPr>
-          <a:lstStyle/>
-          <a:p>
-            <a:r>
-              <a:rPr lang="en-PH" dirty="0" err="1" smtClean="0">
-                <a:latin typeface="Times New Roman" panose="02020603050405020304" pitchFamily="18" charset="0"/>
-                <a:cs typeface="Times New Roman" panose="02020603050405020304" pitchFamily="18" charset="0"/>
-              </a:rPr>
-              <a:t>Cấu</a:t>
-            </a:r>
-            <a:r>
-              <a:rPr lang="en-PH" dirty="0" smtClean="0">
-                <a:latin typeface="Times New Roman" panose="02020603050405020304" pitchFamily="18" charset="0"/>
-                <a:cs typeface="Times New Roman" panose="02020603050405020304" pitchFamily="18" charset="0"/>
-              </a:rPr>
-              <a:t> </a:t>
-            </a:r>
-            <a:r>
-              <a:rPr lang="en-PH" dirty="0" err="1" smtClean="0">
-                <a:latin typeface="Times New Roman" panose="02020603050405020304" pitchFamily="18" charset="0"/>
-                <a:cs typeface="Times New Roman" panose="02020603050405020304" pitchFamily="18" charset="0"/>
-              </a:rPr>
-              <a:t>trúc</a:t>
-            </a:r>
-            <a:r>
-              <a:rPr lang="en-PH" dirty="0" smtClean="0">
-                <a:latin typeface="Times New Roman" panose="02020603050405020304" pitchFamily="18" charset="0"/>
-                <a:cs typeface="Times New Roman" panose="02020603050405020304" pitchFamily="18" charset="0"/>
-              </a:rPr>
-              <a:t> website</a:t>
-            </a:r>
-            <a:endParaRPr lang="tr-TR" dirty="0">
-              <a:solidFill>
-                <a:srgbClr val="FF6600"/>
-              </a:solidFill>
-              <a:latin typeface="Times New Roman" panose="02020603050405020304" pitchFamily="18" charset="0"/>
-              <a:cs typeface="Times New Roman" panose="02020603050405020304" pitchFamily="18" charset="0"/>
-            </a:endParaRPr>
-          </a:p>
-        </p:txBody>
-      </p:sp>
-    </p:spTree>
-    <p:extLst>
-      <p:ext uri="{BB962C8B-B14F-4D97-AF65-F5344CB8AC3E}">
-        <p14:creationId xmlns:p14="http://schemas.microsoft.com/office/powerpoint/2010/main" val="2250361889"/>
-      </p:ext>
-    </p:extLst>
-  </p:cSld>
-  <p:clrMapOvr>
-    <a:masterClrMapping/>
-  </p:clrMapOvr>
-  <p:timing>
-    <p:tnLst>
-      <p:par>
-        <p:cTn id="1" dur="indefinite" restart="never" nodeType="tmRoot">
-          <p:childTnLst>
-            <p:seq concurrent="1" nextAc="seek">
-              <p:cTn id="2" dur="indefinite" nodeType="mainSeq">
-                <p:childTnLst>
-                  <p:par>
-                    <p:cTn id="3" fill="hold">
-                      <p:stCondLst>
-                        <p:cond delay="indefinite"/>
-                      </p:stCondLst>
-                      <p:childTnLst>
-                        <p:par>
-                          <p:cTn id="4" fill="hold">
-                            <p:stCondLst>
-                              <p:cond delay="0"/>
-                            </p:stCondLst>
-                            <p:childTnLst>
-                              <p:par>
-                                <p:cTn id="5" presetID="16" presetClass="entr" presetSubtype="21" fill="hold" nodeType="clickEffect">
-                                  <p:stCondLst>
-                                    <p:cond delay="0"/>
-                                  </p:stCondLst>
-                                  <p:childTnLst>
-                                    <p:set>
-                                      <p:cBhvr>
-                                        <p:cTn id="6" dur="1" fill="hold">
-                                          <p:stCondLst>
-                                            <p:cond delay="0"/>
-                                          </p:stCondLst>
-                                        </p:cTn>
-                                        <p:tgtEl>
-                                          <p:spTgt spid="5">
-                                            <p:txEl>
-                                              <p:pRg st="0" end="0"/>
-                                            </p:txEl>
-                                          </p:spTgt>
-                                        </p:tgtEl>
-                                        <p:attrNameLst>
-                                          <p:attrName>style.visibility</p:attrName>
-                                        </p:attrNameLst>
-                                      </p:cBhvr>
-                                      <p:to>
-                                        <p:strVal val="visible"/>
-                                      </p:to>
-                                    </p:set>
-                                    <p:animEffect transition="in" filter="barn(inVertical)">
-                                      <p:cBhvr>
-                                        <p:cTn id="7" dur="500"/>
-                                        <p:tgtEl>
-                                          <p:spTgt spid="5">
-                                            <p:txEl>
-                                              <p:pRg st="0" end="0"/>
-                                            </p:txEl>
-                                          </p:spTgt>
-                                        </p:tgtEl>
-                                      </p:cBhvr>
-                                    </p:animEffect>
-                                  </p:childTnLst>
-                                </p:cTn>
-                              </p:par>
-                              <p:par>
-                                <p:cTn id="8" presetID="42" presetClass="entr" presetSubtype="0" fill="hold" nodeType="withEffect">
-                                  <p:stCondLst>
-                                    <p:cond delay="0"/>
-                                  </p:stCondLst>
-                                  <p:childTnLst>
-                                    <p:set>
-                                      <p:cBhvr>
-                                        <p:cTn id="9" dur="1" fill="hold">
-                                          <p:stCondLst>
-                                            <p:cond delay="0"/>
-                                          </p:stCondLst>
-                                        </p:cTn>
-                                        <p:tgtEl>
-                                          <p:spTgt spid="5">
-                                            <p:txEl>
-                                              <p:pRg st="1" end="1"/>
-                                            </p:txEl>
-                                          </p:spTgt>
-                                        </p:tgtEl>
-                                        <p:attrNameLst>
-                                          <p:attrName>style.visibility</p:attrName>
-                                        </p:attrNameLst>
-                                      </p:cBhvr>
-                                      <p:to>
-                                        <p:strVal val="visible"/>
-                                      </p:to>
-                                    </p:set>
-                                    <p:animEffect transition="in" filter="fade">
-                                      <p:cBhvr>
-                                        <p:cTn id="10" dur="1000"/>
-                                        <p:tgtEl>
-                                          <p:spTgt spid="5">
-                                            <p:txEl>
-                                              <p:pRg st="1" end="1"/>
-                                            </p:txEl>
-                                          </p:spTgt>
-                                        </p:tgtEl>
-                                      </p:cBhvr>
-                                    </p:animEffect>
-                                    <p:anim calcmode="lin" valueType="num">
-                                      <p:cBhvr>
-                                        <p:cTn id="11" dur="1000" fill="hold"/>
-                                        <p:tgtEl>
-                                          <p:spTgt spid="5">
-                                            <p:txEl>
-                                              <p:pRg st="1" end="1"/>
-                                            </p:txEl>
-                                          </p:spTgt>
-                                        </p:tgtEl>
-                                        <p:attrNameLst>
-                                          <p:attrName>ppt_x</p:attrName>
-                                        </p:attrNameLst>
-                                      </p:cBhvr>
-                                      <p:tavLst>
-                                        <p:tav tm="0">
-                                          <p:val>
-                                            <p:strVal val="#ppt_x"/>
-                                          </p:val>
-                                        </p:tav>
-                                        <p:tav tm="100000">
-                                          <p:val>
-                                            <p:strVal val="#ppt_x"/>
-                                          </p:val>
-                                        </p:tav>
-                                      </p:tavLst>
-                                    </p:anim>
-                                    <p:anim calcmode="lin" valueType="num">
-                                      <p:cBhvr>
-                                        <p:cTn id="12" dur="1000" fill="hold"/>
-                                        <p:tgtEl>
-                                          <p:spTgt spid="5">
-                                            <p:txEl>
-                                              <p:pRg st="1" end="1"/>
-                                            </p:txEl>
-                                          </p:spTgt>
-                                        </p:tgtEl>
-                                        <p:attrNameLst>
-                                          <p:attrName>ppt_y</p:attrName>
-                                        </p:attrNameLst>
-                                      </p:cBhvr>
-                                      <p:tavLst>
-                                        <p:tav tm="0">
-                                          <p:val>
-                                            <p:strVal val="#ppt_y+.1"/>
-                                          </p:val>
-                                        </p:tav>
-                                        <p:tav tm="100000">
-                                          <p:val>
-                                            <p:strVal val="#ppt_y"/>
-                                          </p:val>
-                                        </p:tav>
-                                      </p:tavLst>
-                                    </p:anim>
-                                  </p:childTnLst>
-                                </p:cTn>
-                              </p:par>
-                              <p:par>
-                                <p:cTn id="13" presetID="42" presetClass="entr" presetSubtype="0" fill="hold" nodeType="withEffect">
-                                  <p:stCondLst>
-                                    <p:cond delay="0"/>
-                                  </p:stCondLst>
-                                  <p:childTnLst>
-                                    <p:set>
-                                      <p:cBhvr>
-                                        <p:cTn id="14" dur="1" fill="hold">
-                                          <p:stCondLst>
-                                            <p:cond delay="0"/>
-                                          </p:stCondLst>
-                                        </p:cTn>
-                                        <p:tgtEl>
-                                          <p:spTgt spid="5">
-                                            <p:txEl>
-                                              <p:pRg st="2" end="2"/>
-                                            </p:txEl>
-                                          </p:spTgt>
-                                        </p:tgtEl>
-                                        <p:attrNameLst>
-                                          <p:attrName>style.visibility</p:attrName>
-                                        </p:attrNameLst>
-                                      </p:cBhvr>
-                                      <p:to>
-                                        <p:strVal val="visible"/>
-                                      </p:to>
-                                    </p:set>
-                                    <p:animEffect transition="in" filter="fade">
-                                      <p:cBhvr>
-                                        <p:cTn id="15" dur="1000"/>
-                                        <p:tgtEl>
-                                          <p:spTgt spid="5">
-                                            <p:txEl>
-                                              <p:pRg st="2" end="2"/>
-                                            </p:txEl>
-                                          </p:spTgt>
-                                        </p:tgtEl>
-                                      </p:cBhvr>
-                                    </p:animEffect>
-                                    <p:anim calcmode="lin" valueType="num">
-                                      <p:cBhvr>
-                                        <p:cTn id="16" dur="1000" fill="hold"/>
-                                        <p:tgtEl>
-                                          <p:spTgt spid="5">
-                                            <p:txEl>
-                                              <p:pRg st="2" end="2"/>
-                                            </p:txEl>
-                                          </p:spTgt>
-                                        </p:tgtEl>
-                                        <p:attrNameLst>
-                                          <p:attrName>ppt_x</p:attrName>
-                                        </p:attrNameLst>
-                                      </p:cBhvr>
-                                      <p:tavLst>
-                                        <p:tav tm="0">
-                                          <p:val>
-                                            <p:strVal val="#ppt_x"/>
-                                          </p:val>
-                                        </p:tav>
-                                        <p:tav tm="100000">
-                                          <p:val>
-                                            <p:strVal val="#ppt_x"/>
-                                          </p:val>
-                                        </p:tav>
-                                      </p:tavLst>
-                                    </p:anim>
-                                    <p:anim calcmode="lin" valueType="num">
-                                      <p:cBhvr>
-                                        <p:cTn id="17" dur="1000" fill="hold"/>
-                                        <p:tgtEl>
-                                          <p:spTgt spid="5">
-                                            <p:txEl>
-                                              <p:pRg st="2" end="2"/>
-                                            </p:txEl>
-                                          </p:spTgt>
-                                        </p:tgtEl>
-                                        <p:attrNameLst>
-                                          <p:attrName>ppt_y</p:attrName>
-                                        </p:attrNameLst>
-                                      </p:cBhvr>
-                                      <p:tavLst>
-                                        <p:tav tm="0">
-                                          <p:val>
-                                            <p:strVal val="#ppt_y+.1"/>
-                                          </p:val>
-                                        </p:tav>
-                                        <p:tav tm="100000">
-                                          <p:val>
-                                            <p:strVal val="#ppt_y"/>
-                                          </p:val>
-                                        </p:tav>
-                                      </p:tavLst>
-                                    </p:anim>
-                                  </p:childTnLst>
-                                </p:cTn>
-                              </p:par>
-                              <p:par>
-                                <p:cTn id="18" presetID="42" presetClass="entr" presetSubtype="0" fill="hold" nodeType="withEffect">
-                                  <p:stCondLst>
-                                    <p:cond delay="0"/>
-                                  </p:stCondLst>
-                                  <p:childTnLst>
-                                    <p:set>
-                                      <p:cBhvr>
-                                        <p:cTn id="19" dur="1" fill="hold">
-                                          <p:stCondLst>
-                                            <p:cond delay="0"/>
-                                          </p:stCondLst>
-                                        </p:cTn>
-                                        <p:tgtEl>
-                                          <p:spTgt spid="5">
-                                            <p:txEl>
-                                              <p:pRg st="3" end="3"/>
-                                            </p:txEl>
-                                          </p:spTgt>
-                                        </p:tgtEl>
-                                        <p:attrNameLst>
-                                          <p:attrName>style.visibility</p:attrName>
-                                        </p:attrNameLst>
-                                      </p:cBhvr>
-                                      <p:to>
-                                        <p:strVal val="visible"/>
-                                      </p:to>
-                                    </p:set>
-                                    <p:animEffect transition="in" filter="fade">
-                                      <p:cBhvr>
-                                        <p:cTn id="20" dur="1000"/>
-                                        <p:tgtEl>
-                                          <p:spTgt spid="5">
-                                            <p:txEl>
-                                              <p:pRg st="3" end="3"/>
-                                            </p:txEl>
-                                          </p:spTgt>
-                                        </p:tgtEl>
-                                      </p:cBhvr>
-                                    </p:animEffect>
-                                    <p:anim calcmode="lin" valueType="num">
-                                      <p:cBhvr>
-                                        <p:cTn id="21" dur="1000" fill="hold"/>
-                                        <p:tgtEl>
-                                          <p:spTgt spid="5">
-                                            <p:txEl>
-                                              <p:pRg st="3" end="3"/>
-                                            </p:txEl>
-                                          </p:spTgt>
-                                        </p:tgtEl>
-                                        <p:attrNameLst>
-                                          <p:attrName>ppt_x</p:attrName>
-                                        </p:attrNameLst>
-                                      </p:cBhvr>
-                                      <p:tavLst>
-                                        <p:tav tm="0">
-                                          <p:val>
-                                            <p:strVal val="#ppt_x"/>
-                                          </p:val>
-                                        </p:tav>
-                                        <p:tav tm="100000">
-                                          <p:val>
-                                            <p:strVal val="#ppt_x"/>
-                                          </p:val>
-                                        </p:tav>
-                                      </p:tavLst>
-                                    </p:anim>
-                                    <p:anim calcmode="lin" valueType="num">
-                                      <p:cBhvr>
-                                        <p:cTn id="22" dur="1000" fill="hold"/>
-                                        <p:tgtEl>
-                                          <p:spTgt spid="5">
-                                            <p:txEl>
-                                              <p:pRg st="3" end="3"/>
-                                            </p:txEl>
-                                          </p:spTgt>
-                                        </p:tgtEl>
-                                        <p:attrNameLst>
-                                          <p:attrName>ppt_y</p:attrName>
-                                        </p:attrNameLst>
-                                      </p:cBhvr>
-                                      <p:tavLst>
-                                        <p:tav tm="0">
-                                          <p:val>
-                                            <p:strVal val="#ppt_y+.1"/>
-                                          </p:val>
-                                        </p:tav>
-                                        <p:tav tm="100000">
-                                          <p:val>
-                                            <p:strVal val="#ppt_y"/>
-                                          </p:val>
-                                        </p:tav>
-                                      </p:tavLst>
-                                    </p:anim>
                                   </p:childTnLst>
                                 </p:cTn>
                               </p:par>
@@ -15214,4 +15302,265 @@
   <a:objectDefaults/>
   <a:extraClrSchemeLst/>
 </a:theme>
+</file>
+
+<file path=ppt/theme/theme3.xml><?xml version="1.0" encoding="utf-8"?>
+<a:theme xmlns:a="http://schemas.openxmlformats.org/drawingml/2006/main" name="Office Theme">
+  <a:themeElements>
+    <a:clrScheme name="Office">
+      <a:dk1>
+        <a:sysClr val="windowText" lastClr="000000"/>
+      </a:dk1>
+      <a:lt1>
+        <a:sysClr val="window" lastClr="FFFFFF"/>
+      </a:lt1>
+      <a:dk2>
+        <a:srgbClr val="44546A"/>
+      </a:dk2>
+      <a:lt2>
+        <a:srgbClr val="E7E6E6"/>
+      </a:lt2>
+      <a:accent1>
+        <a:srgbClr val="5B9BD5"/>
+      </a:accent1>
+      <a:accent2>
+        <a:srgbClr val="ED7D31"/>
+      </a:accent2>
+      <a:accent3>
+        <a:srgbClr val="A5A5A5"/>
+      </a:accent3>
+      <a:accent4>
+        <a:srgbClr val="FFC000"/>
+      </a:accent4>
+      <a:accent5>
+        <a:srgbClr val="4472C4"/>
+      </a:accent5>
+      <a:accent6>
+        <a:srgbClr val="70AD47"/>
+      </a:accent6>
+      <a:hlink>
+        <a:srgbClr val="0563C1"/>
+      </a:hlink>
+      <a:folHlink>
+        <a:srgbClr val="954F72"/>
+      </a:folHlink>
+    </a:clrScheme>
+    <a:fontScheme name="Office">
+      <a:majorFont>
+        <a:latin typeface="Calibri Light" panose="020F0302020204030204"/>
+        <a:ea typeface=""/>
+        <a:cs typeface=""/>
+        <a:font script="Jpan" typeface="游ゴシック Light"/>
+        <a:font script="Hang" typeface="맑은 고딕"/>
+        <a:font script="Hans" typeface="等线 Light"/>
+        <a:font script="Hant" typeface="新細明體"/>
+        <a:font script="Arab" typeface="Times New Roman"/>
+        <a:font script="Hebr" typeface="Times New Roman"/>
+        <a:font script="Thai" typeface="Angsana New"/>
+        <a:font script="Ethi" typeface="Nyala"/>
+        <a:font script="Beng" typeface="Vrinda"/>
+        <a:font script="Gujr" typeface="Shruti"/>
+        <a:font script="Khmr" typeface="MoolBoran"/>
+        <a:font script="Knda" typeface="Tunga"/>
+        <a:font script="Guru" typeface="Raavi"/>
+        <a:font script="Cans" typeface="Euphemia"/>
+        <a:font script="Cher" typeface="Plantagenet Cherokee"/>
+        <a:font script="Yiii" typeface="Microsoft Yi Baiti"/>
+        <a:font script="Tibt" typeface="Microsoft Himalaya"/>
+        <a:font script="Thaa" typeface="MV Boli"/>
+        <a:font script="Deva" typeface="Mangal"/>
+        <a:font script="Telu" typeface="Gautami"/>
+        <a:font script="Taml" typeface="Latha"/>
+        <a:font script="Syrc" typeface="Estrangelo Edessa"/>
+        <a:font script="Orya" typeface="Kalinga"/>
+        <a:font script="Mlym" typeface="Kartika"/>
+        <a:font script="Laoo" typeface="DokChampa"/>
+        <a:font script="Sinh" typeface="Iskoola Pota"/>
+        <a:font script="Mong" typeface="Mongolian Baiti"/>
+        <a:font script="Viet" typeface="Times New Roman"/>
+        <a:font script="Uigh" typeface="Microsoft Uighur"/>
+        <a:font script="Geor" typeface="Sylfaen"/>
+      </a:majorFont>
+      <a:minorFont>
+        <a:latin typeface="Calibri" panose="020F0502020204030204"/>
+        <a:ea typeface=""/>
+        <a:cs typeface=""/>
+        <a:font script="Jpan" typeface="游ゴシック"/>
+        <a:font script="Hang" typeface="맑은 고딕"/>
+        <a:font script="Hans" typeface="等线"/>
+        <a:font script="Hant" typeface="新細明體"/>
+        <a:font script="Arab" typeface="Arial"/>
+        <a:font script="Hebr" typeface="Arial"/>
+        <a:font script="Thai" typeface="Cordia New"/>
+        <a:font script="Ethi" typeface="Nyala"/>
+        <a:font script="Beng" typeface="Vrinda"/>
+        <a:font script="Gujr" typeface="Shruti"/>
+        <a:font script="Khmr" typeface="DaunPenh"/>
+        <a:font script="Knda" typeface="Tunga"/>
+        <a:font script="Guru" typeface="Raavi"/>
+        <a:font script="Cans" typeface="Euphemia"/>
+        <a:font script="Cher" typeface="Plantagenet Cherokee"/>
+        <a:font script="Yiii" typeface="Microsoft Yi Baiti"/>
+        <a:font script="Tibt" typeface="Microsoft Himalaya"/>
+        <a:font script="Thaa" typeface="MV Boli"/>
+        <a:font script="Deva" typeface="Mangal"/>
+        <a:font script="Telu" typeface="Gautami"/>
+        <a:font script="Taml" typeface="Latha"/>
+        <a:font script="Syrc" typeface="Estrangelo Edessa"/>
+        <a:font script="Orya" typeface="Kalinga"/>
+        <a:font script="Mlym" typeface="Kartika"/>
+        <a:font script="Laoo" typeface="DokChampa"/>
+        <a:font script="Sinh" typeface="Iskoola Pota"/>
+        <a:font script="Mong" typeface="Mongolian Baiti"/>
+        <a:font script="Viet" typeface="Arial"/>
+        <a:font script="Uigh" typeface="Microsoft Uighur"/>
+        <a:font script="Geor" typeface="Sylfaen"/>
+      </a:minorFont>
+    </a:fontScheme>
+    <a:fmtScheme name="Office">
+      <a:fillStyleLst>
+        <a:solidFill>
+          <a:schemeClr val="phClr"/>
+        </a:solidFill>
+        <a:gradFill rotWithShape="1">
+          <a:gsLst>
+            <a:gs pos="0">
+              <a:schemeClr val="phClr">
+                <a:lumMod val="110000"/>
+                <a:satMod val="105000"/>
+                <a:tint val="67000"/>
+              </a:schemeClr>
+            </a:gs>
+            <a:gs pos="50000">
+              <a:schemeClr val="phClr">
+                <a:lumMod val="105000"/>
+                <a:satMod val="103000"/>
+                <a:tint val="73000"/>
+              </a:schemeClr>
+            </a:gs>
+            <a:gs pos="100000">
+              <a:schemeClr val="phClr">
+                <a:lumMod val="105000"/>
+                <a:satMod val="109000"/>
+                <a:tint val="81000"/>
+              </a:schemeClr>
+            </a:gs>
+          </a:gsLst>
+          <a:lin ang="5400000" scaled="0"/>
+        </a:gradFill>
+        <a:gradFill rotWithShape="1">
+          <a:gsLst>
+            <a:gs pos="0">
+              <a:schemeClr val="phClr">
+                <a:satMod val="103000"/>
+                <a:lumMod val="102000"/>
+                <a:tint val="94000"/>
+              </a:schemeClr>
+            </a:gs>
+            <a:gs pos="50000">
+              <a:schemeClr val="phClr">
+                <a:satMod val="110000"/>
+                <a:lumMod val="100000"/>
+                <a:shade val="100000"/>
+              </a:schemeClr>
+            </a:gs>
+            <a:gs pos="100000">
+              <a:schemeClr val="phClr">
+                <a:lumMod val="99000"/>
+                <a:satMod val="120000"/>
+                <a:shade val="78000"/>
+              </a:schemeClr>
+            </a:gs>
+          </a:gsLst>
+          <a:lin ang="5400000" scaled="0"/>
+        </a:gradFill>
+      </a:fillStyleLst>
+      <a:lnStyleLst>
+        <a:ln w="6350" cap="flat" cmpd="sng" algn="ctr">
+          <a:solidFill>
+            <a:schemeClr val="phClr"/>
+          </a:solidFill>
+          <a:prstDash val="solid"/>
+          <a:miter lim="800000"/>
+        </a:ln>
+        <a:ln w="12700" cap="flat" cmpd="sng" algn="ctr">
+          <a:solidFill>
+            <a:schemeClr val="phClr"/>
+          </a:solidFill>
+          <a:prstDash val="solid"/>
+          <a:miter lim="800000"/>
+        </a:ln>
+        <a:ln w="19050" cap="flat" cmpd="sng" algn="ctr">
+          <a:solidFill>
+            <a:schemeClr val="phClr"/>
+          </a:solidFill>
+          <a:prstDash val="solid"/>
+          <a:miter lim="800000"/>
+        </a:ln>
+      </a:lnStyleLst>
+      <a:effectStyleLst>
+        <a:effectStyle>
+          <a:effectLst/>
+        </a:effectStyle>
+        <a:effectStyle>
+          <a:effectLst/>
+        </a:effectStyle>
+        <a:effectStyle>
+          <a:effectLst>
+            <a:outerShdw blurRad="57150" dist="19050" dir="5400000" algn="ctr" rotWithShape="0">
+              <a:srgbClr val="000000">
+                <a:alpha val="63000"/>
+              </a:srgbClr>
+            </a:outerShdw>
+          </a:effectLst>
+        </a:effectStyle>
+      </a:effectStyleLst>
+      <a:bgFillStyleLst>
+        <a:solidFill>
+          <a:schemeClr val="phClr"/>
+        </a:solidFill>
+        <a:solidFill>
+          <a:schemeClr val="phClr">
+            <a:tint val="95000"/>
+            <a:satMod val="170000"/>
+          </a:schemeClr>
+        </a:solidFill>
+        <a:gradFill rotWithShape="1">
+          <a:gsLst>
+            <a:gs pos="0">
+              <a:schemeClr val="phClr">
+                <a:tint val="93000"/>
+                <a:satMod val="150000"/>
+                <a:shade val="98000"/>
+                <a:lumMod val="102000"/>
+              </a:schemeClr>
+            </a:gs>
+            <a:gs pos="50000">
+              <a:schemeClr val="phClr">
+                <a:tint val="98000"/>
+                <a:satMod val="130000"/>
+                <a:shade val="90000"/>
+                <a:lumMod val="103000"/>
+              </a:schemeClr>
+            </a:gs>
+            <a:gs pos="100000">
+              <a:schemeClr val="phClr">
+                <a:shade val="63000"/>
+                <a:satMod val="120000"/>
+              </a:schemeClr>
+            </a:gs>
+          </a:gsLst>
+          <a:lin ang="5400000" scaled="0"/>
+        </a:gradFill>
+      </a:bgFillStyleLst>
+    </a:fmtScheme>
+  </a:themeElements>
+  <a:objectDefaults/>
+  <a:extraClrSchemeLst/>
+  <a:extLst>
+    <a:ext uri="{05A4C25C-085E-4340-85A3-A5531E510DB2}">
+      <thm15:themeFamily xmlns:thm15="http://schemas.microsoft.com/office/thememl/2012/main" name="Office Theme" id="{62F939B6-93AF-4DB8-9C6B-D6C7DFDC589F}" vid="{4A3C46E8-61CC-4603-A589-7422A47A8E4A}"/>
+    </a:ext>
+  </a:extLst>
+</a:theme>
 </file>
--- a/TLCN.pptx
+++ b/TLCN.pptx
@@ -5960,6 +5960,25 @@
               </a:rPr>
               <a:t>phẩm</a:t>
             </a:r>
+            <a:endParaRPr lang="en-US" sz="3000" dirty="0" smtClean="0">
+              <a:solidFill>
+                <a:schemeClr val="tx1"/>
+              </a:solidFill>
+              <a:latin typeface="Times New Roman" panose="02020603050405020304" pitchFamily="18" charset="0"/>
+              <a:cs typeface="Times New Roman" panose="02020603050405020304" pitchFamily="18" charset="0"/>
+            </a:endParaRPr>
+          </a:p>
+          <a:p>
+            <a:r>
+              <a:rPr lang="en-US" sz="3000" dirty="0" err="1" smtClean="0">
+                <a:solidFill>
+                  <a:schemeClr val="tx1"/>
+                </a:solidFill>
+                <a:latin typeface="Times New Roman" panose="02020603050405020304" pitchFamily="18" charset="0"/>
+                <a:cs typeface="Times New Roman" panose="02020603050405020304" pitchFamily="18" charset="0"/>
+              </a:rPr>
+              <a:t>Mua</a:t>
+            </a:r>
             <a:r>
               <a:rPr lang="en-US" sz="3000" dirty="0" smtClean="0">
                 <a:solidFill>
@@ -5968,10 +5987,8 @@
                 <a:latin typeface="Times New Roman" panose="02020603050405020304" pitchFamily="18" charset="0"/>
                 <a:cs typeface="Times New Roman" panose="02020603050405020304" pitchFamily="18" charset="0"/>
               </a:rPr>
-              <a:t>.</a:t>
-            </a:r>
-          </a:p>
-          <a:p>
+              <a:t> </a:t>
+            </a:r>
             <a:r>
               <a:rPr lang="en-US" sz="3000" dirty="0" err="1" smtClean="0">
                 <a:solidFill>
@@ -5980,7 +5997,26 @@
                 <a:latin typeface="Times New Roman" panose="02020603050405020304" pitchFamily="18" charset="0"/>
                 <a:cs typeface="Times New Roman" panose="02020603050405020304" pitchFamily="18" charset="0"/>
               </a:rPr>
-              <a:t>Mua</a:t>
+              <a:t>hàng</a:t>
+            </a:r>
+            <a:endParaRPr lang="en-US" sz="3000" dirty="0" smtClean="0">
+              <a:solidFill>
+                <a:schemeClr val="tx1"/>
+              </a:solidFill>
+              <a:latin typeface="Times New Roman" panose="02020603050405020304" pitchFamily="18" charset="0"/>
+              <a:cs typeface="Times New Roman" panose="02020603050405020304" pitchFamily="18" charset="0"/>
+            </a:endParaRPr>
+          </a:p>
+          <a:p>
+            <a:r>
+              <a:rPr lang="en-US" sz="3000" dirty="0" err="1" smtClean="0">
+                <a:solidFill>
+                  <a:schemeClr val="tx1"/>
+                </a:solidFill>
+                <a:latin typeface="Times New Roman" panose="02020603050405020304" pitchFamily="18" charset="0"/>
+                <a:cs typeface="Times New Roman" panose="02020603050405020304" pitchFamily="18" charset="0"/>
+              </a:rPr>
+              <a:t>Quản</a:t>
             </a:r>
             <a:r>
               <a:rPr lang="en-US" sz="3000" dirty="0" smtClean="0">
@@ -6000,181 +6036,126 @@
                 <a:latin typeface="Times New Roman" panose="02020603050405020304" pitchFamily="18" charset="0"/>
                 <a:cs typeface="Times New Roman" panose="02020603050405020304" pitchFamily="18" charset="0"/>
               </a:rPr>
+              <a:t>lý</a:t>
+            </a:r>
+            <a:r>
+              <a:rPr lang="en-US" sz="3000" dirty="0" smtClean="0">
+                <a:solidFill>
+                  <a:schemeClr val="tx1"/>
+                </a:solidFill>
+                <a:latin typeface="Times New Roman" panose="02020603050405020304" pitchFamily="18" charset="0"/>
+                <a:cs typeface="Times New Roman" panose="02020603050405020304" pitchFamily="18" charset="0"/>
+              </a:rPr>
+              <a:t> </a:t>
+            </a:r>
+            <a:r>
+              <a:rPr lang="en-US" sz="3000" dirty="0" err="1" smtClean="0">
+                <a:solidFill>
+                  <a:schemeClr val="tx1"/>
+                </a:solidFill>
+                <a:latin typeface="Times New Roman" panose="02020603050405020304" pitchFamily="18" charset="0"/>
+                <a:cs typeface="Times New Roman" panose="02020603050405020304" pitchFamily="18" charset="0"/>
+              </a:rPr>
+              <a:t>sản</a:t>
+            </a:r>
+            <a:r>
+              <a:rPr lang="en-US" sz="3000" dirty="0" smtClean="0">
+                <a:solidFill>
+                  <a:schemeClr val="tx1"/>
+                </a:solidFill>
+                <a:latin typeface="Times New Roman" panose="02020603050405020304" pitchFamily="18" charset="0"/>
+                <a:cs typeface="Times New Roman" panose="02020603050405020304" pitchFamily="18" charset="0"/>
+              </a:rPr>
+              <a:t> </a:t>
+            </a:r>
+            <a:r>
+              <a:rPr lang="en-US" sz="3000" dirty="0" err="1" smtClean="0">
+                <a:solidFill>
+                  <a:schemeClr val="tx1"/>
+                </a:solidFill>
+                <a:latin typeface="Times New Roman" panose="02020603050405020304" pitchFamily="18" charset="0"/>
+                <a:cs typeface="Times New Roman" panose="02020603050405020304" pitchFamily="18" charset="0"/>
+              </a:rPr>
+              <a:t>phẩm</a:t>
+            </a:r>
+            <a:endParaRPr lang="en-US" sz="3000" dirty="0" smtClean="0">
+              <a:solidFill>
+                <a:schemeClr val="tx1"/>
+              </a:solidFill>
+              <a:latin typeface="Times New Roman" panose="02020603050405020304" pitchFamily="18" charset="0"/>
+              <a:cs typeface="Times New Roman" panose="02020603050405020304" pitchFamily="18" charset="0"/>
+            </a:endParaRPr>
+          </a:p>
+          <a:p>
+            <a:r>
+              <a:rPr lang="en-US" sz="3000" dirty="0" err="1" smtClean="0">
+                <a:solidFill>
+                  <a:schemeClr val="tx1"/>
+                </a:solidFill>
+                <a:latin typeface="Times New Roman" panose="02020603050405020304" pitchFamily="18" charset="0"/>
+                <a:cs typeface="Times New Roman" panose="02020603050405020304" pitchFamily="18" charset="0"/>
+              </a:rPr>
+              <a:t>Quản</a:t>
+            </a:r>
+            <a:r>
+              <a:rPr lang="en-US" sz="3000" dirty="0" smtClean="0">
+                <a:solidFill>
+                  <a:schemeClr val="tx1"/>
+                </a:solidFill>
+                <a:latin typeface="Times New Roman" panose="02020603050405020304" pitchFamily="18" charset="0"/>
+                <a:cs typeface="Times New Roman" panose="02020603050405020304" pitchFamily="18" charset="0"/>
+              </a:rPr>
+              <a:t> </a:t>
+            </a:r>
+            <a:r>
+              <a:rPr lang="en-US" sz="3000" dirty="0" err="1" smtClean="0">
+                <a:solidFill>
+                  <a:schemeClr val="tx1"/>
+                </a:solidFill>
+                <a:latin typeface="Times New Roman" panose="02020603050405020304" pitchFamily="18" charset="0"/>
+                <a:cs typeface="Times New Roman" panose="02020603050405020304" pitchFamily="18" charset="0"/>
+              </a:rPr>
+              <a:t>lý</a:t>
+            </a:r>
+            <a:r>
+              <a:rPr lang="en-US" sz="3000" dirty="0" smtClean="0">
+                <a:solidFill>
+                  <a:schemeClr val="tx1"/>
+                </a:solidFill>
+                <a:latin typeface="Times New Roman" panose="02020603050405020304" pitchFamily="18" charset="0"/>
+                <a:cs typeface="Times New Roman" panose="02020603050405020304" pitchFamily="18" charset="0"/>
+              </a:rPr>
+              <a:t> </a:t>
+            </a:r>
+            <a:r>
+              <a:rPr lang="en-US" sz="3000" dirty="0" err="1" smtClean="0">
+                <a:solidFill>
+                  <a:schemeClr val="tx1"/>
+                </a:solidFill>
+                <a:latin typeface="Times New Roman" panose="02020603050405020304" pitchFamily="18" charset="0"/>
+                <a:cs typeface="Times New Roman" panose="02020603050405020304" pitchFamily="18" charset="0"/>
+              </a:rPr>
+              <a:t>đơn</a:t>
+            </a:r>
+            <a:r>
+              <a:rPr lang="en-US" sz="3000" dirty="0" smtClean="0">
+                <a:solidFill>
+                  <a:schemeClr val="tx1"/>
+                </a:solidFill>
+                <a:latin typeface="Times New Roman" panose="02020603050405020304" pitchFamily="18" charset="0"/>
+                <a:cs typeface="Times New Roman" panose="02020603050405020304" pitchFamily="18" charset="0"/>
+              </a:rPr>
+              <a:t> </a:t>
+            </a:r>
+            <a:r>
+              <a:rPr lang="en-US" sz="3000" dirty="0" err="1" smtClean="0">
+                <a:solidFill>
+                  <a:schemeClr val="tx1"/>
+                </a:solidFill>
+                <a:latin typeface="Times New Roman" panose="02020603050405020304" pitchFamily="18" charset="0"/>
+                <a:cs typeface="Times New Roman" panose="02020603050405020304" pitchFamily="18" charset="0"/>
+              </a:rPr>
               <a:t>hàng</a:t>
-            </a:r>
-            <a:r>
-              <a:rPr lang="en-US" sz="3000" dirty="0" smtClean="0">
-                <a:solidFill>
-                  <a:schemeClr val="tx1"/>
-                </a:solidFill>
-                <a:latin typeface="Times New Roman" panose="02020603050405020304" pitchFamily="18" charset="0"/>
-                <a:cs typeface="Times New Roman" panose="02020603050405020304" pitchFamily="18" charset="0"/>
-              </a:rPr>
-              <a:t>.</a:t>
-            </a:r>
-          </a:p>
-          <a:p>
-            <a:r>
-              <a:rPr lang="en-US" sz="3000" dirty="0" err="1" smtClean="0">
-                <a:solidFill>
-                  <a:schemeClr val="tx1"/>
-                </a:solidFill>
-                <a:latin typeface="Times New Roman" panose="02020603050405020304" pitchFamily="18" charset="0"/>
-                <a:cs typeface="Times New Roman" panose="02020603050405020304" pitchFamily="18" charset="0"/>
-              </a:rPr>
-              <a:t>Quản</a:t>
-            </a:r>
-            <a:r>
-              <a:rPr lang="en-US" sz="3000" dirty="0" smtClean="0">
-                <a:solidFill>
-                  <a:schemeClr val="tx1"/>
-                </a:solidFill>
-                <a:latin typeface="Times New Roman" panose="02020603050405020304" pitchFamily="18" charset="0"/>
-                <a:cs typeface="Times New Roman" panose="02020603050405020304" pitchFamily="18" charset="0"/>
-              </a:rPr>
-              <a:t> </a:t>
-            </a:r>
-            <a:r>
-              <a:rPr lang="en-US" sz="3000" dirty="0" err="1" smtClean="0">
-                <a:solidFill>
-                  <a:schemeClr val="tx1"/>
-                </a:solidFill>
-                <a:latin typeface="Times New Roman" panose="02020603050405020304" pitchFamily="18" charset="0"/>
-                <a:cs typeface="Times New Roman" panose="02020603050405020304" pitchFamily="18" charset="0"/>
-              </a:rPr>
-              <a:t>lý</a:t>
-            </a:r>
-            <a:r>
-              <a:rPr lang="en-US" sz="3000" dirty="0" smtClean="0">
-                <a:solidFill>
-                  <a:schemeClr val="tx1"/>
-                </a:solidFill>
-                <a:latin typeface="Times New Roman" panose="02020603050405020304" pitchFamily="18" charset="0"/>
-                <a:cs typeface="Times New Roman" panose="02020603050405020304" pitchFamily="18" charset="0"/>
-              </a:rPr>
-              <a:t> </a:t>
-            </a:r>
-            <a:r>
-              <a:rPr lang="en-US" sz="3000" dirty="0" err="1" smtClean="0">
-                <a:solidFill>
-                  <a:schemeClr val="tx1"/>
-                </a:solidFill>
-                <a:latin typeface="Times New Roman" panose="02020603050405020304" pitchFamily="18" charset="0"/>
-                <a:cs typeface="Times New Roman" panose="02020603050405020304" pitchFamily="18" charset="0"/>
-              </a:rPr>
-              <a:t>sản</a:t>
-            </a:r>
-            <a:r>
-              <a:rPr lang="en-US" sz="3000" dirty="0" smtClean="0">
-                <a:solidFill>
-                  <a:schemeClr val="tx1"/>
-                </a:solidFill>
-                <a:latin typeface="Times New Roman" panose="02020603050405020304" pitchFamily="18" charset="0"/>
-                <a:cs typeface="Times New Roman" panose="02020603050405020304" pitchFamily="18" charset="0"/>
-              </a:rPr>
-              <a:t> </a:t>
-            </a:r>
-            <a:r>
-              <a:rPr lang="en-US" sz="3000" dirty="0" err="1" smtClean="0">
-                <a:solidFill>
-                  <a:schemeClr val="tx1"/>
-                </a:solidFill>
-                <a:latin typeface="Times New Roman" panose="02020603050405020304" pitchFamily="18" charset="0"/>
-                <a:cs typeface="Times New Roman" panose="02020603050405020304" pitchFamily="18" charset="0"/>
-              </a:rPr>
-              <a:t>phẩm</a:t>
-            </a:r>
-            <a:r>
-              <a:rPr lang="en-US" sz="3000" dirty="0" smtClean="0">
-                <a:solidFill>
-                  <a:schemeClr val="tx1"/>
-                </a:solidFill>
-                <a:latin typeface="Times New Roman" panose="02020603050405020304" pitchFamily="18" charset="0"/>
-                <a:cs typeface="Times New Roman" panose="02020603050405020304" pitchFamily="18" charset="0"/>
-              </a:rPr>
-              <a:t>.</a:t>
-            </a:r>
-          </a:p>
-          <a:p>
-            <a:r>
-              <a:rPr lang="en-US" sz="3000" dirty="0" err="1" smtClean="0">
-                <a:solidFill>
-                  <a:schemeClr val="tx1"/>
-                </a:solidFill>
-                <a:latin typeface="Times New Roman" panose="02020603050405020304" pitchFamily="18" charset="0"/>
-                <a:cs typeface="Times New Roman" panose="02020603050405020304" pitchFamily="18" charset="0"/>
-              </a:rPr>
-              <a:t>Quản</a:t>
-            </a:r>
-            <a:r>
-              <a:rPr lang="en-US" sz="3000" dirty="0" smtClean="0">
-                <a:solidFill>
-                  <a:schemeClr val="tx1"/>
-                </a:solidFill>
-                <a:latin typeface="Times New Roman" panose="02020603050405020304" pitchFamily="18" charset="0"/>
-                <a:cs typeface="Times New Roman" panose="02020603050405020304" pitchFamily="18" charset="0"/>
-              </a:rPr>
-              <a:t> </a:t>
-            </a:r>
-            <a:r>
-              <a:rPr lang="en-US" sz="3000" dirty="0" err="1" smtClean="0">
-                <a:solidFill>
-                  <a:schemeClr val="tx1"/>
-                </a:solidFill>
-                <a:latin typeface="Times New Roman" panose="02020603050405020304" pitchFamily="18" charset="0"/>
-                <a:cs typeface="Times New Roman" panose="02020603050405020304" pitchFamily="18" charset="0"/>
-              </a:rPr>
-              <a:t>lý</a:t>
-            </a:r>
-            <a:r>
-              <a:rPr lang="en-US" sz="3000" dirty="0" smtClean="0">
-                <a:solidFill>
-                  <a:schemeClr val="tx1"/>
-                </a:solidFill>
-                <a:latin typeface="Times New Roman" panose="02020603050405020304" pitchFamily="18" charset="0"/>
-                <a:cs typeface="Times New Roman" panose="02020603050405020304" pitchFamily="18" charset="0"/>
-              </a:rPr>
-              <a:t> </a:t>
-            </a:r>
-            <a:r>
-              <a:rPr lang="en-US" sz="3000" dirty="0" err="1" smtClean="0">
-                <a:solidFill>
-                  <a:schemeClr val="tx1"/>
-                </a:solidFill>
-                <a:latin typeface="Times New Roman" panose="02020603050405020304" pitchFamily="18" charset="0"/>
-                <a:cs typeface="Times New Roman" panose="02020603050405020304" pitchFamily="18" charset="0"/>
-              </a:rPr>
-              <a:t>đơn</a:t>
-            </a:r>
-            <a:r>
-              <a:rPr lang="en-US" sz="3000" dirty="0" smtClean="0">
-                <a:solidFill>
-                  <a:schemeClr val="tx1"/>
-                </a:solidFill>
-                <a:latin typeface="Times New Roman" panose="02020603050405020304" pitchFamily="18" charset="0"/>
-                <a:cs typeface="Times New Roman" panose="02020603050405020304" pitchFamily="18" charset="0"/>
-              </a:rPr>
-              <a:t> </a:t>
-            </a:r>
-            <a:r>
-              <a:rPr lang="en-US" sz="3000" dirty="0" err="1" smtClean="0">
-                <a:solidFill>
-                  <a:schemeClr val="tx1"/>
-                </a:solidFill>
-                <a:latin typeface="Times New Roman" panose="02020603050405020304" pitchFamily="18" charset="0"/>
-                <a:cs typeface="Times New Roman" panose="02020603050405020304" pitchFamily="18" charset="0"/>
-              </a:rPr>
-              <a:t>hàng</a:t>
-            </a:r>
-            <a:r>
-              <a:rPr lang="en-US" sz="3000" dirty="0" smtClean="0">
-                <a:solidFill>
-                  <a:schemeClr val="tx1"/>
-                </a:solidFill>
-                <a:latin typeface="Times New Roman" panose="02020603050405020304" pitchFamily="18" charset="0"/>
-                <a:cs typeface="Times New Roman" panose="02020603050405020304" pitchFamily="18" charset="0"/>
-              </a:rPr>
-              <a:t>.</a:t>
             </a:r>
             <a:r>
               <a:rPr lang="en-US" sz="3000" dirty="0" smtClean="0">
@@ -6995,7 +6976,7 @@
               <a:t> </a:t>
             </a:r>
             <a:r>
-              <a:rPr lang="en-US" sz="6000" dirty="0" err="1" smtClean="0">
+              <a:rPr lang="en-US" sz="6000" smtClean="0">
                 <a:solidFill>
                   <a:schemeClr val="tx1"/>
                 </a:solidFill>
@@ -7003,16 +6984,6 @@
                 <a:cs typeface="Times New Roman" panose="02020603050405020304" pitchFamily="18" charset="0"/>
               </a:rPr>
               <a:t>phẩm</a:t>
-            </a:r>
-            <a:r>
-              <a:rPr lang="en-US" sz="6000" dirty="0" smtClean="0">
-                <a:solidFill>
-                  <a:schemeClr val="tx1"/>
-                </a:solidFill>
-                <a:latin typeface="Times New Roman" panose="02020603050405020304" pitchFamily="18" charset="0"/>
-                <a:cs typeface="Times New Roman" panose="02020603050405020304" pitchFamily="18" charset="0"/>
-              </a:rPr>
-              <a:t>.</a:t>
             </a:r>
             <a:endParaRPr lang="en-US" sz="6000" dirty="0" smtClean="0">
               <a:solidFill>
@@ -8220,7 +8191,7 @@
               <a:t>ưu</a:t>
             </a:r>
             <a:r>
-              <a:rPr lang="en-US" sz="2800" dirty="0">
+              <a:rPr lang="en-US" sz="2800" dirty="0" smtClean="0">
                 <a:solidFill>
                   <a:schemeClr val="tx1"/>
                 </a:solidFill>
@@ -8228,215 +8199,6 @@
                 <a:cs typeface="Times New Roman" panose="02020603050405020304" pitchFamily="18" charset="0"/>
               </a:rPr>
               <a:t>.</a:t>
-            </a:r>
-            <a:endParaRPr lang="en-US" sz="2800" dirty="0" smtClean="0">
-              <a:solidFill>
-                <a:schemeClr val="tx1"/>
-              </a:solidFill>
-              <a:latin typeface="Times New Roman" panose="02020603050405020304" pitchFamily="18" charset="0"/>
-              <a:cs typeface="Times New Roman" panose="02020603050405020304" pitchFamily="18" charset="0"/>
-            </a:endParaRPr>
-          </a:p>
-          <a:p>
-            <a:r>
-              <a:rPr lang="en-US" sz="2800" dirty="0" smtClean="0">
-                <a:solidFill>
-                  <a:schemeClr val="tx1"/>
-                </a:solidFill>
-                <a:latin typeface="Times New Roman" panose="02020603050405020304" pitchFamily="18" charset="0"/>
-                <a:cs typeface="Times New Roman" panose="02020603050405020304" pitchFamily="18" charset="0"/>
-              </a:rPr>
-              <a:t> </a:t>
-            </a:r>
-            <a:r>
-              <a:rPr lang="en-US" sz="2800" dirty="0" err="1">
-                <a:solidFill>
-                  <a:schemeClr val="tx1"/>
-                </a:solidFill>
-                <a:latin typeface="Times New Roman" panose="02020603050405020304" pitchFamily="18" charset="0"/>
-                <a:cs typeface="Times New Roman" panose="02020603050405020304" pitchFamily="18" charset="0"/>
-              </a:rPr>
-              <a:t>N</a:t>
-            </a:r>
-            <a:r>
-              <a:rPr lang="en-US" sz="2800" dirty="0" err="1" smtClean="0">
-                <a:solidFill>
-                  <a:schemeClr val="tx1"/>
-                </a:solidFill>
-                <a:latin typeface="Times New Roman" panose="02020603050405020304" pitchFamily="18" charset="0"/>
-                <a:cs typeface="Times New Roman" panose="02020603050405020304" pitchFamily="18" charset="0"/>
-              </a:rPr>
-              <a:t>guy</a:t>
-            </a:r>
-            <a:r>
-              <a:rPr lang="en-US" sz="2800" dirty="0" smtClean="0">
-                <a:solidFill>
-                  <a:schemeClr val="tx1"/>
-                </a:solidFill>
-                <a:latin typeface="Times New Roman" panose="02020603050405020304" pitchFamily="18" charset="0"/>
-                <a:cs typeface="Times New Roman" panose="02020603050405020304" pitchFamily="18" charset="0"/>
-              </a:rPr>
-              <a:t> </a:t>
-            </a:r>
-            <a:r>
-              <a:rPr lang="en-US" sz="2800" dirty="0" err="1">
-                <a:solidFill>
-                  <a:schemeClr val="tx1"/>
-                </a:solidFill>
-                <a:latin typeface="Times New Roman" panose="02020603050405020304" pitchFamily="18" charset="0"/>
-                <a:cs typeface="Times New Roman" panose="02020603050405020304" pitchFamily="18" charset="0"/>
-              </a:rPr>
-              <a:t>cơ</a:t>
-            </a:r>
-            <a:r>
-              <a:rPr lang="en-US" sz="2800" dirty="0">
-                <a:solidFill>
-                  <a:schemeClr val="tx1"/>
-                </a:solidFill>
-                <a:latin typeface="Times New Roman" panose="02020603050405020304" pitchFamily="18" charset="0"/>
-                <a:cs typeface="Times New Roman" panose="02020603050405020304" pitchFamily="18" charset="0"/>
-              </a:rPr>
-              <a:t> </a:t>
-            </a:r>
-            <a:r>
-              <a:rPr lang="en-US" sz="2800" dirty="0" err="1">
-                <a:solidFill>
-                  <a:schemeClr val="tx1"/>
-                </a:solidFill>
-                <a:latin typeface="Times New Roman" panose="02020603050405020304" pitchFamily="18" charset="0"/>
-                <a:cs typeface="Times New Roman" panose="02020603050405020304" pitchFamily="18" charset="0"/>
-              </a:rPr>
-              <a:t>tiềm</a:t>
-            </a:r>
-            <a:r>
-              <a:rPr lang="en-US" sz="2800" dirty="0">
-                <a:solidFill>
-                  <a:schemeClr val="tx1"/>
-                </a:solidFill>
-                <a:latin typeface="Times New Roman" panose="02020603050405020304" pitchFamily="18" charset="0"/>
-                <a:cs typeface="Times New Roman" panose="02020603050405020304" pitchFamily="18" charset="0"/>
-              </a:rPr>
-              <a:t> </a:t>
-            </a:r>
-            <a:r>
-              <a:rPr lang="en-US" sz="2800" dirty="0" err="1">
-                <a:solidFill>
-                  <a:schemeClr val="tx1"/>
-                </a:solidFill>
-                <a:latin typeface="Times New Roman" panose="02020603050405020304" pitchFamily="18" charset="0"/>
-                <a:cs typeface="Times New Roman" panose="02020603050405020304" pitchFamily="18" charset="0"/>
-              </a:rPr>
-              <a:t>ẩn</a:t>
-            </a:r>
-            <a:r>
-              <a:rPr lang="en-US" sz="2800" dirty="0">
-                <a:solidFill>
-                  <a:schemeClr val="tx1"/>
-                </a:solidFill>
-                <a:latin typeface="Times New Roman" panose="02020603050405020304" pitchFamily="18" charset="0"/>
-                <a:cs typeface="Times New Roman" panose="02020603050405020304" pitchFamily="18" charset="0"/>
-              </a:rPr>
-              <a:t> </a:t>
-            </a:r>
-            <a:r>
-              <a:rPr lang="en-US" sz="2800" dirty="0" err="1">
-                <a:solidFill>
-                  <a:schemeClr val="tx1"/>
-                </a:solidFill>
-                <a:latin typeface="Times New Roman" panose="02020603050405020304" pitchFamily="18" charset="0"/>
-                <a:cs typeface="Times New Roman" panose="02020603050405020304" pitchFamily="18" charset="0"/>
-              </a:rPr>
-              <a:t>các</a:t>
-            </a:r>
-            <a:r>
-              <a:rPr lang="en-US" sz="2800" dirty="0">
-                <a:solidFill>
-                  <a:schemeClr val="tx1"/>
-                </a:solidFill>
-                <a:latin typeface="Times New Roman" panose="02020603050405020304" pitchFamily="18" charset="0"/>
-                <a:cs typeface="Times New Roman" panose="02020603050405020304" pitchFamily="18" charset="0"/>
-              </a:rPr>
-              <a:t> </a:t>
-            </a:r>
-            <a:r>
-              <a:rPr lang="en-US" sz="2800" dirty="0" err="1">
-                <a:solidFill>
-                  <a:schemeClr val="tx1"/>
-                </a:solidFill>
-                <a:latin typeface="Times New Roman" panose="02020603050405020304" pitchFamily="18" charset="0"/>
-                <a:cs typeface="Times New Roman" panose="02020603050405020304" pitchFamily="18" charset="0"/>
-              </a:rPr>
-              <a:t>lỗi</a:t>
-            </a:r>
-            <a:r>
-              <a:rPr lang="en-US" sz="2800" dirty="0">
-                <a:solidFill>
-                  <a:schemeClr val="tx1"/>
-                </a:solidFill>
-                <a:latin typeface="Times New Roman" panose="02020603050405020304" pitchFamily="18" charset="0"/>
-                <a:cs typeface="Times New Roman" panose="02020603050405020304" pitchFamily="18" charset="0"/>
-              </a:rPr>
-              <a:t> </a:t>
-            </a:r>
-            <a:r>
-              <a:rPr lang="en-US" sz="2800" dirty="0" err="1">
-                <a:solidFill>
-                  <a:schemeClr val="tx1"/>
-                </a:solidFill>
-                <a:latin typeface="Times New Roman" panose="02020603050405020304" pitchFamily="18" charset="0"/>
-                <a:cs typeface="Times New Roman" panose="02020603050405020304" pitchFamily="18" charset="0"/>
-              </a:rPr>
-              <a:t>chưa</a:t>
-            </a:r>
-            <a:r>
-              <a:rPr lang="en-US" sz="2800" dirty="0">
-                <a:solidFill>
-                  <a:schemeClr val="tx1"/>
-                </a:solidFill>
-                <a:latin typeface="Times New Roman" panose="02020603050405020304" pitchFamily="18" charset="0"/>
-                <a:cs typeface="Times New Roman" panose="02020603050405020304" pitchFamily="18" charset="0"/>
-              </a:rPr>
-              <a:t> </a:t>
-            </a:r>
-            <a:r>
-              <a:rPr lang="en-US" sz="2800" dirty="0" err="1">
-                <a:solidFill>
-                  <a:schemeClr val="tx1"/>
-                </a:solidFill>
-                <a:latin typeface="Times New Roman" panose="02020603050405020304" pitchFamily="18" charset="0"/>
-                <a:cs typeface="Times New Roman" panose="02020603050405020304" pitchFamily="18" charset="0"/>
-              </a:rPr>
-              <a:t>tìm</a:t>
-            </a:r>
-            <a:r>
-              <a:rPr lang="en-US" sz="2800" dirty="0">
-                <a:solidFill>
-                  <a:schemeClr val="tx1"/>
-                </a:solidFill>
-                <a:latin typeface="Times New Roman" panose="02020603050405020304" pitchFamily="18" charset="0"/>
-                <a:cs typeface="Times New Roman" panose="02020603050405020304" pitchFamily="18" charset="0"/>
-              </a:rPr>
-              <a:t> </a:t>
-            </a:r>
-            <a:r>
-              <a:rPr lang="en-US" sz="2800" dirty="0" err="1">
-                <a:solidFill>
-                  <a:schemeClr val="tx1"/>
-                </a:solidFill>
-                <a:latin typeface="Times New Roman" panose="02020603050405020304" pitchFamily="18" charset="0"/>
-                <a:cs typeface="Times New Roman" panose="02020603050405020304" pitchFamily="18" charset="0"/>
-              </a:rPr>
-              <a:t>ra.</a:t>
-            </a:r>
-            <a:r>
-              <a:rPr lang="en-US" sz="2800" dirty="0">
-                <a:solidFill>
-                  <a:schemeClr val="tx1"/>
-                </a:solidFill>
-                <a:latin typeface="Times New Roman" panose="02020603050405020304" pitchFamily="18" charset="0"/>
-                <a:cs typeface="Times New Roman" panose="02020603050405020304" pitchFamily="18" charset="0"/>
-              </a:rPr>
-              <a:t> </a:t>
             </a:r>
           </a:p>
           <a:p>
@@ -9316,121 +9078,6 @@
                       </p:childTnLst>
                     </p:cTn>
                   </p:par>
-                  <p:par>
-                    <p:cTn id="42" fill="hold">
-                      <p:stCondLst>
-                        <p:cond delay="indefinite"/>
-                      </p:stCondLst>
-                      <p:childTnLst>
-                        <p:par>
-                          <p:cTn id="43" fill="hold">
-                            <p:stCondLst>
-                              <p:cond delay="0"/>
-                            </p:stCondLst>
-                            <p:childTnLst>
-                              <p:par>
-                                <p:cTn id="44" presetID="42" presetClass="entr" presetSubtype="0" fill="hold" nodeType="clickEffect">
-                                  <p:stCondLst>
-                                    <p:cond delay="0"/>
-                                  </p:stCondLst>
-                                  <p:childTnLst>
-                                    <p:set>
-                                      <p:cBhvr>
-                                        <p:cTn id="45" dur="1" fill="hold">
-                                          <p:stCondLst>
-                                            <p:cond delay="0"/>
-                                          </p:stCondLst>
-                                        </p:cTn>
-                                        <p:tgtEl>
-                                          <p:spTgt spid="5">
-                                            <p:txEl>
-                                              <p:pRg st="7" end="7"/>
-                                            </p:txEl>
-                                          </p:spTgt>
-                                        </p:tgtEl>
-                                        <p:attrNameLst>
-                                          <p:attrName>style.visibility</p:attrName>
-                                        </p:attrNameLst>
-                                      </p:cBhvr>
-                                      <p:to>
-                                        <p:strVal val="visible"/>
-                                      </p:to>
-                                    </p:set>
-                                    <p:animEffect transition="in" filter="fade">
-                                      <p:cBhvr>
-                                        <p:cTn id="46" dur="1000"/>
-                                        <p:tgtEl>
-                                          <p:spTgt spid="5">
-                                            <p:txEl>
-                                              <p:pRg st="7" end="7"/>
-                                            </p:txEl>
-                                          </p:spTgt>
-                                        </p:tgtEl>
-                                      </p:cBhvr>
-                                    </p:animEffect>
-                                    <p:anim calcmode="lin" valueType="num">
-                                      <p:cBhvr>
-                                        <p:cTn id="47" dur="1000" fill="hold"/>
-                                        <p:tgtEl>
-                                          <p:spTgt spid="5">
-                                            <p:txEl>
-                                              <p:pRg st="7" end="7"/>
-                                            </p:txEl>
-                                          </p:spTgt>
-                                        </p:tgtEl>
-                                        <p:attrNameLst>
-                                          <p:attrName>ppt_x</p:attrName>
-                                        </p:attrNameLst>
-                                      </p:cBhvr>
-                                      <p:tavLst>
-                                        <p:tav tm="0">
-                                          <p:val>
-                                            <p:strVal val="#ppt_x"/>
-                                          </p:val>
-                                        </p:tav>
-                                        <p:tav tm="100000">
-                                          <p:val>
-                                            <p:strVal val="#ppt_x"/>
-                                          </p:val>
-                                        </p:tav>
-                                      </p:tavLst>
-                                    </p:anim>
-                                    <p:anim calcmode="lin" valueType="num">
-                                      <p:cBhvr>
-                                        <p:cTn id="48" dur="1000" fill="hold"/>
-                                        <p:tgtEl>
-                                          <p:spTgt spid="5">
-                                            <p:txEl>
-                                              <p:pRg st="7" end="7"/>
-                                            </p:txEl>
-                                          </p:spTgt>
-                                        </p:tgtEl>
-                                        <p:attrNameLst>
-                                          <p:attrName>ppt_y</p:attrName>
-                                        </p:attrNameLst>
-                                      </p:cBhvr>
-                                      <p:tavLst>
-                                        <p:tav tm="0">
-                                          <p:val>
-                                            <p:strVal val="#ppt_y+.1"/>
-                                          </p:val>
-                                        </p:tav>
-                                        <p:tav tm="100000">
-                                          <p:val>
-                                            <p:strVal val="#ppt_y"/>
-                                          </p:val>
-                                        </p:tav>
-                                      </p:tavLst>
-                                    </p:anim>
-                                  </p:childTnLst>
-                                </p:cTn>
-                              </p:par>
-                            </p:childTnLst>
-                          </p:cTn>
-                        </p:par>
-                      </p:childTnLst>
-                    </p:cTn>
-                  </p:par>
                 </p:childTnLst>
               </p:cTn>
               <p:prevCondLst>
@@ -10034,43 +9681,6 @@
               </a:rPr>
               <a:t>tài</a:t>
             </a:r>
-            <a:r>
-              <a:rPr lang="en-PH" sz="4000" dirty="0" smtClean="0">
-                <a:latin typeface="Times New Roman" panose="02020603050405020304" pitchFamily="18" charset="0"/>
-                <a:cs typeface="Times New Roman" panose="02020603050405020304" pitchFamily="18" charset="0"/>
-              </a:rPr>
-              <a:t>.</a:t>
-            </a:r>
-          </a:p>
-          <a:p>
-            <a:r>
-              <a:rPr lang="en-PH" sz="4000" dirty="0" err="1" smtClean="0">
-                <a:latin typeface="Times New Roman" panose="02020603050405020304" pitchFamily="18" charset="0"/>
-                <a:cs typeface="Times New Roman" panose="02020603050405020304" pitchFamily="18" charset="0"/>
-              </a:rPr>
-              <a:t>Khảo</a:t>
-            </a:r>
-            <a:r>
-              <a:rPr lang="en-PH" sz="4000" dirty="0" smtClean="0">
-                <a:latin typeface="Times New Roman" panose="02020603050405020304" pitchFamily="18" charset="0"/>
-                <a:cs typeface="Times New Roman" panose="02020603050405020304" pitchFamily="18" charset="0"/>
-              </a:rPr>
-              <a:t> </a:t>
-            </a:r>
-            <a:r>
-              <a:rPr lang="en-PH" sz="4000" dirty="0" err="1" smtClean="0">
-                <a:latin typeface="Times New Roman" panose="02020603050405020304" pitchFamily="18" charset="0"/>
-                <a:cs typeface="Times New Roman" panose="02020603050405020304" pitchFamily="18" charset="0"/>
-              </a:rPr>
-              <a:t>sát</a:t>
-            </a:r>
-            <a:r>
-              <a:rPr lang="en-PH" sz="4000" dirty="0" smtClean="0">
-                <a:latin typeface="Times New Roman" panose="02020603050405020304" pitchFamily="18" charset="0"/>
-                <a:cs typeface="Times New Roman" panose="02020603050405020304" pitchFamily="18" charset="0"/>
-              </a:rPr>
-              <a:t>.</a:t>
-            </a:r>
             <a:endParaRPr lang="en-PH" sz="4000" dirty="0" smtClean="0">
               <a:latin typeface="Times New Roman" panose="02020603050405020304" pitchFamily="18" charset="0"/>
               <a:cs typeface="Times New Roman" panose="02020603050405020304" pitchFamily="18" charset="0"/>
@@ -10082,7 +9692,7 @@
                 <a:latin typeface="Times New Roman" panose="02020603050405020304" pitchFamily="18" charset="0"/>
                 <a:cs typeface="Times New Roman" panose="02020603050405020304" pitchFamily="18" charset="0"/>
               </a:rPr>
-              <a:t>Các</a:t>
+              <a:t>Khảo</a:t>
             </a:r>
             <a:r>
               <a:rPr lang="en-PH" sz="4000" dirty="0" smtClean="0">
@@ -10096,137 +9706,7 @@
                 <a:latin typeface="Times New Roman" panose="02020603050405020304" pitchFamily="18" charset="0"/>
                 <a:cs typeface="Times New Roman" panose="02020603050405020304" pitchFamily="18" charset="0"/>
               </a:rPr>
-              <a:t>công</a:t>
-            </a:r>
-            <a:r>
-              <a:rPr lang="en-PH" sz="4000" dirty="0" smtClean="0">
-                <a:latin typeface="Times New Roman" panose="02020603050405020304" pitchFamily="18" charset="0"/>
-                <a:cs typeface="Times New Roman" panose="02020603050405020304" pitchFamily="18" charset="0"/>
-              </a:rPr>
-              <a:t> </a:t>
-            </a:r>
-            <a:r>
-              <a:rPr lang="en-PH" sz="4000" dirty="0" err="1" smtClean="0">
-                <a:latin typeface="Times New Roman" panose="02020603050405020304" pitchFamily="18" charset="0"/>
-                <a:cs typeface="Times New Roman" panose="02020603050405020304" pitchFamily="18" charset="0"/>
-              </a:rPr>
-              <a:t>nghệ</a:t>
-            </a:r>
-            <a:r>
-              <a:rPr lang="en-PH" sz="4000" dirty="0" smtClean="0">
-                <a:latin typeface="Times New Roman" panose="02020603050405020304" pitchFamily="18" charset="0"/>
-                <a:cs typeface="Times New Roman" panose="02020603050405020304" pitchFamily="18" charset="0"/>
-              </a:rPr>
-              <a:t> </a:t>
-            </a:r>
-            <a:r>
-              <a:rPr lang="en-PH" sz="4000" dirty="0" err="1" smtClean="0">
-                <a:latin typeface="Times New Roman" panose="02020603050405020304" pitchFamily="18" charset="0"/>
-                <a:cs typeface="Times New Roman" panose="02020603050405020304" pitchFamily="18" charset="0"/>
-              </a:rPr>
-              <a:t>sử</a:t>
-            </a:r>
-            <a:r>
-              <a:rPr lang="en-PH" sz="4000" dirty="0" smtClean="0">
-                <a:latin typeface="Times New Roman" panose="02020603050405020304" pitchFamily="18" charset="0"/>
-                <a:cs typeface="Times New Roman" panose="02020603050405020304" pitchFamily="18" charset="0"/>
-              </a:rPr>
-              <a:t> </a:t>
-            </a:r>
-            <a:r>
-              <a:rPr lang="en-PH" sz="4000" dirty="0" err="1" smtClean="0">
-                <a:latin typeface="Times New Roman" panose="02020603050405020304" pitchFamily="18" charset="0"/>
-                <a:cs typeface="Times New Roman" panose="02020603050405020304" pitchFamily="18" charset="0"/>
-              </a:rPr>
-              <a:t>dụng</a:t>
-            </a:r>
-            <a:r>
-              <a:rPr lang="en-PH" sz="4000" dirty="0" smtClean="0">
-                <a:latin typeface="Times New Roman" panose="02020603050405020304" pitchFamily="18" charset="0"/>
-                <a:cs typeface="Times New Roman" panose="02020603050405020304" pitchFamily="18" charset="0"/>
-              </a:rPr>
-              <a:t>.</a:t>
-            </a:r>
-          </a:p>
-          <a:p>
-            <a:r>
-              <a:rPr lang="en-PH" sz="4000" dirty="0" err="1">
-                <a:latin typeface="Times New Roman" panose="02020603050405020304" pitchFamily="18" charset="0"/>
-                <a:cs typeface="Times New Roman" panose="02020603050405020304" pitchFamily="18" charset="0"/>
-              </a:rPr>
-              <a:t>Các</a:t>
-            </a:r>
-            <a:r>
-              <a:rPr lang="en-PH" sz="4000" dirty="0">
-                <a:latin typeface="Times New Roman" panose="02020603050405020304" pitchFamily="18" charset="0"/>
-                <a:cs typeface="Times New Roman" panose="02020603050405020304" pitchFamily="18" charset="0"/>
-              </a:rPr>
-              <a:t> </a:t>
-            </a:r>
-            <a:r>
-              <a:rPr lang="en-PH" sz="4000" dirty="0" err="1">
-                <a:latin typeface="Times New Roman" panose="02020603050405020304" pitchFamily="18" charset="0"/>
-                <a:cs typeface="Times New Roman" panose="02020603050405020304" pitchFamily="18" charset="0"/>
-              </a:rPr>
-              <a:t>tính</a:t>
-            </a:r>
-            <a:r>
-              <a:rPr lang="en-PH" sz="4000" dirty="0">
-                <a:latin typeface="Times New Roman" panose="02020603050405020304" pitchFamily="18" charset="0"/>
-                <a:cs typeface="Times New Roman" panose="02020603050405020304" pitchFamily="18" charset="0"/>
-              </a:rPr>
-              <a:t> </a:t>
-            </a:r>
-            <a:r>
-              <a:rPr lang="en-PH" sz="4000" dirty="0" err="1" smtClean="0">
-                <a:latin typeface="Times New Roman" panose="02020603050405020304" pitchFamily="18" charset="0"/>
-                <a:cs typeface="Times New Roman" panose="02020603050405020304" pitchFamily="18" charset="0"/>
-              </a:rPr>
-              <a:t>năng</a:t>
-            </a:r>
-            <a:r>
-              <a:rPr lang="en-PH" sz="4000" dirty="0" smtClean="0">
-                <a:latin typeface="Times New Roman" panose="02020603050405020304" pitchFamily="18" charset="0"/>
-                <a:cs typeface="Times New Roman" panose="02020603050405020304" pitchFamily="18" charset="0"/>
-              </a:rPr>
-              <a:t>.</a:t>
-            </a:r>
-          </a:p>
-          <a:p>
-            <a:r>
-              <a:rPr lang="en-PH" sz="4000" dirty="0" smtClean="0">
-                <a:latin typeface="Times New Roman" panose="02020603050405020304" pitchFamily="18" charset="0"/>
-                <a:cs typeface="Times New Roman" panose="02020603050405020304" pitchFamily="18" charset="0"/>
-              </a:rPr>
-              <a:t>Demo </a:t>
-            </a:r>
-            <a:r>
-              <a:rPr lang="en-PH" sz="4000" dirty="0" err="1" smtClean="0">
-                <a:latin typeface="Times New Roman" panose="02020603050405020304" pitchFamily="18" charset="0"/>
-                <a:cs typeface="Times New Roman" panose="02020603050405020304" pitchFamily="18" charset="0"/>
-              </a:rPr>
-              <a:t>sản</a:t>
-            </a:r>
-            <a:r>
-              <a:rPr lang="en-PH" sz="4000" dirty="0" smtClean="0">
-                <a:latin typeface="Times New Roman" panose="02020603050405020304" pitchFamily="18" charset="0"/>
-                <a:cs typeface="Times New Roman" panose="02020603050405020304" pitchFamily="18" charset="0"/>
-              </a:rPr>
-              <a:t> </a:t>
-            </a:r>
-            <a:r>
-              <a:rPr lang="en-PH" sz="4000" dirty="0" err="1" smtClean="0">
-                <a:latin typeface="Times New Roman" panose="02020603050405020304" pitchFamily="18" charset="0"/>
-                <a:cs typeface="Times New Roman" panose="02020603050405020304" pitchFamily="18" charset="0"/>
-              </a:rPr>
-              <a:t>phẩm</a:t>
-            </a:r>
-            <a:r>
-              <a:rPr lang="en-PH" sz="4000" dirty="0" smtClean="0">
-                <a:latin typeface="Times New Roman" panose="02020603050405020304" pitchFamily="18" charset="0"/>
-                <a:cs typeface="Times New Roman" panose="02020603050405020304" pitchFamily="18" charset="0"/>
-              </a:rPr>
-              <a:t>.</a:t>
+              <a:t>sát</a:t>
             </a:r>
             <a:endParaRPr lang="en-PH" sz="4000" dirty="0" smtClean="0">
               <a:latin typeface="Times New Roman" panose="02020603050405020304" pitchFamily="18" charset="0"/>
@@ -10239,6 +9719,150 @@
                 <a:latin typeface="Times New Roman" panose="02020603050405020304" pitchFamily="18" charset="0"/>
                 <a:cs typeface="Times New Roman" panose="02020603050405020304" pitchFamily="18" charset="0"/>
               </a:rPr>
+              <a:t>Các</a:t>
+            </a:r>
+            <a:r>
+              <a:rPr lang="en-PH" sz="4000" dirty="0" smtClean="0">
+                <a:latin typeface="Times New Roman" panose="02020603050405020304" pitchFamily="18" charset="0"/>
+                <a:cs typeface="Times New Roman" panose="02020603050405020304" pitchFamily="18" charset="0"/>
+              </a:rPr>
+              <a:t> </a:t>
+            </a:r>
+            <a:r>
+              <a:rPr lang="en-PH" sz="4000" dirty="0" err="1" smtClean="0">
+                <a:latin typeface="Times New Roman" panose="02020603050405020304" pitchFamily="18" charset="0"/>
+                <a:cs typeface="Times New Roman" panose="02020603050405020304" pitchFamily="18" charset="0"/>
+              </a:rPr>
+              <a:t>công</a:t>
+            </a:r>
+            <a:r>
+              <a:rPr lang="en-PH" sz="4000" dirty="0" smtClean="0">
+                <a:latin typeface="Times New Roman" panose="02020603050405020304" pitchFamily="18" charset="0"/>
+                <a:cs typeface="Times New Roman" panose="02020603050405020304" pitchFamily="18" charset="0"/>
+              </a:rPr>
+              <a:t> </a:t>
+            </a:r>
+            <a:r>
+              <a:rPr lang="en-PH" sz="4000" dirty="0" err="1" smtClean="0">
+                <a:latin typeface="Times New Roman" panose="02020603050405020304" pitchFamily="18" charset="0"/>
+                <a:cs typeface="Times New Roman" panose="02020603050405020304" pitchFamily="18" charset="0"/>
+              </a:rPr>
+              <a:t>nghệ</a:t>
+            </a:r>
+            <a:r>
+              <a:rPr lang="en-PH" sz="4000" dirty="0" smtClean="0">
+                <a:latin typeface="Times New Roman" panose="02020603050405020304" pitchFamily="18" charset="0"/>
+                <a:cs typeface="Times New Roman" panose="02020603050405020304" pitchFamily="18" charset="0"/>
+              </a:rPr>
+              <a:t> </a:t>
+            </a:r>
+            <a:r>
+              <a:rPr lang="en-PH" sz="4000" dirty="0" err="1" smtClean="0">
+                <a:latin typeface="Times New Roman" panose="02020603050405020304" pitchFamily="18" charset="0"/>
+                <a:cs typeface="Times New Roman" panose="02020603050405020304" pitchFamily="18" charset="0"/>
+              </a:rPr>
+              <a:t>sử</a:t>
+            </a:r>
+            <a:r>
+              <a:rPr lang="en-PH" sz="4000" dirty="0" smtClean="0">
+                <a:latin typeface="Times New Roman" panose="02020603050405020304" pitchFamily="18" charset="0"/>
+                <a:cs typeface="Times New Roman" panose="02020603050405020304" pitchFamily="18" charset="0"/>
+              </a:rPr>
+              <a:t> </a:t>
+            </a:r>
+            <a:r>
+              <a:rPr lang="en-PH" sz="4000" dirty="0" err="1" smtClean="0">
+                <a:latin typeface="Times New Roman" panose="02020603050405020304" pitchFamily="18" charset="0"/>
+                <a:cs typeface="Times New Roman" panose="02020603050405020304" pitchFamily="18" charset="0"/>
+              </a:rPr>
+              <a:t>dụng</a:t>
+            </a:r>
+            <a:endParaRPr lang="en-PH" sz="4000" dirty="0" smtClean="0">
+              <a:latin typeface="Times New Roman" panose="02020603050405020304" pitchFamily="18" charset="0"/>
+              <a:cs typeface="Times New Roman" panose="02020603050405020304" pitchFamily="18" charset="0"/>
+            </a:endParaRPr>
+          </a:p>
+          <a:p>
+            <a:r>
+              <a:rPr lang="en-PH" sz="4000" dirty="0" err="1">
+                <a:latin typeface="Times New Roman" panose="02020603050405020304" pitchFamily="18" charset="0"/>
+                <a:cs typeface="Times New Roman" panose="02020603050405020304" pitchFamily="18" charset="0"/>
+              </a:rPr>
+              <a:t>Các</a:t>
+            </a:r>
+            <a:r>
+              <a:rPr lang="en-PH" sz="4000" dirty="0">
+                <a:latin typeface="Times New Roman" panose="02020603050405020304" pitchFamily="18" charset="0"/>
+                <a:cs typeface="Times New Roman" panose="02020603050405020304" pitchFamily="18" charset="0"/>
+              </a:rPr>
+              <a:t> </a:t>
+            </a:r>
+            <a:r>
+              <a:rPr lang="en-PH" sz="4000" dirty="0" err="1">
+                <a:latin typeface="Times New Roman" panose="02020603050405020304" pitchFamily="18" charset="0"/>
+                <a:cs typeface="Times New Roman" panose="02020603050405020304" pitchFamily="18" charset="0"/>
+              </a:rPr>
+              <a:t>tính</a:t>
+            </a:r>
+            <a:r>
+              <a:rPr lang="en-PH" sz="4000" dirty="0">
+                <a:latin typeface="Times New Roman" panose="02020603050405020304" pitchFamily="18" charset="0"/>
+                <a:cs typeface="Times New Roman" panose="02020603050405020304" pitchFamily="18" charset="0"/>
+              </a:rPr>
+              <a:t> </a:t>
+            </a:r>
+            <a:r>
+              <a:rPr lang="en-PH" sz="4000" dirty="0" err="1" smtClean="0">
+                <a:latin typeface="Times New Roman" panose="02020603050405020304" pitchFamily="18" charset="0"/>
+                <a:cs typeface="Times New Roman" panose="02020603050405020304" pitchFamily="18" charset="0"/>
+              </a:rPr>
+              <a:t>năng</a:t>
+            </a:r>
+            <a:endParaRPr lang="en-PH" sz="4000" dirty="0" smtClean="0">
+              <a:latin typeface="Times New Roman" panose="02020603050405020304" pitchFamily="18" charset="0"/>
+              <a:cs typeface="Times New Roman" panose="02020603050405020304" pitchFamily="18" charset="0"/>
+            </a:endParaRPr>
+          </a:p>
+          <a:p>
+            <a:r>
+              <a:rPr lang="en-PH" sz="4000" dirty="0" smtClean="0">
+                <a:latin typeface="Times New Roman" panose="02020603050405020304" pitchFamily="18" charset="0"/>
+                <a:cs typeface="Times New Roman" panose="02020603050405020304" pitchFamily="18" charset="0"/>
+              </a:rPr>
+              <a:t>Demo </a:t>
+            </a:r>
+            <a:r>
+              <a:rPr lang="en-PH" sz="4000" dirty="0" err="1" smtClean="0">
+                <a:latin typeface="Times New Roman" panose="02020603050405020304" pitchFamily="18" charset="0"/>
+                <a:cs typeface="Times New Roman" panose="02020603050405020304" pitchFamily="18" charset="0"/>
+              </a:rPr>
+              <a:t>sản</a:t>
+            </a:r>
+            <a:r>
+              <a:rPr lang="en-PH" sz="4000" dirty="0" smtClean="0">
+                <a:latin typeface="Times New Roman" panose="02020603050405020304" pitchFamily="18" charset="0"/>
+                <a:cs typeface="Times New Roman" panose="02020603050405020304" pitchFamily="18" charset="0"/>
+              </a:rPr>
+              <a:t> </a:t>
+            </a:r>
+            <a:r>
+              <a:rPr lang="en-PH" sz="4000" dirty="0" err="1" smtClean="0">
+                <a:latin typeface="Times New Roman" panose="02020603050405020304" pitchFamily="18" charset="0"/>
+                <a:cs typeface="Times New Roman" panose="02020603050405020304" pitchFamily="18" charset="0"/>
+              </a:rPr>
+              <a:t>phẩm</a:t>
+            </a:r>
+            <a:endParaRPr lang="en-PH" sz="4000" dirty="0" smtClean="0">
+              <a:latin typeface="Times New Roman" panose="02020603050405020304" pitchFamily="18" charset="0"/>
+              <a:cs typeface="Times New Roman" panose="02020603050405020304" pitchFamily="18" charset="0"/>
+            </a:endParaRPr>
+          </a:p>
+          <a:p>
+            <a:r>
+              <a:rPr lang="en-PH" sz="4000" dirty="0" err="1" smtClean="0">
+                <a:latin typeface="Times New Roman" panose="02020603050405020304" pitchFamily="18" charset="0"/>
+                <a:cs typeface="Times New Roman" panose="02020603050405020304" pitchFamily="18" charset="0"/>
+              </a:rPr>
               <a:t>Tổng</a:t>
             </a:r>
             <a:r>
@@ -10255,13 +9879,10 @@
               </a:rPr>
               <a:t>kết</a:t>
             </a:r>
-            <a:r>
-              <a:rPr lang="en-PH" sz="4000" dirty="0" smtClean="0">
-                <a:latin typeface="Times New Roman" panose="02020603050405020304" pitchFamily="18" charset="0"/>
-                <a:cs typeface="Times New Roman" panose="02020603050405020304" pitchFamily="18" charset="0"/>
-              </a:rPr>
-              <a:t>.</a:t>
-            </a:r>
+            <a:endParaRPr lang="en-PH" sz="4000" dirty="0" smtClean="0">
+              <a:latin typeface="Times New Roman" panose="02020603050405020304" pitchFamily="18" charset="0"/>
+              <a:cs typeface="Times New Roman" panose="02020603050405020304" pitchFamily="18" charset="0"/>
+            </a:endParaRPr>
           </a:p>
         </p:txBody>
       </p:sp>
@@ -10980,13 +10601,80 @@
               </a:rPr>
               <a:t>triển</a:t>
             </a:r>
+            <a:endParaRPr lang="en-US" sz="3000" dirty="0" smtClean="0">
+              <a:latin typeface="Times New Roman" panose="02020603050405020304" pitchFamily="18" charset="0"/>
+              <a:cs typeface="Times New Roman" panose="02020603050405020304" pitchFamily="18" charset="0"/>
+            </a:endParaRPr>
+          </a:p>
+          <a:p>
+            <a:pPr lvl="1"/>
+            <a:r>
+              <a:rPr lang="en-US" sz="3000" dirty="0" err="1" smtClean="0">
+                <a:latin typeface="Times New Roman" panose="02020603050405020304" pitchFamily="18" charset="0"/>
+                <a:cs typeface="Times New Roman" panose="02020603050405020304" pitchFamily="18" charset="0"/>
+              </a:rPr>
+              <a:t>Nhu</a:t>
+            </a:r>
             <a:r>
               <a:rPr lang="en-US" sz="3000" dirty="0" smtClean="0">
                 <a:latin typeface="Times New Roman" panose="02020603050405020304" pitchFamily="18" charset="0"/>
                 <a:cs typeface="Times New Roman" panose="02020603050405020304" pitchFamily="18" charset="0"/>
               </a:rPr>
-              <a:t>. </a:t>
-            </a:r>
+              <a:t> </a:t>
+            </a:r>
+            <a:r>
+              <a:rPr lang="en-US" sz="3000" dirty="0" err="1" smtClean="0">
+                <a:latin typeface="Times New Roman" panose="02020603050405020304" pitchFamily="18" charset="0"/>
+                <a:cs typeface="Times New Roman" panose="02020603050405020304" pitchFamily="18" charset="0"/>
+              </a:rPr>
+              <a:t>cầu</a:t>
+            </a:r>
+            <a:r>
+              <a:rPr lang="en-US" sz="3000" dirty="0" smtClean="0">
+                <a:latin typeface="Times New Roman" panose="02020603050405020304" pitchFamily="18" charset="0"/>
+                <a:cs typeface="Times New Roman" panose="02020603050405020304" pitchFamily="18" charset="0"/>
+              </a:rPr>
+              <a:t> </a:t>
+            </a:r>
+            <a:r>
+              <a:rPr lang="en-US" sz="3000" dirty="0" err="1" smtClean="0">
+                <a:latin typeface="Times New Roman" panose="02020603050405020304" pitchFamily="18" charset="0"/>
+                <a:cs typeface="Times New Roman" panose="02020603050405020304" pitchFamily="18" charset="0"/>
+              </a:rPr>
+              <a:t>người</a:t>
+            </a:r>
+            <a:r>
+              <a:rPr lang="en-US" sz="3000" dirty="0" smtClean="0">
+                <a:latin typeface="Times New Roman" panose="02020603050405020304" pitchFamily="18" charset="0"/>
+                <a:cs typeface="Times New Roman" panose="02020603050405020304" pitchFamily="18" charset="0"/>
+              </a:rPr>
+              <a:t> </a:t>
+            </a:r>
+            <a:r>
+              <a:rPr lang="en-US" sz="3000" dirty="0" err="1" smtClean="0">
+                <a:latin typeface="Times New Roman" panose="02020603050405020304" pitchFamily="18" charset="0"/>
+                <a:cs typeface="Times New Roman" panose="02020603050405020304" pitchFamily="18" charset="0"/>
+              </a:rPr>
+              <a:t>dùng</a:t>
+            </a:r>
+            <a:r>
+              <a:rPr lang="en-US" sz="3000" dirty="0" smtClean="0">
+                <a:latin typeface="Times New Roman" panose="02020603050405020304" pitchFamily="18" charset="0"/>
+                <a:cs typeface="Times New Roman" panose="02020603050405020304" pitchFamily="18" charset="0"/>
+              </a:rPr>
+              <a:t> </a:t>
+            </a:r>
+            <a:r>
+              <a:rPr lang="en-US" sz="3000" dirty="0" err="1" smtClean="0">
+                <a:latin typeface="Times New Roman" panose="02020603050405020304" pitchFamily="18" charset="0"/>
+                <a:cs typeface="Times New Roman" panose="02020603050405020304" pitchFamily="18" charset="0"/>
+              </a:rPr>
+              <a:t>lớn</a:t>
+            </a:r>
+            <a:endParaRPr lang="en-US" sz="3000" dirty="0" smtClean="0">
+              <a:latin typeface="Times New Roman" panose="02020603050405020304" pitchFamily="18" charset="0"/>
+              <a:cs typeface="Times New Roman" panose="02020603050405020304" pitchFamily="18" charset="0"/>
+            </a:endParaRPr>
           </a:p>
           <a:p>
             <a:pPr lvl="1"/>
@@ -11023,7 +10711,7 @@
                 <a:latin typeface="Times New Roman" panose="02020603050405020304" pitchFamily="18" charset="0"/>
                 <a:cs typeface="Times New Roman" panose="02020603050405020304" pitchFamily="18" charset="0"/>
               </a:rPr>
-              <a:t>người</a:t>
+              <a:t>tìm</a:t>
             </a:r>
             <a:r>
               <a:rPr lang="en-US" sz="3000" dirty="0" smtClean="0">
@@ -11037,7 +10725,7 @@
                 <a:latin typeface="Times New Roman" panose="02020603050405020304" pitchFamily="18" charset="0"/>
                 <a:cs typeface="Times New Roman" panose="02020603050405020304" pitchFamily="18" charset="0"/>
               </a:rPr>
-              <a:t>dùng</a:t>
+              <a:t>hiểu</a:t>
             </a:r>
             <a:r>
               <a:rPr lang="en-US" sz="3000" dirty="0" smtClean="0">
@@ -11051,24 +10739,21 @@
                 <a:latin typeface="Times New Roman" panose="02020603050405020304" pitchFamily="18" charset="0"/>
                 <a:cs typeface="Times New Roman" panose="02020603050405020304" pitchFamily="18" charset="0"/>
               </a:rPr>
-              <a:t>lớn</a:t>
+              <a:t>về</a:t>
             </a:r>
             <a:r>
               <a:rPr lang="en-US" sz="3000" dirty="0" smtClean="0">
                 <a:latin typeface="Times New Roman" panose="02020603050405020304" pitchFamily="18" charset="0"/>
                 <a:cs typeface="Times New Roman" panose="02020603050405020304" pitchFamily="18" charset="0"/>
               </a:rPr>
-              <a:t>.</a:t>
-            </a:r>
-          </a:p>
-          <a:p>
-            <a:pPr lvl="1"/>
+              <a:t> </a:t>
+            </a:r>
             <a:r>
               <a:rPr lang="en-US" sz="3000" dirty="0" err="1" smtClean="0">
                 <a:latin typeface="Times New Roman" panose="02020603050405020304" pitchFamily="18" charset="0"/>
                 <a:cs typeface="Times New Roman" panose="02020603050405020304" pitchFamily="18" charset="0"/>
               </a:rPr>
-              <a:t>Nhu</a:t>
+              <a:t>laravel</a:t>
             </a:r>
             <a:r>
               <a:rPr lang="en-US" sz="3000" dirty="0" smtClean="0">
@@ -11082,7 +10767,7 @@
                 <a:latin typeface="Times New Roman" panose="02020603050405020304" pitchFamily="18" charset="0"/>
                 <a:cs typeface="Times New Roman" panose="02020603050405020304" pitchFamily="18" charset="0"/>
               </a:rPr>
-              <a:t>cầu</a:t>
+              <a:t>và</a:t>
             </a:r>
             <a:r>
               <a:rPr lang="en-US" sz="3000" dirty="0" smtClean="0">
@@ -11096,85 +10781,12 @@
                 <a:latin typeface="Times New Roman" panose="02020603050405020304" pitchFamily="18" charset="0"/>
                 <a:cs typeface="Times New Roman" panose="02020603050405020304" pitchFamily="18" charset="0"/>
               </a:rPr>
-              <a:t>tìm</a:t>
-            </a:r>
-            <a:r>
-              <a:rPr lang="en-US" sz="3000" dirty="0" smtClean="0">
-                <a:latin typeface="Times New Roman" panose="02020603050405020304" pitchFamily="18" charset="0"/>
-                <a:cs typeface="Times New Roman" panose="02020603050405020304" pitchFamily="18" charset="0"/>
-              </a:rPr>
-              <a:t> </a:t>
-            </a:r>
-            <a:r>
-              <a:rPr lang="en-US" sz="3000" dirty="0" err="1" smtClean="0">
-                <a:latin typeface="Times New Roman" panose="02020603050405020304" pitchFamily="18" charset="0"/>
-                <a:cs typeface="Times New Roman" panose="02020603050405020304" pitchFamily="18" charset="0"/>
-              </a:rPr>
-              <a:t>hiểu</a:t>
-            </a:r>
-            <a:r>
-              <a:rPr lang="en-US" sz="3000" dirty="0" smtClean="0">
-                <a:latin typeface="Times New Roman" panose="02020603050405020304" pitchFamily="18" charset="0"/>
-                <a:cs typeface="Times New Roman" panose="02020603050405020304" pitchFamily="18" charset="0"/>
-              </a:rPr>
-              <a:t> </a:t>
-            </a:r>
-            <a:r>
-              <a:rPr lang="en-US" sz="3000" dirty="0" err="1" smtClean="0">
-                <a:latin typeface="Times New Roman" panose="02020603050405020304" pitchFamily="18" charset="0"/>
-                <a:cs typeface="Times New Roman" panose="02020603050405020304" pitchFamily="18" charset="0"/>
-              </a:rPr>
-              <a:t>về</a:t>
-            </a:r>
-            <a:r>
-              <a:rPr lang="en-US" sz="3000" dirty="0" smtClean="0">
-                <a:latin typeface="Times New Roman" panose="02020603050405020304" pitchFamily="18" charset="0"/>
-                <a:cs typeface="Times New Roman" panose="02020603050405020304" pitchFamily="18" charset="0"/>
-              </a:rPr>
-              <a:t> </a:t>
-            </a:r>
-            <a:r>
-              <a:rPr lang="en-US" sz="3000" dirty="0" err="1" smtClean="0">
-                <a:latin typeface="Times New Roman" panose="02020603050405020304" pitchFamily="18" charset="0"/>
-                <a:cs typeface="Times New Roman" panose="02020603050405020304" pitchFamily="18" charset="0"/>
-              </a:rPr>
-              <a:t>laravel</a:t>
-            </a:r>
-            <a:r>
-              <a:rPr lang="en-US" sz="3000" dirty="0" smtClean="0">
-                <a:latin typeface="Times New Roman" panose="02020603050405020304" pitchFamily="18" charset="0"/>
-                <a:cs typeface="Times New Roman" panose="02020603050405020304" pitchFamily="18" charset="0"/>
-              </a:rPr>
-              <a:t> </a:t>
-            </a:r>
-            <a:r>
-              <a:rPr lang="en-US" sz="3000" dirty="0" err="1" smtClean="0">
-                <a:latin typeface="Times New Roman" panose="02020603050405020304" pitchFamily="18" charset="0"/>
-                <a:cs typeface="Times New Roman" panose="02020603050405020304" pitchFamily="18" charset="0"/>
-              </a:rPr>
-              <a:t>và</a:t>
-            </a:r>
-            <a:r>
-              <a:rPr lang="en-US" sz="3000" dirty="0" smtClean="0">
-                <a:latin typeface="Times New Roman" panose="02020603050405020304" pitchFamily="18" charset="0"/>
-                <a:cs typeface="Times New Roman" panose="02020603050405020304" pitchFamily="18" charset="0"/>
-              </a:rPr>
-              <a:t> </a:t>
-            </a:r>
-            <a:r>
-              <a:rPr lang="en-US" sz="3000" dirty="0" err="1" smtClean="0">
-                <a:latin typeface="Times New Roman" panose="02020603050405020304" pitchFamily="18" charset="0"/>
-                <a:cs typeface="Times New Roman" panose="02020603050405020304" pitchFamily="18" charset="0"/>
-              </a:rPr>
               <a:t>vuejs</a:t>
             </a:r>
-            <a:r>
-              <a:rPr lang="en-US" sz="3000" dirty="0" smtClean="0">
-                <a:latin typeface="Times New Roman" panose="02020603050405020304" pitchFamily="18" charset="0"/>
-                <a:cs typeface="Times New Roman" panose="02020603050405020304" pitchFamily="18" charset="0"/>
-              </a:rPr>
-              <a:t>.</a:t>
-            </a:r>
+            <a:endParaRPr lang="en-US" sz="3000" dirty="0" smtClean="0">
+              <a:latin typeface="Times New Roman" panose="02020603050405020304" pitchFamily="18" charset="0"/>
+              <a:cs typeface="Times New Roman" panose="02020603050405020304" pitchFamily="18" charset="0"/>
+            </a:endParaRPr>
           </a:p>
         </p:txBody>
       </p:sp>
@@ -11981,10 +11593,6 @@
               </a:rPr>
               <a:t> tiki.vn:</a:t>
             </a:r>
-            <a:endParaRPr lang="en-US" sz="4000" dirty="0" smtClean="0">
-              <a:latin typeface="Times New Roman" panose="02020603050405020304" pitchFamily="18" charset="0"/>
-              <a:cs typeface="Times New Roman" panose="02020603050405020304" pitchFamily="18" charset="0"/>
-            </a:endParaRPr>
           </a:p>
         </p:txBody>
       </p:sp>
@@ -12315,7 +11923,7 @@
                 <a:latin typeface="Times New Roman" panose="02020603050405020304" pitchFamily="18" charset="0"/>
                 <a:cs typeface="Times New Roman" panose="02020603050405020304" pitchFamily="18" charset="0"/>
               </a:rPr>
-              <a:t> 5.x.</a:t>
+              <a:t> 5.x</a:t>
             </a:r>
             <a:endParaRPr lang="tr-TR" sz="4000" dirty="0">
               <a:solidFill>
@@ -12346,16 +11954,6 @@
               </a:rPr>
               <a:t>Vuejs</a:t>
             </a:r>
-            <a:r>
-              <a:rPr lang="en-US" sz="4000" dirty="0" smtClean="0">
-                <a:solidFill>
-                  <a:schemeClr val="tx1"/>
-                </a:solidFill>
-                <a:latin typeface="Times New Roman" panose="02020603050405020304" pitchFamily="18" charset="0"/>
-                <a:cs typeface="Times New Roman" panose="02020603050405020304" pitchFamily="18" charset="0"/>
-              </a:rPr>
-              <a:t>.</a:t>
-            </a:r>
             <a:endParaRPr lang="tr-TR" sz="4000" dirty="0">
               <a:solidFill>
                 <a:schemeClr val="tx1"/>
@@ -12384,16 +11982,6 @@
                 <a:cs typeface="Times New Roman" panose="02020603050405020304" pitchFamily="18" charset="0"/>
               </a:rPr>
               <a:t>Mysql</a:t>
-            </a:r>
-            <a:r>
-              <a:rPr lang="en-US" sz="4000" dirty="0" smtClean="0">
-                <a:solidFill>
-                  <a:schemeClr val="tx1"/>
-                </a:solidFill>
-                <a:latin typeface="Times New Roman" panose="02020603050405020304" pitchFamily="18" charset="0"/>
-                <a:cs typeface="Times New Roman" panose="02020603050405020304" pitchFamily="18" charset="0"/>
-              </a:rPr>
-              <a:t>.</a:t>
             </a:r>
             <a:endParaRPr lang="tr-TR" sz="4000" dirty="0">
               <a:solidFill>
@@ -13049,10 +12637,20 @@
                 <a:latin typeface="Times New Roman" panose="02020603050405020304" pitchFamily="18" charset="0"/>
                 <a:cs typeface="Times New Roman" panose="02020603050405020304" pitchFamily="18" charset="0"/>
               </a:rPr>
-              <a:t>là</a:t>
-            </a:r>
-            <a:r>
-              <a:rPr lang="en-US" sz="3000" dirty="0">
+              <a:t>L</a:t>
+            </a:r>
+            <a:r>
+              <a:rPr lang="en-US" sz="3000" dirty="0" err="1" smtClean="0">
+                <a:solidFill>
+                  <a:schemeClr val="tx1"/>
+                </a:solidFill>
+                <a:latin typeface="Times New Roman" panose="02020603050405020304" pitchFamily="18" charset="0"/>
+                <a:cs typeface="Times New Roman" panose="02020603050405020304" pitchFamily="18" charset="0"/>
+              </a:rPr>
+              <a:t>à</a:t>
+            </a:r>
+            <a:r>
+              <a:rPr lang="en-US" sz="3000" dirty="0" smtClean="0">
                 <a:solidFill>
                   <a:schemeClr val="tx1"/>
                 </a:solidFill>
